--- a/flow_of_chess_game.pptx
+++ b/flow_of_chess_game.pptx
@@ -2,18 +2,19 @@
 <file path=ppt/presentation.xml><?xml version="1.0" encoding="utf-8"?>
 <p:presentation xmlns:a="http://schemas.openxmlformats.org/drawingml/2006/main" xmlns:r="http://schemas.openxmlformats.org/officeDocument/2006/relationships" xmlns:p="http://schemas.openxmlformats.org/presentationml/2006/main" saveSubsetFonts="1">
   <p:sldMasterIdLst>
-    <p:sldMasterId id="2147483648" r:id="rId1"/>
+    <p:sldMasterId id="2147483744" r:id="rId1"/>
   </p:sldMasterIdLst>
   <p:sldIdLst>
     <p:sldId id="256" r:id="rId2"/>
+    <p:sldId id="257" r:id="rId3"/>
   </p:sldIdLst>
   <p:sldSz cx="12192000" cy="6858000"/>
   <p:notesSz cx="6858000" cy="9144000"/>
   <p:defaultTextStyle>
     <a:defPPr>
-      <a:defRPr lang="ko-KR"/>
+      <a:defRPr lang="en-US"/>
     </a:defPPr>
-    <a:lvl1pPr marL="0" algn="l" defTabSz="914400" rtl="0" eaLnBrk="1" latinLnBrk="1" hangingPunct="1">
+    <a:lvl1pPr marL="0" algn="l" defTabSz="457200" rtl="0" eaLnBrk="1" latinLnBrk="0" hangingPunct="1">
       <a:defRPr sz="1800" kern="1200">
         <a:solidFill>
           <a:schemeClr val="tx1"/>
@@ -23,7 +24,7 @@
         <a:cs typeface="+mn-cs"/>
       </a:defRPr>
     </a:lvl1pPr>
-    <a:lvl2pPr marL="457200" algn="l" defTabSz="914400" rtl="0" eaLnBrk="1" latinLnBrk="1" hangingPunct="1">
+    <a:lvl2pPr marL="457200" algn="l" defTabSz="457200" rtl="0" eaLnBrk="1" latinLnBrk="0" hangingPunct="1">
       <a:defRPr sz="1800" kern="1200">
         <a:solidFill>
           <a:schemeClr val="tx1"/>
@@ -33,7 +34,7 @@
         <a:cs typeface="+mn-cs"/>
       </a:defRPr>
     </a:lvl2pPr>
-    <a:lvl3pPr marL="914400" algn="l" defTabSz="914400" rtl="0" eaLnBrk="1" latinLnBrk="1" hangingPunct="1">
+    <a:lvl3pPr marL="914400" algn="l" defTabSz="457200" rtl="0" eaLnBrk="1" latinLnBrk="0" hangingPunct="1">
       <a:defRPr sz="1800" kern="1200">
         <a:solidFill>
           <a:schemeClr val="tx1"/>
@@ -43,7 +44,7 @@
         <a:cs typeface="+mn-cs"/>
       </a:defRPr>
     </a:lvl3pPr>
-    <a:lvl4pPr marL="1371600" algn="l" defTabSz="914400" rtl="0" eaLnBrk="1" latinLnBrk="1" hangingPunct="1">
+    <a:lvl4pPr marL="1371600" algn="l" defTabSz="457200" rtl="0" eaLnBrk="1" latinLnBrk="0" hangingPunct="1">
       <a:defRPr sz="1800" kern="1200">
         <a:solidFill>
           <a:schemeClr val="tx1"/>
@@ -53,7 +54,7 @@
         <a:cs typeface="+mn-cs"/>
       </a:defRPr>
     </a:lvl4pPr>
-    <a:lvl5pPr marL="1828800" algn="l" defTabSz="914400" rtl="0" eaLnBrk="1" latinLnBrk="1" hangingPunct="1">
+    <a:lvl5pPr marL="1828800" algn="l" defTabSz="457200" rtl="0" eaLnBrk="1" latinLnBrk="0" hangingPunct="1">
       <a:defRPr sz="1800" kern="1200">
         <a:solidFill>
           <a:schemeClr val="tx1"/>
@@ -63,7 +64,7 @@
         <a:cs typeface="+mn-cs"/>
       </a:defRPr>
     </a:lvl5pPr>
-    <a:lvl6pPr marL="2286000" algn="l" defTabSz="914400" rtl="0" eaLnBrk="1" latinLnBrk="1" hangingPunct="1">
+    <a:lvl6pPr marL="2286000" algn="l" defTabSz="457200" rtl="0" eaLnBrk="1" latinLnBrk="0" hangingPunct="1">
       <a:defRPr sz="1800" kern="1200">
         <a:solidFill>
           <a:schemeClr val="tx1"/>
@@ -73,7 +74,7 @@
         <a:cs typeface="+mn-cs"/>
       </a:defRPr>
     </a:lvl6pPr>
-    <a:lvl7pPr marL="2743200" algn="l" defTabSz="914400" rtl="0" eaLnBrk="1" latinLnBrk="1" hangingPunct="1">
+    <a:lvl7pPr marL="2743200" algn="l" defTabSz="457200" rtl="0" eaLnBrk="1" latinLnBrk="0" hangingPunct="1">
       <a:defRPr sz="1800" kern="1200">
         <a:solidFill>
           <a:schemeClr val="tx1"/>
@@ -83,7 +84,7 @@
         <a:cs typeface="+mn-cs"/>
       </a:defRPr>
     </a:lvl7pPr>
-    <a:lvl8pPr marL="3200400" algn="l" defTabSz="914400" rtl="0" eaLnBrk="1" latinLnBrk="1" hangingPunct="1">
+    <a:lvl8pPr marL="3200400" algn="l" defTabSz="457200" rtl="0" eaLnBrk="1" latinLnBrk="0" hangingPunct="1">
       <a:defRPr sz="1800" kern="1200">
         <a:solidFill>
           <a:schemeClr val="tx1"/>
@@ -93,7 +94,7 @@
         <a:cs typeface="+mn-cs"/>
       </a:defRPr>
     </a:lvl8pPr>
-    <a:lvl9pPr marL="3657600" algn="l" defTabSz="914400" rtl="0" eaLnBrk="1" latinLnBrk="1" hangingPunct="1">
+    <a:lvl9pPr marL="3657600" algn="l" defTabSz="457200" rtl="0" eaLnBrk="1" latinLnBrk="0" hangingPunct="1">
       <a:defRPr sz="1800" kern="1200">
         <a:solidFill>
           <a:schemeClr val="tx1"/>
@@ -104,6 +105,11 @@
       </a:defRPr>
     </a:lvl9pPr>
   </p:defaultTextStyle>
+  <p:extLst>
+    <p:ext uri="{EFAFB233-063F-42B5-8137-9DF3F51BA10A}">
+      <p15:sldGuideLst xmlns:p15="http://schemas.microsoft.com/office/powerpoint/2012/main"/>
+    </p:ext>
+  </p:extLst>
 </p:presentation>
 </file>
 
@@ -126,13 +132,7 @@
       </p:grpSpPr>
       <p:sp>
         <p:nvSpPr>
-          <p:cNvPr id="2" name="제목 1">
-            <a:extLst>
-              <a:ext uri="{FF2B5EF4-FFF2-40B4-BE49-F238E27FC236}">
-                <a16:creationId xmlns:a16="http://schemas.microsoft.com/office/drawing/2014/main" id="{B3F5E1F6-371C-4F25-909C-18C33D7E3B8F}"/>
-              </a:ext>
-            </a:extLst>
-          </p:cNvPr>
+          <p:cNvPr id="2" name="Title 1"/>
           <p:cNvSpPr>
             <a:spLocks noGrp="1"/>
           </p:cNvSpPr>
@@ -142,15 +142,17 @@
         </p:nvSpPr>
         <p:spPr>
           <a:xfrm>
-            <a:off x="1524000" y="1122363"/>
-            <a:ext cx="9144000" cy="2387600"/>
+            <a:off x="1370693" y="1769540"/>
+            <a:ext cx="9440034" cy="1828801"/>
           </a:xfrm>
         </p:spPr>
         <p:txBody>
-          <a:bodyPr anchor="b"/>
+          <a:bodyPr anchor="b">
+            <a:normAutofit/>
+          </a:bodyPr>
           <a:lstStyle>
             <a:lvl1pPr algn="ctr">
-              <a:defRPr sz="6000"/>
+              <a:defRPr sz="5400"/>
             </a:lvl1pPr>
           </a:lstStyle>
           <a:p>
@@ -158,18 +160,13 @@
               <a:rPr lang="ko-KR" altLang="en-US"/>
               <a:t>마스터 제목 스타일 편집</a:t>
             </a:r>
+            <a:endParaRPr lang="en-US" dirty="0"/>
           </a:p>
         </p:txBody>
       </p:sp>
       <p:sp>
         <p:nvSpPr>
-          <p:cNvPr id="3" name="부제목 2">
-            <a:extLst>
-              <a:ext uri="{FF2B5EF4-FFF2-40B4-BE49-F238E27FC236}">
-                <a16:creationId xmlns:a16="http://schemas.microsoft.com/office/drawing/2014/main" id="{B74CB4B1-CEAD-4643-B9B3-0CA7CA34D463}"/>
-              </a:ext>
-            </a:extLst>
-          </p:cNvPr>
+          <p:cNvPr id="3" name="Subtitle 2"/>
           <p:cNvSpPr>
             <a:spLocks noGrp="1"/>
           </p:cNvSpPr>
@@ -179,48 +176,100 @@
         </p:nvSpPr>
         <p:spPr>
           <a:xfrm>
-            <a:off x="1524000" y="3602038"/>
-            <a:ext cx="9144000" cy="1655762"/>
+            <a:off x="1370693" y="3598339"/>
+            <a:ext cx="9440034" cy="1049867"/>
           </a:xfrm>
         </p:spPr>
         <p:txBody>
-          <a:bodyPr/>
+          <a:bodyPr anchor="t"/>
           <a:lstStyle>
             <a:lvl1pPr marL="0" indent="0" algn="ctr">
               <a:buNone/>
-              <a:defRPr sz="2400"/>
+              <a:defRPr>
+                <a:solidFill>
+                  <a:schemeClr val="tx1"/>
+                </a:solidFill>
+              </a:defRPr>
             </a:lvl1pPr>
             <a:lvl2pPr marL="457200" indent="0" algn="ctr">
               <a:buNone/>
-              <a:defRPr sz="2000"/>
+              <a:defRPr>
+                <a:solidFill>
+                  <a:schemeClr val="tx1">
+                    <a:tint val="75000"/>
+                  </a:schemeClr>
+                </a:solidFill>
+              </a:defRPr>
             </a:lvl2pPr>
             <a:lvl3pPr marL="914400" indent="0" algn="ctr">
               <a:buNone/>
-              <a:defRPr sz="1800"/>
+              <a:defRPr>
+                <a:solidFill>
+                  <a:schemeClr val="tx1">
+                    <a:tint val="75000"/>
+                  </a:schemeClr>
+                </a:solidFill>
+              </a:defRPr>
             </a:lvl3pPr>
             <a:lvl4pPr marL="1371600" indent="0" algn="ctr">
               <a:buNone/>
-              <a:defRPr sz="1600"/>
+              <a:defRPr>
+                <a:solidFill>
+                  <a:schemeClr val="tx1">
+                    <a:tint val="75000"/>
+                  </a:schemeClr>
+                </a:solidFill>
+              </a:defRPr>
             </a:lvl4pPr>
             <a:lvl5pPr marL="1828800" indent="0" algn="ctr">
               <a:buNone/>
-              <a:defRPr sz="1600"/>
+              <a:defRPr>
+                <a:solidFill>
+                  <a:schemeClr val="tx1">
+                    <a:tint val="75000"/>
+                  </a:schemeClr>
+                </a:solidFill>
+              </a:defRPr>
             </a:lvl5pPr>
             <a:lvl6pPr marL="2286000" indent="0" algn="ctr">
               <a:buNone/>
-              <a:defRPr sz="1600"/>
+              <a:defRPr>
+                <a:solidFill>
+                  <a:schemeClr val="tx1">
+                    <a:tint val="75000"/>
+                  </a:schemeClr>
+                </a:solidFill>
+              </a:defRPr>
             </a:lvl6pPr>
             <a:lvl7pPr marL="2743200" indent="0" algn="ctr">
               <a:buNone/>
-              <a:defRPr sz="1600"/>
+              <a:defRPr>
+                <a:solidFill>
+                  <a:schemeClr val="tx1">
+                    <a:tint val="75000"/>
+                  </a:schemeClr>
+                </a:solidFill>
+              </a:defRPr>
             </a:lvl7pPr>
             <a:lvl8pPr marL="3200400" indent="0" algn="ctr">
               <a:buNone/>
-              <a:defRPr sz="1600"/>
+              <a:defRPr>
+                <a:solidFill>
+                  <a:schemeClr val="tx1">
+                    <a:tint val="75000"/>
+                  </a:schemeClr>
+                </a:solidFill>
+              </a:defRPr>
             </a:lvl8pPr>
             <a:lvl9pPr marL="3657600" indent="0" algn="ctr">
               <a:buNone/>
-              <a:defRPr sz="1600"/>
+              <a:defRPr>
+                <a:solidFill>
+                  <a:schemeClr val="tx1">
+                    <a:tint val="75000"/>
+                  </a:schemeClr>
+                </a:solidFill>
+              </a:defRPr>
             </a:lvl9pPr>
           </a:lstStyle>
           <a:p>
@@ -228,18 +277,13 @@
               <a:rPr lang="ko-KR" altLang="en-US"/>
               <a:t>클릭하여 마스터 부제목 스타일 편집</a:t>
             </a:r>
+            <a:endParaRPr lang="en-US" dirty="0"/>
           </a:p>
         </p:txBody>
       </p:sp>
       <p:sp>
         <p:nvSpPr>
-          <p:cNvPr id="4" name="날짜 개체 틀 3">
-            <a:extLst>
-              <a:ext uri="{FF2B5EF4-FFF2-40B4-BE49-F238E27FC236}">
-                <a16:creationId xmlns:a16="http://schemas.microsoft.com/office/drawing/2014/main" id="{69BEF361-C403-4163-8A90-D7FA9CD89D93}"/>
-              </a:ext>
-            </a:extLst>
-          </p:cNvPr>
+          <p:cNvPr id="4" name="Date Placeholder 3"/>
           <p:cNvSpPr>
             <a:spLocks noGrp="1"/>
           </p:cNvSpPr>
@@ -254,7 +298,7 @@
           <a:p>
             <a:fld id="{B8774375-EA71-4015-9618-DF73F457C02A}" type="datetimeFigureOut">
               <a:rPr lang="ko-KR" altLang="en-US" smtClean="0"/>
-              <a:t>2019-08-03</a:t>
+              <a:t>2019-08-13</a:t>
             </a:fld>
             <a:endParaRPr lang="ko-KR" altLang="en-US"/>
           </a:p>
@@ -262,13 +306,7 @@
       </p:sp>
       <p:sp>
         <p:nvSpPr>
-          <p:cNvPr id="5" name="바닥글 개체 틀 4">
-            <a:extLst>
-              <a:ext uri="{FF2B5EF4-FFF2-40B4-BE49-F238E27FC236}">
-                <a16:creationId xmlns:a16="http://schemas.microsoft.com/office/drawing/2014/main" id="{60DB45A3-6B5E-4BD0-AA33-ED625E8D9895}"/>
-              </a:ext>
-            </a:extLst>
-          </p:cNvPr>
+          <p:cNvPr id="5" name="Footer Placeholder 4"/>
           <p:cNvSpPr>
             <a:spLocks noGrp="1"/>
           </p:cNvSpPr>
@@ -287,13 +325,7 @@
       </p:sp>
       <p:sp>
         <p:nvSpPr>
-          <p:cNvPr id="6" name="슬라이드 번호 개체 틀 5">
-            <a:extLst>
-              <a:ext uri="{FF2B5EF4-FFF2-40B4-BE49-F238E27FC236}">
-                <a16:creationId xmlns:a16="http://schemas.microsoft.com/office/drawing/2014/main" id="{384B86B8-8014-4EE5-8CD8-A91DF96B4FED}"/>
-              </a:ext>
-            </a:extLst>
-          </p:cNvPr>
+          <p:cNvPr id="6" name="Slide Number Placeholder 5"/>
           <p:cNvSpPr>
             <a:spLocks noGrp="1"/>
           </p:cNvSpPr>
@@ -317,7 +349,7 @@
     </p:spTree>
     <p:extLst>
       <p:ext uri="{BB962C8B-B14F-4D97-AF65-F5344CB8AC3E}">
-        <p14:creationId xmlns:p14="http://schemas.microsoft.com/office/powerpoint/2010/main" val="3384176371"/>
+        <p14:creationId xmlns:p14="http://schemas.microsoft.com/office/powerpoint/2010/main" val="113032278"/>
       </p:ext>
     </p:extLst>
   </p:cSld>
@@ -328,6 +360,2582 @@
 </file>
 
 <file path=ppt/slideLayouts/slideLayout10.xml><?xml version="1.0" encoding="utf-8"?>
+<p:sldLayout xmlns:a="http://schemas.openxmlformats.org/drawingml/2006/main" xmlns:r="http://schemas.openxmlformats.org/officeDocument/2006/relationships" xmlns:p="http://schemas.openxmlformats.org/presentationml/2006/main" preserve="1">
+  <p:cSld name="캡션 있는 파노라마 그림">
+    <p:spTree>
+      <p:nvGrpSpPr>
+        <p:cNvPr id="1" name=""/>
+        <p:cNvGrpSpPr/>
+        <p:nvPr/>
+      </p:nvGrpSpPr>
+      <p:grpSpPr>
+        <a:xfrm>
+          <a:off x="0" y="0"/>
+          <a:ext cx="0" cy="0"/>
+          <a:chOff x="0" y="0"/>
+          <a:chExt cx="0" cy="0"/>
+        </a:xfrm>
+      </p:grpSpPr>
+      <p:pic>
+        <p:nvPicPr>
+          <p:cNvPr id="16" name="Picture 15" descr="Slate-V2-HD-panoPhotoInset.png"/>
+          <p:cNvPicPr>
+            <a:picLocks noChangeAspect="1"/>
+          </p:cNvPicPr>
+          <p:nvPr/>
+        </p:nvPicPr>
+        <p:blipFill>
+          <a:blip r:embed="rId2">
+            <a:extLst>
+              <a:ext uri="{28A0092B-C50C-407E-A947-70E740481C1C}">
+                <a14:useLocalDpi xmlns:a14="http://schemas.microsoft.com/office/drawing/2010/main" val="0"/>
+              </a:ext>
+            </a:extLst>
+          </a:blip>
+          <a:stretch>
+            <a:fillRect/>
+          </a:stretch>
+        </p:blipFill>
+        <p:spPr>
+          <a:xfrm>
+            <a:off x="1013883" y="547807"/>
+            <a:ext cx="10141799" cy="3816806"/>
+          </a:xfrm>
+          <a:prstGeom prst="rect">
+            <a:avLst/>
+          </a:prstGeom>
+        </p:spPr>
+      </p:pic>
+      <p:sp>
+        <p:nvSpPr>
+          <p:cNvPr id="2" name="Title 1"/>
+          <p:cNvSpPr>
+            <a:spLocks noGrp="1"/>
+          </p:cNvSpPr>
+          <p:nvPr>
+            <p:ph type="title"/>
+          </p:nvPr>
+        </p:nvSpPr>
+        <p:spPr>
+          <a:xfrm>
+            <a:off x="913806" y="4565255"/>
+            <a:ext cx="10355326" cy="543472"/>
+          </a:xfrm>
+        </p:spPr>
+        <p:txBody>
+          <a:bodyPr anchor="b">
+            <a:normAutofit/>
+          </a:bodyPr>
+          <a:lstStyle>
+            <a:lvl1pPr algn="ctr">
+              <a:defRPr sz="2800"/>
+            </a:lvl1pPr>
+          </a:lstStyle>
+          <a:p>
+            <a:r>
+              <a:rPr lang="ko-KR" altLang="en-US"/>
+              <a:t>마스터 제목 스타일 편집</a:t>
+            </a:r>
+            <a:endParaRPr lang="en-US" dirty="0"/>
+          </a:p>
+        </p:txBody>
+      </p:sp>
+      <p:sp>
+        <p:nvSpPr>
+          <p:cNvPr id="3" name="Picture Placeholder 2"/>
+          <p:cNvSpPr>
+            <a:spLocks noGrp="1" noChangeAspect="1"/>
+          </p:cNvSpPr>
+          <p:nvPr>
+            <p:ph type="pic" idx="1"/>
+          </p:nvPr>
+        </p:nvSpPr>
+        <p:spPr>
+          <a:xfrm>
+            <a:off x="1169349" y="695009"/>
+            <a:ext cx="9845346" cy="3525671"/>
+          </a:xfrm>
+          <a:effectLst>
+            <a:outerShdw blurRad="38100" dist="25400" dir="4440000">
+              <a:srgbClr val="000000">
+                <a:alpha val="36000"/>
+              </a:srgbClr>
+            </a:outerShdw>
+          </a:effectLst>
+        </p:spPr>
+        <p:txBody>
+          <a:bodyPr anchor="t">
+            <a:normAutofit/>
+          </a:bodyPr>
+          <a:lstStyle>
+            <a:lvl1pPr marL="0" indent="0" algn="ctr">
+              <a:buNone/>
+              <a:defRPr sz="2000"/>
+            </a:lvl1pPr>
+            <a:lvl2pPr marL="457200" indent="0">
+              <a:buNone/>
+              <a:defRPr sz="2000"/>
+            </a:lvl2pPr>
+            <a:lvl3pPr marL="914400" indent="0">
+              <a:buNone/>
+              <a:defRPr sz="2000"/>
+            </a:lvl3pPr>
+            <a:lvl4pPr marL="1371600" indent="0">
+              <a:buNone/>
+              <a:defRPr sz="2000"/>
+            </a:lvl4pPr>
+            <a:lvl5pPr marL="1828800" indent="0">
+              <a:buNone/>
+              <a:defRPr sz="2000"/>
+            </a:lvl5pPr>
+            <a:lvl6pPr marL="2286000" indent="0">
+              <a:buNone/>
+              <a:defRPr sz="2000"/>
+            </a:lvl6pPr>
+            <a:lvl7pPr marL="2743200" indent="0">
+              <a:buNone/>
+              <a:defRPr sz="2000"/>
+            </a:lvl7pPr>
+            <a:lvl8pPr marL="3200400" indent="0">
+              <a:buNone/>
+              <a:defRPr sz="2000"/>
+            </a:lvl8pPr>
+            <a:lvl9pPr marL="3657600" indent="0">
+              <a:buNone/>
+              <a:defRPr sz="2000"/>
+            </a:lvl9pPr>
+          </a:lstStyle>
+          <a:p>
+            <a:r>
+              <a:rPr lang="ko-KR" altLang="en-US"/>
+              <a:t>그림을 추가하려면 아이콘을 클릭하십시오</a:t>
+            </a:r>
+            <a:endParaRPr lang="en-US" dirty="0"/>
+          </a:p>
+        </p:txBody>
+      </p:sp>
+      <p:sp>
+        <p:nvSpPr>
+          <p:cNvPr id="4" name="Text Placeholder 3"/>
+          <p:cNvSpPr>
+            <a:spLocks noGrp="1"/>
+          </p:cNvSpPr>
+          <p:nvPr>
+            <p:ph type="body" sz="half" idx="2"/>
+          </p:nvPr>
+        </p:nvSpPr>
+        <p:spPr>
+          <a:xfrm>
+            <a:off x="913795" y="5108728"/>
+            <a:ext cx="10353762" cy="682472"/>
+          </a:xfrm>
+        </p:spPr>
+        <p:txBody>
+          <a:bodyPr anchor="t"/>
+          <a:lstStyle>
+            <a:lvl1pPr marL="0" indent="0" algn="ctr">
+              <a:buNone/>
+              <a:defRPr sz="1600"/>
+            </a:lvl1pPr>
+            <a:lvl2pPr marL="457200" indent="0">
+              <a:buNone/>
+              <a:defRPr sz="1400"/>
+            </a:lvl2pPr>
+            <a:lvl3pPr marL="914400" indent="0">
+              <a:buNone/>
+              <a:defRPr sz="1200"/>
+            </a:lvl3pPr>
+            <a:lvl4pPr marL="1371600" indent="0">
+              <a:buNone/>
+              <a:defRPr sz="1000"/>
+            </a:lvl4pPr>
+            <a:lvl5pPr marL="1828800" indent="0">
+              <a:buNone/>
+              <a:defRPr sz="1000"/>
+            </a:lvl5pPr>
+            <a:lvl6pPr marL="2286000" indent="0">
+              <a:buNone/>
+              <a:defRPr sz="1000"/>
+            </a:lvl6pPr>
+            <a:lvl7pPr marL="2743200" indent="0">
+              <a:buNone/>
+              <a:defRPr sz="1000"/>
+            </a:lvl7pPr>
+            <a:lvl8pPr marL="3200400" indent="0">
+              <a:buNone/>
+              <a:defRPr sz="1000"/>
+            </a:lvl8pPr>
+            <a:lvl9pPr marL="3657600" indent="0">
+              <a:buNone/>
+              <a:defRPr sz="1000"/>
+            </a:lvl9pPr>
+          </a:lstStyle>
+          <a:p>
+            <a:pPr lvl="0"/>
+            <a:r>
+              <a:rPr lang="ko-KR" altLang="en-US"/>
+              <a:t>마스터 텍스트 스타일을 편집하려면 클릭</a:t>
+            </a:r>
+          </a:p>
+        </p:txBody>
+      </p:sp>
+      <p:sp>
+        <p:nvSpPr>
+          <p:cNvPr id="5" name="Date Placeholder 4"/>
+          <p:cNvSpPr>
+            <a:spLocks noGrp="1"/>
+          </p:cNvSpPr>
+          <p:nvPr>
+            <p:ph type="dt" sz="half" idx="10"/>
+          </p:nvPr>
+        </p:nvSpPr>
+        <p:spPr/>
+        <p:txBody>
+          <a:bodyPr/>
+          <a:lstStyle/>
+          <a:p>
+            <a:fld id="{B8774375-EA71-4015-9618-DF73F457C02A}" type="datetimeFigureOut">
+              <a:rPr lang="ko-KR" altLang="en-US" smtClean="0"/>
+              <a:t>2019-08-13</a:t>
+            </a:fld>
+            <a:endParaRPr lang="ko-KR" altLang="en-US"/>
+          </a:p>
+        </p:txBody>
+      </p:sp>
+      <p:sp>
+        <p:nvSpPr>
+          <p:cNvPr id="6" name="Footer Placeholder 5"/>
+          <p:cNvSpPr>
+            <a:spLocks noGrp="1"/>
+          </p:cNvSpPr>
+          <p:nvPr>
+            <p:ph type="ftr" sz="quarter" idx="11"/>
+          </p:nvPr>
+        </p:nvSpPr>
+        <p:spPr/>
+        <p:txBody>
+          <a:bodyPr/>
+          <a:lstStyle/>
+          <a:p>
+            <a:endParaRPr lang="ko-KR" altLang="en-US"/>
+          </a:p>
+        </p:txBody>
+      </p:sp>
+      <p:sp>
+        <p:nvSpPr>
+          <p:cNvPr id="7" name="Slide Number Placeholder 6"/>
+          <p:cNvSpPr>
+            <a:spLocks noGrp="1"/>
+          </p:cNvSpPr>
+          <p:nvPr>
+            <p:ph type="sldNum" sz="quarter" idx="12"/>
+          </p:nvPr>
+        </p:nvSpPr>
+        <p:spPr/>
+        <p:txBody>
+          <a:bodyPr/>
+          <a:lstStyle/>
+          <a:p>
+            <a:fld id="{D709A63A-9745-40AC-B80C-AB7B4FD4B25C}" type="slidenum">
+              <a:rPr lang="ko-KR" altLang="en-US" smtClean="0"/>
+              <a:t>‹#›</a:t>
+            </a:fld>
+            <a:endParaRPr lang="ko-KR" altLang="en-US"/>
+          </a:p>
+        </p:txBody>
+      </p:sp>
+    </p:spTree>
+    <p:extLst>
+      <p:ext uri="{BB962C8B-B14F-4D97-AF65-F5344CB8AC3E}">
+        <p14:creationId xmlns:p14="http://schemas.microsoft.com/office/powerpoint/2010/main" val="87858666"/>
+      </p:ext>
+    </p:extLst>
+  </p:cSld>
+  <p:clrMapOvr>
+    <a:masterClrMapping/>
+  </p:clrMapOvr>
+</p:sldLayout>
+</file>
+
+<file path=ppt/slideLayouts/slideLayout11.xml><?xml version="1.0" encoding="utf-8"?>
+<p:sldLayout xmlns:a="http://schemas.openxmlformats.org/drawingml/2006/main" xmlns:r="http://schemas.openxmlformats.org/officeDocument/2006/relationships" xmlns:p="http://schemas.openxmlformats.org/presentationml/2006/main" preserve="1">
+  <p:cSld name="제목 및 캡션">
+    <p:spTree>
+      <p:nvGrpSpPr>
+        <p:cNvPr id="1" name=""/>
+        <p:cNvGrpSpPr/>
+        <p:nvPr/>
+      </p:nvGrpSpPr>
+      <p:grpSpPr>
+        <a:xfrm>
+          <a:off x="0" y="0"/>
+          <a:ext cx="0" cy="0"/>
+          <a:chOff x="0" y="0"/>
+          <a:chExt cx="0" cy="0"/>
+        </a:xfrm>
+      </p:grpSpPr>
+      <p:sp>
+        <p:nvSpPr>
+          <p:cNvPr id="2" name="Title 1"/>
+          <p:cNvSpPr>
+            <a:spLocks noGrp="1"/>
+          </p:cNvSpPr>
+          <p:nvPr>
+            <p:ph type="title"/>
+          </p:nvPr>
+        </p:nvSpPr>
+        <p:spPr>
+          <a:xfrm>
+            <a:off x="913795" y="608437"/>
+            <a:ext cx="10353762" cy="3534344"/>
+          </a:xfrm>
+        </p:spPr>
+        <p:txBody>
+          <a:bodyPr anchor="ctr"/>
+          <a:lstStyle>
+            <a:lvl1pPr>
+              <a:defRPr sz="3200"/>
+            </a:lvl1pPr>
+          </a:lstStyle>
+          <a:p>
+            <a:r>
+              <a:rPr lang="ko-KR" altLang="en-US"/>
+              <a:t>마스터 제목 스타일 편집</a:t>
+            </a:r>
+            <a:endParaRPr lang="en-US" dirty="0"/>
+          </a:p>
+        </p:txBody>
+      </p:sp>
+      <p:sp>
+        <p:nvSpPr>
+          <p:cNvPr id="4" name="Text Placeholder 3"/>
+          <p:cNvSpPr>
+            <a:spLocks noGrp="1"/>
+          </p:cNvSpPr>
+          <p:nvPr>
+            <p:ph type="body" sz="half" idx="2"/>
+          </p:nvPr>
+        </p:nvSpPr>
+        <p:spPr>
+          <a:xfrm>
+            <a:off x="913794" y="4295180"/>
+            <a:ext cx="10353763" cy="1501826"/>
+          </a:xfrm>
+        </p:spPr>
+        <p:txBody>
+          <a:bodyPr anchor="ctr"/>
+          <a:lstStyle>
+            <a:lvl1pPr marL="0" indent="0" algn="ctr">
+              <a:buNone/>
+              <a:defRPr sz="1600"/>
+            </a:lvl1pPr>
+            <a:lvl2pPr marL="457200" indent="0">
+              <a:buNone/>
+              <a:defRPr sz="1400"/>
+            </a:lvl2pPr>
+            <a:lvl3pPr marL="914400" indent="0">
+              <a:buNone/>
+              <a:defRPr sz="1200"/>
+            </a:lvl3pPr>
+            <a:lvl4pPr marL="1371600" indent="0">
+              <a:buNone/>
+              <a:defRPr sz="1000"/>
+            </a:lvl4pPr>
+            <a:lvl5pPr marL="1828800" indent="0">
+              <a:buNone/>
+              <a:defRPr sz="1000"/>
+            </a:lvl5pPr>
+            <a:lvl6pPr marL="2286000" indent="0">
+              <a:buNone/>
+              <a:defRPr sz="1000"/>
+            </a:lvl6pPr>
+            <a:lvl7pPr marL="2743200" indent="0">
+              <a:buNone/>
+              <a:defRPr sz="1000"/>
+            </a:lvl7pPr>
+            <a:lvl8pPr marL="3200400" indent="0">
+              <a:buNone/>
+              <a:defRPr sz="1000"/>
+            </a:lvl8pPr>
+            <a:lvl9pPr marL="3657600" indent="0">
+              <a:buNone/>
+              <a:defRPr sz="1000"/>
+            </a:lvl9pPr>
+          </a:lstStyle>
+          <a:p>
+            <a:pPr lvl="0"/>
+            <a:r>
+              <a:rPr lang="ko-KR" altLang="en-US"/>
+              <a:t>마스터 텍스트 스타일을 편집하려면 클릭</a:t>
+            </a:r>
+          </a:p>
+        </p:txBody>
+      </p:sp>
+      <p:sp>
+        <p:nvSpPr>
+          <p:cNvPr id="5" name="Date Placeholder 4"/>
+          <p:cNvSpPr>
+            <a:spLocks noGrp="1"/>
+          </p:cNvSpPr>
+          <p:nvPr>
+            <p:ph type="dt" sz="half" idx="10"/>
+          </p:nvPr>
+        </p:nvSpPr>
+        <p:spPr/>
+        <p:txBody>
+          <a:bodyPr/>
+          <a:lstStyle/>
+          <a:p>
+            <a:fld id="{B8774375-EA71-4015-9618-DF73F457C02A}" type="datetimeFigureOut">
+              <a:rPr lang="ko-KR" altLang="en-US" smtClean="0"/>
+              <a:t>2019-08-13</a:t>
+            </a:fld>
+            <a:endParaRPr lang="ko-KR" altLang="en-US"/>
+          </a:p>
+        </p:txBody>
+      </p:sp>
+      <p:sp>
+        <p:nvSpPr>
+          <p:cNvPr id="6" name="Footer Placeholder 5"/>
+          <p:cNvSpPr>
+            <a:spLocks noGrp="1"/>
+          </p:cNvSpPr>
+          <p:nvPr>
+            <p:ph type="ftr" sz="quarter" idx="11"/>
+          </p:nvPr>
+        </p:nvSpPr>
+        <p:spPr/>
+        <p:txBody>
+          <a:bodyPr/>
+          <a:lstStyle/>
+          <a:p>
+            <a:endParaRPr lang="ko-KR" altLang="en-US"/>
+          </a:p>
+        </p:txBody>
+      </p:sp>
+      <p:sp>
+        <p:nvSpPr>
+          <p:cNvPr id="7" name="Slide Number Placeholder 6"/>
+          <p:cNvSpPr>
+            <a:spLocks noGrp="1"/>
+          </p:cNvSpPr>
+          <p:nvPr>
+            <p:ph type="sldNum" sz="quarter" idx="12"/>
+          </p:nvPr>
+        </p:nvSpPr>
+        <p:spPr/>
+        <p:txBody>
+          <a:bodyPr/>
+          <a:lstStyle/>
+          <a:p>
+            <a:fld id="{D709A63A-9745-40AC-B80C-AB7B4FD4B25C}" type="slidenum">
+              <a:rPr lang="ko-KR" altLang="en-US" smtClean="0"/>
+              <a:t>‹#›</a:t>
+            </a:fld>
+            <a:endParaRPr lang="ko-KR" altLang="en-US"/>
+          </a:p>
+        </p:txBody>
+      </p:sp>
+    </p:spTree>
+    <p:extLst>
+      <p:ext uri="{BB962C8B-B14F-4D97-AF65-F5344CB8AC3E}">
+        <p14:creationId xmlns:p14="http://schemas.microsoft.com/office/powerpoint/2010/main" val="2341012300"/>
+      </p:ext>
+    </p:extLst>
+  </p:cSld>
+  <p:clrMapOvr>
+    <a:masterClrMapping/>
+  </p:clrMapOvr>
+</p:sldLayout>
+</file>
+
+<file path=ppt/slideLayouts/slideLayout12.xml><?xml version="1.0" encoding="utf-8"?>
+<p:sldLayout xmlns:a="http://schemas.openxmlformats.org/drawingml/2006/main" xmlns:r="http://schemas.openxmlformats.org/officeDocument/2006/relationships" xmlns:p="http://schemas.openxmlformats.org/presentationml/2006/main" preserve="1">
+  <p:cSld name="캡션 있는 인용문">
+    <p:spTree>
+      <p:nvGrpSpPr>
+        <p:cNvPr id="1" name=""/>
+        <p:cNvGrpSpPr/>
+        <p:nvPr/>
+      </p:nvGrpSpPr>
+      <p:grpSpPr>
+        <a:xfrm>
+          <a:off x="0" y="0"/>
+          <a:ext cx="0" cy="0"/>
+          <a:chOff x="0" y="0"/>
+          <a:chExt cx="0" cy="0"/>
+        </a:xfrm>
+      </p:grpSpPr>
+      <p:sp>
+        <p:nvSpPr>
+          <p:cNvPr id="2" name="Title 1"/>
+          <p:cNvSpPr>
+            <a:spLocks noGrp="1"/>
+          </p:cNvSpPr>
+          <p:nvPr>
+            <p:ph type="title"/>
+          </p:nvPr>
+        </p:nvSpPr>
+        <p:spPr>
+          <a:xfrm>
+            <a:off x="1446212" y="609600"/>
+            <a:ext cx="9302752" cy="2992904"/>
+          </a:xfrm>
+        </p:spPr>
+        <p:txBody>
+          <a:bodyPr anchor="ctr"/>
+          <a:lstStyle>
+            <a:lvl1pPr>
+              <a:defRPr sz="3200"/>
+            </a:lvl1pPr>
+          </a:lstStyle>
+          <a:p>
+            <a:r>
+              <a:rPr lang="ko-KR" altLang="en-US"/>
+              <a:t>마스터 제목 스타일 편집</a:t>
+            </a:r>
+            <a:endParaRPr lang="en-US" dirty="0"/>
+          </a:p>
+        </p:txBody>
+      </p:sp>
+      <p:sp>
+        <p:nvSpPr>
+          <p:cNvPr id="12" name="Text Placeholder 3"/>
+          <p:cNvSpPr>
+            <a:spLocks noGrp="1"/>
+          </p:cNvSpPr>
+          <p:nvPr>
+            <p:ph type="body" sz="half" idx="13"/>
+          </p:nvPr>
+        </p:nvSpPr>
+        <p:spPr>
+          <a:xfrm>
+            <a:off x="1720644" y="3610032"/>
+            <a:ext cx="8752299" cy="532749"/>
+          </a:xfrm>
+        </p:spPr>
+        <p:txBody>
+          <a:bodyPr anchor="t">
+            <a:normAutofit/>
+          </a:bodyPr>
+          <a:lstStyle>
+            <a:lvl1pPr marL="0" indent="0" algn="r">
+              <a:buNone/>
+              <a:defRPr sz="1400"/>
+            </a:lvl1pPr>
+            <a:lvl2pPr marL="457200" indent="0">
+              <a:buNone/>
+              <a:defRPr sz="1400"/>
+            </a:lvl2pPr>
+            <a:lvl3pPr marL="914400" indent="0">
+              <a:buNone/>
+              <a:defRPr sz="1200"/>
+            </a:lvl3pPr>
+            <a:lvl4pPr marL="1371600" indent="0">
+              <a:buNone/>
+              <a:defRPr sz="1000"/>
+            </a:lvl4pPr>
+            <a:lvl5pPr marL="1828800" indent="0">
+              <a:buNone/>
+              <a:defRPr sz="1000"/>
+            </a:lvl5pPr>
+            <a:lvl6pPr marL="2286000" indent="0">
+              <a:buNone/>
+              <a:defRPr sz="1000"/>
+            </a:lvl6pPr>
+            <a:lvl7pPr marL="2743200" indent="0">
+              <a:buNone/>
+              <a:defRPr sz="1000"/>
+            </a:lvl7pPr>
+            <a:lvl8pPr marL="3200400" indent="0">
+              <a:buNone/>
+              <a:defRPr sz="1000"/>
+            </a:lvl8pPr>
+            <a:lvl9pPr marL="3657600" indent="0">
+              <a:buNone/>
+              <a:defRPr sz="1000"/>
+            </a:lvl9pPr>
+          </a:lstStyle>
+          <a:p>
+            <a:pPr lvl="0"/>
+            <a:r>
+              <a:rPr lang="ko-KR" altLang="en-US"/>
+              <a:t>마스터 텍스트 스타일을 편집하려면 클릭</a:t>
+            </a:r>
+          </a:p>
+        </p:txBody>
+      </p:sp>
+      <p:sp>
+        <p:nvSpPr>
+          <p:cNvPr id="4" name="Text Placeholder 3"/>
+          <p:cNvSpPr>
+            <a:spLocks noGrp="1"/>
+          </p:cNvSpPr>
+          <p:nvPr>
+            <p:ph type="body" sz="half" idx="2"/>
+          </p:nvPr>
+        </p:nvSpPr>
+        <p:spPr>
+          <a:xfrm>
+            <a:off x="913794" y="4304353"/>
+            <a:ext cx="10353763" cy="1489496"/>
+          </a:xfrm>
+        </p:spPr>
+        <p:txBody>
+          <a:bodyPr anchor="ctr">
+            <a:normAutofit/>
+          </a:bodyPr>
+          <a:lstStyle>
+            <a:lvl1pPr marL="0" indent="0" algn="ctr">
+              <a:buNone/>
+              <a:defRPr sz="1600"/>
+            </a:lvl1pPr>
+            <a:lvl2pPr marL="457200" indent="0">
+              <a:buNone/>
+              <a:defRPr sz="1400"/>
+            </a:lvl2pPr>
+            <a:lvl3pPr marL="914400" indent="0">
+              <a:buNone/>
+              <a:defRPr sz="1200"/>
+            </a:lvl3pPr>
+            <a:lvl4pPr marL="1371600" indent="0">
+              <a:buNone/>
+              <a:defRPr sz="1000"/>
+            </a:lvl4pPr>
+            <a:lvl5pPr marL="1828800" indent="0">
+              <a:buNone/>
+              <a:defRPr sz="1000"/>
+            </a:lvl5pPr>
+            <a:lvl6pPr marL="2286000" indent="0">
+              <a:buNone/>
+              <a:defRPr sz="1000"/>
+            </a:lvl6pPr>
+            <a:lvl7pPr marL="2743200" indent="0">
+              <a:buNone/>
+              <a:defRPr sz="1000"/>
+            </a:lvl7pPr>
+            <a:lvl8pPr marL="3200400" indent="0">
+              <a:buNone/>
+              <a:defRPr sz="1000"/>
+            </a:lvl8pPr>
+            <a:lvl9pPr marL="3657600" indent="0">
+              <a:buNone/>
+              <a:defRPr sz="1000"/>
+            </a:lvl9pPr>
+          </a:lstStyle>
+          <a:p>
+            <a:pPr lvl="0"/>
+            <a:r>
+              <a:rPr lang="ko-KR" altLang="en-US"/>
+              <a:t>마스터 텍스트 스타일을 편집하려면 클릭</a:t>
+            </a:r>
+          </a:p>
+        </p:txBody>
+      </p:sp>
+      <p:sp>
+        <p:nvSpPr>
+          <p:cNvPr id="5" name="Date Placeholder 4"/>
+          <p:cNvSpPr>
+            <a:spLocks noGrp="1"/>
+          </p:cNvSpPr>
+          <p:nvPr>
+            <p:ph type="dt" sz="half" idx="10"/>
+          </p:nvPr>
+        </p:nvSpPr>
+        <p:spPr/>
+        <p:txBody>
+          <a:bodyPr/>
+          <a:lstStyle/>
+          <a:p>
+            <a:fld id="{B8774375-EA71-4015-9618-DF73F457C02A}" type="datetimeFigureOut">
+              <a:rPr lang="ko-KR" altLang="en-US" smtClean="0"/>
+              <a:t>2019-08-13</a:t>
+            </a:fld>
+            <a:endParaRPr lang="ko-KR" altLang="en-US"/>
+          </a:p>
+        </p:txBody>
+      </p:sp>
+      <p:sp>
+        <p:nvSpPr>
+          <p:cNvPr id="6" name="Footer Placeholder 5"/>
+          <p:cNvSpPr>
+            <a:spLocks noGrp="1"/>
+          </p:cNvSpPr>
+          <p:nvPr>
+            <p:ph type="ftr" sz="quarter" idx="11"/>
+          </p:nvPr>
+        </p:nvSpPr>
+        <p:spPr/>
+        <p:txBody>
+          <a:bodyPr/>
+          <a:lstStyle/>
+          <a:p>
+            <a:endParaRPr lang="ko-KR" altLang="en-US"/>
+          </a:p>
+        </p:txBody>
+      </p:sp>
+      <p:sp>
+        <p:nvSpPr>
+          <p:cNvPr id="7" name="Slide Number Placeholder 6"/>
+          <p:cNvSpPr>
+            <a:spLocks noGrp="1"/>
+          </p:cNvSpPr>
+          <p:nvPr>
+            <p:ph type="sldNum" sz="quarter" idx="12"/>
+          </p:nvPr>
+        </p:nvSpPr>
+        <p:spPr/>
+        <p:txBody>
+          <a:bodyPr/>
+          <a:lstStyle/>
+          <a:p>
+            <a:fld id="{D709A63A-9745-40AC-B80C-AB7B4FD4B25C}" type="slidenum">
+              <a:rPr lang="ko-KR" altLang="en-US" smtClean="0"/>
+              <a:t>‹#›</a:t>
+            </a:fld>
+            <a:endParaRPr lang="ko-KR" altLang="en-US"/>
+          </a:p>
+        </p:txBody>
+      </p:sp>
+      <p:sp>
+        <p:nvSpPr>
+          <p:cNvPr id="11" name="TextBox 10"/>
+          <p:cNvSpPr txBox="1"/>
+          <p:nvPr/>
+        </p:nvSpPr>
+        <p:spPr>
+          <a:xfrm>
+            <a:off x="990600" y="884796"/>
+            <a:ext cx="609600" cy="584776"/>
+          </a:xfrm>
+          <a:prstGeom prst="rect">
+            <a:avLst/>
+          </a:prstGeom>
+        </p:spPr>
+        <p:txBody>
+          <a:bodyPr vert="horz" lIns="91440" tIns="45720" rIns="91440" bIns="45720" rtlCol="0" anchor="ctr">
+            <a:noAutofit/>
+          </a:bodyPr>
+          <a:lstStyle>
+            <a:lvl1pPr>
+              <a:spcBef>
+                <a:spcPct val="0"/>
+              </a:spcBef>
+              <a:buNone/>
+              <a:defRPr sz="3200" b="0" cap="all">
+                <a:ln w="3175" cmpd="sng">
+                  <a:noFill/>
+                </a:ln>
+                <a:effectLst>
+                  <a:glow rad="38100">
+                    <a:schemeClr val="bg1">
+                      <a:lumMod val="65000"/>
+                      <a:lumOff val="35000"/>
+                      <a:alpha val="40000"/>
+                    </a:schemeClr>
+                  </a:glow>
+                  <a:outerShdw blurRad="28575" dist="38100" dir="14040000" algn="tl" rotWithShape="0">
+                    <a:srgbClr val="000000">
+                      <a:alpha val="25000"/>
+                    </a:srgbClr>
+                  </a:outerShdw>
+                </a:effectLst>
+              </a:defRPr>
+            </a:lvl1pPr>
+            <a:lvl2pPr>
+              <a:defRPr>
+                <a:solidFill>
+                  <a:schemeClr val="tx2"/>
+                </a:solidFill>
+              </a:defRPr>
+            </a:lvl2pPr>
+            <a:lvl3pPr>
+              <a:defRPr>
+                <a:solidFill>
+                  <a:schemeClr val="tx2"/>
+                </a:solidFill>
+              </a:defRPr>
+            </a:lvl3pPr>
+            <a:lvl4pPr>
+              <a:defRPr>
+                <a:solidFill>
+                  <a:schemeClr val="tx2"/>
+                </a:solidFill>
+              </a:defRPr>
+            </a:lvl4pPr>
+            <a:lvl5pPr>
+              <a:defRPr>
+                <a:solidFill>
+                  <a:schemeClr val="tx2"/>
+                </a:solidFill>
+              </a:defRPr>
+            </a:lvl5pPr>
+            <a:lvl6pPr>
+              <a:defRPr>
+                <a:solidFill>
+                  <a:schemeClr val="tx2"/>
+                </a:solidFill>
+              </a:defRPr>
+            </a:lvl6pPr>
+            <a:lvl7pPr>
+              <a:defRPr>
+                <a:solidFill>
+                  <a:schemeClr val="tx2"/>
+                </a:solidFill>
+              </a:defRPr>
+            </a:lvl7pPr>
+            <a:lvl8pPr>
+              <a:defRPr>
+                <a:solidFill>
+                  <a:schemeClr val="tx2"/>
+                </a:solidFill>
+              </a:defRPr>
+            </a:lvl8pPr>
+            <a:lvl9pPr>
+              <a:defRPr>
+                <a:solidFill>
+                  <a:schemeClr val="tx2"/>
+                </a:solidFill>
+              </a:defRPr>
+            </a:lvl9pPr>
+          </a:lstStyle>
+          <a:p>
+            <a:pPr lvl="0"/>
+            <a:r>
+              <a:rPr lang="en-US" sz="8000" dirty="0">
+                <a:solidFill>
+                  <a:schemeClr val="tx1"/>
+                </a:solidFill>
+                <a:effectLst/>
+              </a:rPr>
+              <a:t>“</a:t>
+            </a:r>
+          </a:p>
+        </p:txBody>
+      </p:sp>
+      <p:sp>
+        <p:nvSpPr>
+          <p:cNvPr id="13" name="TextBox 12"/>
+          <p:cNvSpPr txBox="1"/>
+          <p:nvPr/>
+        </p:nvSpPr>
+        <p:spPr>
+          <a:xfrm>
+            <a:off x="10504716" y="2928258"/>
+            <a:ext cx="609600" cy="584776"/>
+          </a:xfrm>
+          <a:prstGeom prst="rect">
+            <a:avLst/>
+          </a:prstGeom>
+        </p:spPr>
+        <p:txBody>
+          <a:bodyPr vert="horz" lIns="91440" tIns="45720" rIns="91440" bIns="45720" rtlCol="0" anchor="ctr">
+            <a:noAutofit/>
+          </a:bodyPr>
+          <a:lstStyle>
+            <a:lvl1pPr>
+              <a:spcBef>
+                <a:spcPct val="0"/>
+              </a:spcBef>
+              <a:buNone/>
+              <a:defRPr sz="3200" b="0" cap="all">
+                <a:ln w="3175" cmpd="sng">
+                  <a:noFill/>
+                </a:ln>
+                <a:effectLst>
+                  <a:glow rad="38100">
+                    <a:schemeClr val="bg1">
+                      <a:lumMod val="65000"/>
+                      <a:lumOff val="35000"/>
+                      <a:alpha val="40000"/>
+                    </a:schemeClr>
+                  </a:glow>
+                  <a:outerShdw blurRad="28575" dist="38100" dir="14040000" algn="tl" rotWithShape="0">
+                    <a:srgbClr val="000000">
+                      <a:alpha val="25000"/>
+                    </a:srgbClr>
+                  </a:outerShdw>
+                </a:effectLst>
+              </a:defRPr>
+            </a:lvl1pPr>
+            <a:lvl2pPr>
+              <a:defRPr>
+                <a:solidFill>
+                  <a:schemeClr val="tx2"/>
+                </a:solidFill>
+              </a:defRPr>
+            </a:lvl2pPr>
+            <a:lvl3pPr>
+              <a:defRPr>
+                <a:solidFill>
+                  <a:schemeClr val="tx2"/>
+                </a:solidFill>
+              </a:defRPr>
+            </a:lvl3pPr>
+            <a:lvl4pPr>
+              <a:defRPr>
+                <a:solidFill>
+                  <a:schemeClr val="tx2"/>
+                </a:solidFill>
+              </a:defRPr>
+            </a:lvl4pPr>
+            <a:lvl5pPr>
+              <a:defRPr>
+                <a:solidFill>
+                  <a:schemeClr val="tx2"/>
+                </a:solidFill>
+              </a:defRPr>
+            </a:lvl5pPr>
+            <a:lvl6pPr>
+              <a:defRPr>
+                <a:solidFill>
+                  <a:schemeClr val="tx2"/>
+                </a:solidFill>
+              </a:defRPr>
+            </a:lvl6pPr>
+            <a:lvl7pPr>
+              <a:defRPr>
+                <a:solidFill>
+                  <a:schemeClr val="tx2"/>
+                </a:solidFill>
+              </a:defRPr>
+            </a:lvl7pPr>
+            <a:lvl8pPr>
+              <a:defRPr>
+                <a:solidFill>
+                  <a:schemeClr val="tx2"/>
+                </a:solidFill>
+              </a:defRPr>
+            </a:lvl8pPr>
+            <a:lvl9pPr>
+              <a:defRPr>
+                <a:solidFill>
+                  <a:schemeClr val="tx2"/>
+                </a:solidFill>
+              </a:defRPr>
+            </a:lvl9pPr>
+          </a:lstStyle>
+          <a:p>
+            <a:pPr lvl="0" algn="r"/>
+            <a:r>
+              <a:rPr lang="en-US" sz="8000" dirty="0">
+                <a:solidFill>
+                  <a:schemeClr val="tx1"/>
+                </a:solidFill>
+                <a:effectLst/>
+              </a:rPr>
+              <a:t>”</a:t>
+            </a:r>
+          </a:p>
+        </p:txBody>
+      </p:sp>
+    </p:spTree>
+    <p:extLst>
+      <p:ext uri="{BB962C8B-B14F-4D97-AF65-F5344CB8AC3E}">
+        <p14:creationId xmlns:p14="http://schemas.microsoft.com/office/powerpoint/2010/main" val="785457364"/>
+      </p:ext>
+    </p:extLst>
+  </p:cSld>
+  <p:clrMapOvr>
+    <a:masterClrMapping/>
+  </p:clrMapOvr>
+</p:sldLayout>
+</file>
+
+<file path=ppt/slideLayouts/slideLayout13.xml><?xml version="1.0" encoding="utf-8"?>
+<p:sldLayout xmlns:a="http://schemas.openxmlformats.org/drawingml/2006/main" xmlns:r="http://schemas.openxmlformats.org/officeDocument/2006/relationships" xmlns:p="http://schemas.openxmlformats.org/presentationml/2006/main" preserve="1">
+  <p:cSld name="명함">
+    <p:spTree>
+      <p:nvGrpSpPr>
+        <p:cNvPr id="1" name=""/>
+        <p:cNvGrpSpPr/>
+        <p:nvPr/>
+      </p:nvGrpSpPr>
+      <p:grpSpPr>
+        <a:xfrm>
+          <a:off x="0" y="0"/>
+          <a:ext cx="0" cy="0"/>
+          <a:chOff x="0" y="0"/>
+          <a:chExt cx="0" cy="0"/>
+        </a:xfrm>
+      </p:grpSpPr>
+      <p:sp>
+        <p:nvSpPr>
+          <p:cNvPr id="2" name="Title 1"/>
+          <p:cNvSpPr>
+            <a:spLocks noGrp="1"/>
+          </p:cNvSpPr>
+          <p:nvPr>
+            <p:ph type="title"/>
+          </p:nvPr>
+        </p:nvSpPr>
+        <p:spPr>
+          <a:xfrm>
+            <a:off x="913794" y="2126942"/>
+            <a:ext cx="10353763" cy="2511835"/>
+          </a:xfrm>
+        </p:spPr>
+        <p:txBody>
+          <a:bodyPr anchor="b"/>
+          <a:lstStyle>
+            <a:lvl1pPr>
+              <a:defRPr sz="3200"/>
+            </a:lvl1pPr>
+          </a:lstStyle>
+          <a:p>
+            <a:r>
+              <a:rPr lang="ko-KR" altLang="en-US"/>
+              <a:t>마스터 제목 스타일 편집</a:t>
+            </a:r>
+            <a:endParaRPr lang="en-US" dirty="0"/>
+          </a:p>
+        </p:txBody>
+      </p:sp>
+      <p:sp>
+        <p:nvSpPr>
+          <p:cNvPr id="4" name="Text Placeholder 3"/>
+          <p:cNvSpPr>
+            <a:spLocks noGrp="1"/>
+          </p:cNvSpPr>
+          <p:nvPr>
+            <p:ph type="body" sz="half" idx="2"/>
+          </p:nvPr>
+        </p:nvSpPr>
+        <p:spPr>
+          <a:xfrm>
+            <a:off x="913784" y="4650556"/>
+            <a:ext cx="10352199" cy="1140644"/>
+          </a:xfrm>
+        </p:spPr>
+        <p:txBody>
+          <a:bodyPr anchor="t"/>
+          <a:lstStyle>
+            <a:lvl1pPr marL="0" indent="0" algn="ctr">
+              <a:buNone/>
+              <a:defRPr sz="1600"/>
+            </a:lvl1pPr>
+            <a:lvl2pPr marL="457200" indent="0">
+              <a:buNone/>
+              <a:defRPr sz="1400"/>
+            </a:lvl2pPr>
+            <a:lvl3pPr marL="914400" indent="0">
+              <a:buNone/>
+              <a:defRPr sz="1200"/>
+            </a:lvl3pPr>
+            <a:lvl4pPr marL="1371600" indent="0">
+              <a:buNone/>
+              <a:defRPr sz="1000"/>
+            </a:lvl4pPr>
+            <a:lvl5pPr marL="1828800" indent="0">
+              <a:buNone/>
+              <a:defRPr sz="1000"/>
+            </a:lvl5pPr>
+            <a:lvl6pPr marL="2286000" indent="0">
+              <a:buNone/>
+              <a:defRPr sz="1000"/>
+            </a:lvl6pPr>
+            <a:lvl7pPr marL="2743200" indent="0">
+              <a:buNone/>
+              <a:defRPr sz="1000"/>
+            </a:lvl7pPr>
+            <a:lvl8pPr marL="3200400" indent="0">
+              <a:buNone/>
+              <a:defRPr sz="1000"/>
+            </a:lvl8pPr>
+            <a:lvl9pPr marL="3657600" indent="0">
+              <a:buNone/>
+              <a:defRPr sz="1000"/>
+            </a:lvl9pPr>
+          </a:lstStyle>
+          <a:p>
+            <a:pPr lvl="0"/>
+            <a:r>
+              <a:rPr lang="ko-KR" altLang="en-US"/>
+              <a:t>마스터 텍스트 스타일을 편집하려면 클릭</a:t>
+            </a:r>
+          </a:p>
+        </p:txBody>
+      </p:sp>
+      <p:sp>
+        <p:nvSpPr>
+          <p:cNvPr id="5" name="Date Placeholder 4"/>
+          <p:cNvSpPr>
+            <a:spLocks noGrp="1"/>
+          </p:cNvSpPr>
+          <p:nvPr>
+            <p:ph type="dt" sz="half" idx="10"/>
+          </p:nvPr>
+        </p:nvSpPr>
+        <p:spPr/>
+        <p:txBody>
+          <a:bodyPr/>
+          <a:lstStyle/>
+          <a:p>
+            <a:fld id="{B8774375-EA71-4015-9618-DF73F457C02A}" type="datetimeFigureOut">
+              <a:rPr lang="ko-KR" altLang="en-US" smtClean="0"/>
+              <a:t>2019-08-13</a:t>
+            </a:fld>
+            <a:endParaRPr lang="ko-KR" altLang="en-US"/>
+          </a:p>
+        </p:txBody>
+      </p:sp>
+      <p:sp>
+        <p:nvSpPr>
+          <p:cNvPr id="6" name="Footer Placeholder 5"/>
+          <p:cNvSpPr>
+            <a:spLocks noGrp="1"/>
+          </p:cNvSpPr>
+          <p:nvPr>
+            <p:ph type="ftr" sz="quarter" idx="11"/>
+          </p:nvPr>
+        </p:nvSpPr>
+        <p:spPr/>
+        <p:txBody>
+          <a:bodyPr/>
+          <a:lstStyle/>
+          <a:p>
+            <a:endParaRPr lang="ko-KR" altLang="en-US"/>
+          </a:p>
+        </p:txBody>
+      </p:sp>
+      <p:sp>
+        <p:nvSpPr>
+          <p:cNvPr id="7" name="Slide Number Placeholder 6"/>
+          <p:cNvSpPr>
+            <a:spLocks noGrp="1"/>
+          </p:cNvSpPr>
+          <p:nvPr>
+            <p:ph type="sldNum" sz="quarter" idx="12"/>
+          </p:nvPr>
+        </p:nvSpPr>
+        <p:spPr/>
+        <p:txBody>
+          <a:bodyPr/>
+          <a:lstStyle/>
+          <a:p>
+            <a:fld id="{D709A63A-9745-40AC-B80C-AB7B4FD4B25C}" type="slidenum">
+              <a:rPr lang="ko-KR" altLang="en-US" smtClean="0"/>
+              <a:t>‹#›</a:t>
+            </a:fld>
+            <a:endParaRPr lang="ko-KR" altLang="en-US"/>
+          </a:p>
+        </p:txBody>
+      </p:sp>
+    </p:spTree>
+    <p:extLst>
+      <p:ext uri="{BB962C8B-B14F-4D97-AF65-F5344CB8AC3E}">
+        <p14:creationId xmlns:p14="http://schemas.microsoft.com/office/powerpoint/2010/main" val="2913903768"/>
+      </p:ext>
+    </p:extLst>
+  </p:cSld>
+  <p:clrMapOvr>
+    <a:masterClrMapping/>
+  </p:clrMapOvr>
+</p:sldLayout>
+</file>
+
+<file path=ppt/slideLayouts/slideLayout14.xml><?xml version="1.0" encoding="utf-8"?>
+<p:sldLayout xmlns:a="http://schemas.openxmlformats.org/drawingml/2006/main" xmlns:r="http://schemas.openxmlformats.org/officeDocument/2006/relationships" xmlns:p="http://schemas.openxmlformats.org/presentationml/2006/main" preserve="1">
+  <p:cSld name="3열">
+    <p:spTree>
+      <p:nvGrpSpPr>
+        <p:cNvPr id="1" name=""/>
+        <p:cNvGrpSpPr/>
+        <p:nvPr/>
+      </p:nvGrpSpPr>
+      <p:grpSpPr>
+        <a:xfrm>
+          <a:off x="0" y="0"/>
+          <a:ext cx="0" cy="0"/>
+          <a:chOff x="0" y="0"/>
+          <a:chExt cx="0" cy="0"/>
+        </a:xfrm>
+      </p:grpSpPr>
+      <p:sp>
+        <p:nvSpPr>
+          <p:cNvPr id="15" name="Title 1"/>
+          <p:cNvSpPr>
+            <a:spLocks noGrp="1"/>
+          </p:cNvSpPr>
+          <p:nvPr>
+            <p:ph type="title"/>
+          </p:nvPr>
+        </p:nvSpPr>
+        <p:spPr>
+          <a:xfrm>
+            <a:off x="913795" y="609600"/>
+            <a:ext cx="10353762" cy="970450"/>
+          </a:xfrm>
+        </p:spPr>
+        <p:txBody>
+          <a:bodyPr/>
+          <a:lstStyle/>
+          <a:p>
+            <a:r>
+              <a:rPr lang="ko-KR" altLang="en-US"/>
+              <a:t>마스터 제목 스타일 편집</a:t>
+            </a:r>
+            <a:endParaRPr lang="en-US" dirty="0"/>
+          </a:p>
+        </p:txBody>
+      </p:sp>
+      <p:sp>
+        <p:nvSpPr>
+          <p:cNvPr id="7" name="Text Placeholder 2"/>
+          <p:cNvSpPr>
+            <a:spLocks noGrp="1"/>
+          </p:cNvSpPr>
+          <p:nvPr>
+            <p:ph type="body" idx="1"/>
+          </p:nvPr>
+        </p:nvSpPr>
+        <p:spPr>
+          <a:xfrm>
+            <a:off x="913795" y="1885950"/>
+            <a:ext cx="3300984" cy="576262"/>
+          </a:xfrm>
+        </p:spPr>
+        <p:txBody>
+          <a:bodyPr anchor="b">
+            <a:noAutofit/>
+          </a:bodyPr>
+          <a:lstStyle>
+            <a:lvl1pPr marL="0" indent="0" algn="ctr">
+              <a:buNone/>
+              <a:defRPr sz="2400" b="0">
+                <a:solidFill>
+                  <a:schemeClr val="tx1"/>
+                </a:solidFill>
+              </a:defRPr>
+            </a:lvl1pPr>
+            <a:lvl2pPr marL="457200" indent="0">
+              <a:buNone/>
+              <a:defRPr sz="2000" b="1"/>
+            </a:lvl2pPr>
+            <a:lvl3pPr marL="914400" indent="0">
+              <a:buNone/>
+              <a:defRPr sz="1800" b="1"/>
+            </a:lvl3pPr>
+            <a:lvl4pPr marL="1371600" indent="0">
+              <a:buNone/>
+              <a:defRPr sz="1600" b="1"/>
+            </a:lvl4pPr>
+            <a:lvl5pPr marL="1828800" indent="0">
+              <a:buNone/>
+              <a:defRPr sz="1600" b="1"/>
+            </a:lvl5pPr>
+            <a:lvl6pPr marL="2286000" indent="0">
+              <a:buNone/>
+              <a:defRPr sz="1600" b="1"/>
+            </a:lvl6pPr>
+            <a:lvl7pPr marL="2743200" indent="0">
+              <a:buNone/>
+              <a:defRPr sz="1600" b="1"/>
+            </a:lvl7pPr>
+            <a:lvl8pPr marL="3200400" indent="0">
+              <a:buNone/>
+              <a:defRPr sz="1600" b="1"/>
+            </a:lvl8pPr>
+            <a:lvl9pPr marL="3657600" indent="0">
+              <a:buNone/>
+              <a:defRPr sz="1600" b="1"/>
+            </a:lvl9pPr>
+          </a:lstStyle>
+          <a:p>
+            <a:pPr lvl="0"/>
+            <a:r>
+              <a:rPr lang="ko-KR" altLang="en-US"/>
+              <a:t>마스터 텍스트 스타일을 편집하려면 클릭</a:t>
+            </a:r>
+          </a:p>
+        </p:txBody>
+      </p:sp>
+      <p:sp>
+        <p:nvSpPr>
+          <p:cNvPr id="8" name="Text Placeholder 3"/>
+          <p:cNvSpPr>
+            <a:spLocks noGrp="1"/>
+          </p:cNvSpPr>
+          <p:nvPr>
+            <p:ph type="body" sz="half" idx="15"/>
+          </p:nvPr>
+        </p:nvSpPr>
+        <p:spPr>
+          <a:xfrm>
+            <a:off x="913795" y="2571750"/>
+            <a:ext cx="3300984" cy="3219450"/>
+          </a:xfrm>
+        </p:spPr>
+        <p:txBody>
+          <a:bodyPr anchor="t">
+            <a:normAutofit/>
+          </a:bodyPr>
+          <a:lstStyle>
+            <a:lvl1pPr marL="0" indent="0" algn="ctr">
+              <a:buNone/>
+              <a:defRPr sz="1400"/>
+            </a:lvl1pPr>
+            <a:lvl2pPr marL="457200" indent="0">
+              <a:buNone/>
+              <a:defRPr sz="1200"/>
+            </a:lvl2pPr>
+            <a:lvl3pPr marL="914400" indent="0">
+              <a:buNone/>
+              <a:defRPr sz="1000"/>
+            </a:lvl3pPr>
+            <a:lvl4pPr marL="1371600" indent="0">
+              <a:buNone/>
+              <a:defRPr sz="900"/>
+            </a:lvl4pPr>
+            <a:lvl5pPr marL="1828800" indent="0">
+              <a:buNone/>
+              <a:defRPr sz="900"/>
+            </a:lvl5pPr>
+            <a:lvl6pPr marL="2286000" indent="0">
+              <a:buNone/>
+              <a:defRPr sz="900"/>
+            </a:lvl6pPr>
+            <a:lvl7pPr marL="2743200" indent="0">
+              <a:buNone/>
+              <a:defRPr sz="900"/>
+            </a:lvl7pPr>
+            <a:lvl8pPr marL="3200400" indent="0">
+              <a:buNone/>
+              <a:defRPr sz="900"/>
+            </a:lvl8pPr>
+            <a:lvl9pPr marL="3657600" indent="0">
+              <a:buNone/>
+              <a:defRPr sz="900"/>
+            </a:lvl9pPr>
+          </a:lstStyle>
+          <a:p>
+            <a:pPr lvl="0"/>
+            <a:r>
+              <a:rPr lang="ko-KR" altLang="en-US"/>
+              <a:t>마스터 텍스트 스타일을 편집하려면 클릭</a:t>
+            </a:r>
+          </a:p>
+        </p:txBody>
+      </p:sp>
+      <p:sp>
+        <p:nvSpPr>
+          <p:cNvPr id="9" name="Text Placeholder 4"/>
+          <p:cNvSpPr>
+            <a:spLocks noGrp="1"/>
+          </p:cNvSpPr>
+          <p:nvPr>
+            <p:ph type="body" sz="quarter" idx="3"/>
+          </p:nvPr>
+        </p:nvSpPr>
+        <p:spPr>
+          <a:xfrm>
+            <a:off x="4446711" y="1885950"/>
+            <a:ext cx="3300984" cy="576262"/>
+          </a:xfrm>
+        </p:spPr>
+        <p:txBody>
+          <a:bodyPr anchor="b">
+            <a:noAutofit/>
+          </a:bodyPr>
+          <a:lstStyle>
+            <a:lvl1pPr marL="0" indent="0" algn="ctr">
+              <a:buNone/>
+              <a:defRPr sz="2400" b="0">
+                <a:solidFill>
+                  <a:schemeClr val="tx1"/>
+                </a:solidFill>
+              </a:defRPr>
+            </a:lvl1pPr>
+            <a:lvl2pPr marL="457200" indent="0">
+              <a:buNone/>
+              <a:defRPr sz="2000" b="1"/>
+            </a:lvl2pPr>
+            <a:lvl3pPr marL="914400" indent="0">
+              <a:buNone/>
+              <a:defRPr sz="1800" b="1"/>
+            </a:lvl3pPr>
+            <a:lvl4pPr marL="1371600" indent="0">
+              <a:buNone/>
+              <a:defRPr sz="1600" b="1"/>
+            </a:lvl4pPr>
+            <a:lvl5pPr marL="1828800" indent="0">
+              <a:buNone/>
+              <a:defRPr sz="1600" b="1"/>
+            </a:lvl5pPr>
+            <a:lvl6pPr marL="2286000" indent="0">
+              <a:buNone/>
+              <a:defRPr sz="1600" b="1"/>
+            </a:lvl6pPr>
+            <a:lvl7pPr marL="2743200" indent="0">
+              <a:buNone/>
+              <a:defRPr sz="1600" b="1"/>
+            </a:lvl7pPr>
+            <a:lvl8pPr marL="3200400" indent="0">
+              <a:buNone/>
+              <a:defRPr sz="1600" b="1"/>
+            </a:lvl8pPr>
+            <a:lvl9pPr marL="3657600" indent="0">
+              <a:buNone/>
+              <a:defRPr sz="1600" b="1"/>
+            </a:lvl9pPr>
+          </a:lstStyle>
+          <a:p>
+            <a:pPr lvl="0"/>
+            <a:r>
+              <a:rPr lang="ko-KR" altLang="en-US"/>
+              <a:t>마스터 텍스트 스타일을 편집하려면 클릭</a:t>
+            </a:r>
+          </a:p>
+        </p:txBody>
+      </p:sp>
+      <p:sp>
+        <p:nvSpPr>
+          <p:cNvPr id="10" name="Text Placeholder 3"/>
+          <p:cNvSpPr>
+            <a:spLocks noGrp="1"/>
+          </p:cNvSpPr>
+          <p:nvPr>
+            <p:ph type="body" sz="half" idx="16"/>
+          </p:nvPr>
+        </p:nvSpPr>
+        <p:spPr>
+          <a:xfrm>
+            <a:off x="4441435" y="2571750"/>
+            <a:ext cx="3300984" cy="3219450"/>
+          </a:xfrm>
+        </p:spPr>
+        <p:txBody>
+          <a:bodyPr anchor="t">
+            <a:normAutofit/>
+          </a:bodyPr>
+          <a:lstStyle>
+            <a:lvl1pPr marL="0" indent="0" algn="ctr">
+              <a:buNone/>
+              <a:defRPr sz="1400"/>
+            </a:lvl1pPr>
+            <a:lvl2pPr marL="457200" indent="0">
+              <a:buNone/>
+              <a:defRPr sz="1200"/>
+            </a:lvl2pPr>
+            <a:lvl3pPr marL="914400" indent="0">
+              <a:buNone/>
+              <a:defRPr sz="1000"/>
+            </a:lvl3pPr>
+            <a:lvl4pPr marL="1371600" indent="0">
+              <a:buNone/>
+              <a:defRPr sz="900"/>
+            </a:lvl4pPr>
+            <a:lvl5pPr marL="1828800" indent="0">
+              <a:buNone/>
+              <a:defRPr sz="900"/>
+            </a:lvl5pPr>
+            <a:lvl6pPr marL="2286000" indent="0">
+              <a:buNone/>
+              <a:defRPr sz="900"/>
+            </a:lvl6pPr>
+            <a:lvl7pPr marL="2743200" indent="0">
+              <a:buNone/>
+              <a:defRPr sz="900"/>
+            </a:lvl7pPr>
+            <a:lvl8pPr marL="3200400" indent="0">
+              <a:buNone/>
+              <a:defRPr sz="900"/>
+            </a:lvl8pPr>
+            <a:lvl9pPr marL="3657600" indent="0">
+              <a:buNone/>
+              <a:defRPr sz="900"/>
+            </a:lvl9pPr>
+          </a:lstStyle>
+          <a:p>
+            <a:pPr lvl="0"/>
+            <a:r>
+              <a:rPr lang="ko-KR" altLang="en-US"/>
+              <a:t>마스터 텍스트 스타일을 편집하려면 클릭</a:t>
+            </a:r>
+          </a:p>
+        </p:txBody>
+      </p:sp>
+      <p:sp>
+        <p:nvSpPr>
+          <p:cNvPr id="11" name="Text Placeholder 4"/>
+          <p:cNvSpPr>
+            <a:spLocks noGrp="1"/>
+          </p:cNvSpPr>
+          <p:nvPr>
+            <p:ph type="body" sz="quarter" idx="13"/>
+          </p:nvPr>
+        </p:nvSpPr>
+        <p:spPr>
+          <a:xfrm>
+            <a:off x="7966572" y="1885950"/>
+            <a:ext cx="3300984" cy="576262"/>
+          </a:xfrm>
+        </p:spPr>
+        <p:txBody>
+          <a:bodyPr anchor="b">
+            <a:noAutofit/>
+          </a:bodyPr>
+          <a:lstStyle>
+            <a:lvl1pPr marL="0" indent="0" algn="ctr">
+              <a:buNone/>
+              <a:defRPr sz="2400" b="0">
+                <a:solidFill>
+                  <a:schemeClr val="tx1"/>
+                </a:solidFill>
+              </a:defRPr>
+            </a:lvl1pPr>
+            <a:lvl2pPr marL="457200" indent="0">
+              <a:buNone/>
+              <a:defRPr sz="2000" b="1"/>
+            </a:lvl2pPr>
+            <a:lvl3pPr marL="914400" indent="0">
+              <a:buNone/>
+              <a:defRPr sz="1800" b="1"/>
+            </a:lvl3pPr>
+            <a:lvl4pPr marL="1371600" indent="0">
+              <a:buNone/>
+              <a:defRPr sz="1600" b="1"/>
+            </a:lvl4pPr>
+            <a:lvl5pPr marL="1828800" indent="0">
+              <a:buNone/>
+              <a:defRPr sz="1600" b="1"/>
+            </a:lvl5pPr>
+            <a:lvl6pPr marL="2286000" indent="0">
+              <a:buNone/>
+              <a:defRPr sz="1600" b="1"/>
+            </a:lvl6pPr>
+            <a:lvl7pPr marL="2743200" indent="0">
+              <a:buNone/>
+              <a:defRPr sz="1600" b="1"/>
+            </a:lvl7pPr>
+            <a:lvl8pPr marL="3200400" indent="0">
+              <a:buNone/>
+              <a:defRPr sz="1600" b="1"/>
+            </a:lvl8pPr>
+            <a:lvl9pPr marL="3657600" indent="0">
+              <a:buNone/>
+              <a:defRPr sz="1600" b="1"/>
+            </a:lvl9pPr>
+          </a:lstStyle>
+          <a:p>
+            <a:pPr lvl="0"/>
+            <a:r>
+              <a:rPr lang="ko-KR" altLang="en-US"/>
+              <a:t>마스터 텍스트 스타일을 편집하려면 클릭</a:t>
+            </a:r>
+          </a:p>
+        </p:txBody>
+      </p:sp>
+      <p:sp>
+        <p:nvSpPr>
+          <p:cNvPr id="12" name="Text Placeholder 3"/>
+          <p:cNvSpPr>
+            <a:spLocks noGrp="1"/>
+          </p:cNvSpPr>
+          <p:nvPr>
+            <p:ph type="body" sz="half" idx="17"/>
+          </p:nvPr>
+        </p:nvSpPr>
+        <p:spPr>
+          <a:xfrm>
+            <a:off x="7966572" y="2571750"/>
+            <a:ext cx="3300984" cy="3219450"/>
+          </a:xfrm>
+        </p:spPr>
+        <p:txBody>
+          <a:bodyPr anchor="t">
+            <a:normAutofit/>
+          </a:bodyPr>
+          <a:lstStyle>
+            <a:lvl1pPr marL="0" indent="0" algn="ctr">
+              <a:buNone/>
+              <a:defRPr sz="1400"/>
+            </a:lvl1pPr>
+            <a:lvl2pPr marL="457200" indent="0">
+              <a:buNone/>
+              <a:defRPr sz="1200"/>
+            </a:lvl2pPr>
+            <a:lvl3pPr marL="914400" indent="0">
+              <a:buNone/>
+              <a:defRPr sz="1000"/>
+            </a:lvl3pPr>
+            <a:lvl4pPr marL="1371600" indent="0">
+              <a:buNone/>
+              <a:defRPr sz="900"/>
+            </a:lvl4pPr>
+            <a:lvl5pPr marL="1828800" indent="0">
+              <a:buNone/>
+              <a:defRPr sz="900"/>
+            </a:lvl5pPr>
+            <a:lvl6pPr marL="2286000" indent="0">
+              <a:buNone/>
+              <a:defRPr sz="900"/>
+            </a:lvl6pPr>
+            <a:lvl7pPr marL="2743200" indent="0">
+              <a:buNone/>
+              <a:defRPr sz="900"/>
+            </a:lvl7pPr>
+            <a:lvl8pPr marL="3200400" indent="0">
+              <a:buNone/>
+              <a:defRPr sz="900"/>
+            </a:lvl8pPr>
+            <a:lvl9pPr marL="3657600" indent="0">
+              <a:buNone/>
+              <a:defRPr sz="900"/>
+            </a:lvl9pPr>
+          </a:lstStyle>
+          <a:p>
+            <a:pPr lvl="0"/>
+            <a:r>
+              <a:rPr lang="ko-KR" altLang="en-US"/>
+              <a:t>마스터 텍스트 스타일을 편집하려면 클릭</a:t>
+            </a:r>
+          </a:p>
+        </p:txBody>
+      </p:sp>
+      <p:sp>
+        <p:nvSpPr>
+          <p:cNvPr id="3" name="Date Placeholder 2"/>
+          <p:cNvSpPr>
+            <a:spLocks noGrp="1"/>
+          </p:cNvSpPr>
+          <p:nvPr>
+            <p:ph type="dt" sz="half" idx="10"/>
+          </p:nvPr>
+        </p:nvSpPr>
+        <p:spPr/>
+        <p:txBody>
+          <a:bodyPr/>
+          <a:lstStyle/>
+          <a:p>
+            <a:fld id="{B8774375-EA71-4015-9618-DF73F457C02A}" type="datetimeFigureOut">
+              <a:rPr lang="ko-KR" altLang="en-US" smtClean="0"/>
+              <a:t>2019-08-13</a:t>
+            </a:fld>
+            <a:endParaRPr lang="ko-KR" altLang="en-US"/>
+          </a:p>
+        </p:txBody>
+      </p:sp>
+      <p:sp>
+        <p:nvSpPr>
+          <p:cNvPr id="4" name="Footer Placeholder 3"/>
+          <p:cNvSpPr>
+            <a:spLocks noGrp="1"/>
+          </p:cNvSpPr>
+          <p:nvPr>
+            <p:ph type="ftr" sz="quarter" idx="11"/>
+          </p:nvPr>
+        </p:nvSpPr>
+        <p:spPr/>
+        <p:txBody>
+          <a:bodyPr/>
+          <a:lstStyle/>
+          <a:p>
+            <a:endParaRPr lang="ko-KR" altLang="en-US"/>
+          </a:p>
+        </p:txBody>
+      </p:sp>
+      <p:sp>
+        <p:nvSpPr>
+          <p:cNvPr id="5" name="Slide Number Placeholder 4"/>
+          <p:cNvSpPr>
+            <a:spLocks noGrp="1"/>
+          </p:cNvSpPr>
+          <p:nvPr>
+            <p:ph type="sldNum" sz="quarter" idx="12"/>
+          </p:nvPr>
+        </p:nvSpPr>
+        <p:spPr/>
+        <p:txBody>
+          <a:bodyPr/>
+          <a:lstStyle/>
+          <a:p>
+            <a:fld id="{D709A63A-9745-40AC-B80C-AB7B4FD4B25C}" type="slidenum">
+              <a:rPr lang="ko-KR" altLang="en-US" smtClean="0"/>
+              <a:t>‹#›</a:t>
+            </a:fld>
+            <a:endParaRPr lang="ko-KR" altLang="en-US"/>
+          </a:p>
+        </p:txBody>
+      </p:sp>
+    </p:spTree>
+    <p:extLst>
+      <p:ext uri="{BB962C8B-B14F-4D97-AF65-F5344CB8AC3E}">
+        <p14:creationId xmlns:p14="http://schemas.microsoft.com/office/powerpoint/2010/main" val="4271918243"/>
+      </p:ext>
+    </p:extLst>
+  </p:cSld>
+  <p:clrMapOvr>
+    <a:masterClrMapping/>
+  </p:clrMapOvr>
+</p:sldLayout>
+</file>
+
+<file path=ppt/slideLayouts/slideLayout15.xml><?xml version="1.0" encoding="utf-8"?>
+<p:sldLayout xmlns:a="http://schemas.openxmlformats.org/drawingml/2006/main" xmlns:r="http://schemas.openxmlformats.org/officeDocument/2006/relationships" xmlns:p="http://schemas.openxmlformats.org/presentationml/2006/main" preserve="1">
+  <p:cSld name="그림 열 3개">
+    <p:spTree>
+      <p:nvGrpSpPr>
+        <p:cNvPr id="1" name=""/>
+        <p:cNvGrpSpPr/>
+        <p:nvPr/>
+      </p:nvGrpSpPr>
+      <p:grpSpPr>
+        <a:xfrm>
+          <a:off x="0" y="0"/>
+          <a:ext cx="0" cy="0"/>
+          <a:chOff x="0" y="0"/>
+          <a:chExt cx="0" cy="0"/>
+        </a:xfrm>
+      </p:grpSpPr>
+      <p:pic>
+        <p:nvPicPr>
+          <p:cNvPr id="2" name="Picture 1" descr="Slate-V2-HD-3colPhotoInset.png"/>
+          <p:cNvPicPr>
+            <a:picLocks noChangeAspect="1"/>
+          </p:cNvPicPr>
+          <p:nvPr/>
+        </p:nvPicPr>
+        <p:blipFill>
+          <a:blip r:embed="rId2">
+            <a:extLst>
+              <a:ext uri="{28A0092B-C50C-407E-A947-70E740481C1C}">
+                <a14:useLocalDpi xmlns:a14="http://schemas.microsoft.com/office/drawing/2010/main" val="0"/>
+              </a:ext>
+            </a:extLst>
+          </a:blip>
+          <a:stretch>
+            <a:fillRect/>
+          </a:stretch>
+        </p:blipFill>
+        <p:spPr>
+          <a:xfrm>
+            <a:off x="897962" y="1818214"/>
+            <a:ext cx="3339972" cy="1847851"/>
+          </a:xfrm>
+          <a:prstGeom prst="rect">
+            <a:avLst/>
+          </a:prstGeom>
+        </p:spPr>
+      </p:pic>
+      <p:pic>
+        <p:nvPicPr>
+          <p:cNvPr id="36" name="Picture 35" descr="Slate-V2-HD-3colPhotoInset.png"/>
+          <p:cNvPicPr>
+            <a:picLocks noChangeAspect="1"/>
+          </p:cNvPicPr>
+          <p:nvPr/>
+        </p:nvPicPr>
+        <p:blipFill>
+          <a:blip r:embed="rId2">
+            <a:extLst>
+              <a:ext uri="{28A0092B-C50C-407E-A947-70E740481C1C}">
+                <a14:useLocalDpi xmlns:a14="http://schemas.microsoft.com/office/drawing/2010/main" val="0"/>
+              </a:ext>
+            </a:extLst>
+          </a:blip>
+          <a:stretch>
+            <a:fillRect/>
+          </a:stretch>
+        </p:blipFill>
+        <p:spPr>
+          <a:xfrm>
+            <a:off x="4403800" y="1818214"/>
+            <a:ext cx="3339972" cy="1847851"/>
+          </a:xfrm>
+          <a:prstGeom prst="rect">
+            <a:avLst/>
+          </a:prstGeom>
+        </p:spPr>
+      </p:pic>
+      <p:pic>
+        <p:nvPicPr>
+          <p:cNvPr id="37" name="Picture 36" descr="Slate-V2-HD-3colPhotoInset.png"/>
+          <p:cNvPicPr>
+            <a:picLocks noChangeAspect="1"/>
+          </p:cNvPicPr>
+          <p:nvPr/>
+        </p:nvPicPr>
+        <p:blipFill>
+          <a:blip r:embed="rId2">
+            <a:extLst>
+              <a:ext uri="{28A0092B-C50C-407E-A947-70E740481C1C}">
+                <a14:useLocalDpi xmlns:a14="http://schemas.microsoft.com/office/drawing/2010/main" val="0"/>
+              </a:ext>
+            </a:extLst>
+          </a:blip>
+          <a:stretch>
+            <a:fillRect/>
+          </a:stretch>
+        </p:blipFill>
+        <p:spPr>
+          <a:xfrm>
+            <a:off x="7936051" y="1818214"/>
+            <a:ext cx="3339972" cy="1847851"/>
+          </a:xfrm>
+          <a:prstGeom prst="rect">
+            <a:avLst/>
+          </a:prstGeom>
+        </p:spPr>
+      </p:pic>
+      <p:sp>
+        <p:nvSpPr>
+          <p:cNvPr id="30" name="Title 1"/>
+          <p:cNvSpPr>
+            <a:spLocks noGrp="1"/>
+          </p:cNvSpPr>
+          <p:nvPr>
+            <p:ph type="title"/>
+          </p:nvPr>
+        </p:nvSpPr>
+        <p:spPr>
+          <a:xfrm>
+            <a:off x="913794" y="609600"/>
+            <a:ext cx="10353763" cy="970450"/>
+          </a:xfrm>
+        </p:spPr>
+        <p:txBody>
+          <a:bodyPr/>
+          <a:lstStyle/>
+          <a:p>
+            <a:r>
+              <a:rPr lang="ko-KR" altLang="en-US"/>
+              <a:t>마스터 제목 스타일 편집</a:t>
+            </a:r>
+            <a:endParaRPr lang="en-US" dirty="0"/>
+          </a:p>
+        </p:txBody>
+      </p:sp>
+      <p:sp>
+        <p:nvSpPr>
+          <p:cNvPr id="19" name="Text Placeholder 2"/>
+          <p:cNvSpPr>
+            <a:spLocks noGrp="1"/>
+          </p:cNvSpPr>
+          <p:nvPr>
+            <p:ph type="body" idx="1"/>
+          </p:nvPr>
+        </p:nvSpPr>
+        <p:spPr>
+          <a:xfrm>
+            <a:off x="913795" y="3904106"/>
+            <a:ext cx="3300984" cy="576262"/>
+          </a:xfrm>
+        </p:spPr>
+        <p:txBody>
+          <a:bodyPr anchor="b">
+            <a:noAutofit/>
+          </a:bodyPr>
+          <a:lstStyle>
+            <a:lvl1pPr marL="0" indent="0" algn="ctr">
+              <a:buNone/>
+              <a:defRPr sz="2000" b="0">
+                <a:solidFill>
+                  <a:schemeClr val="tx1"/>
+                </a:solidFill>
+              </a:defRPr>
+            </a:lvl1pPr>
+            <a:lvl2pPr marL="457200" indent="0">
+              <a:buNone/>
+              <a:defRPr sz="2000" b="1"/>
+            </a:lvl2pPr>
+            <a:lvl3pPr marL="914400" indent="0">
+              <a:buNone/>
+              <a:defRPr sz="1800" b="1"/>
+            </a:lvl3pPr>
+            <a:lvl4pPr marL="1371600" indent="0">
+              <a:buNone/>
+              <a:defRPr sz="1600" b="1"/>
+            </a:lvl4pPr>
+            <a:lvl5pPr marL="1828800" indent="0">
+              <a:buNone/>
+              <a:defRPr sz="1600" b="1"/>
+            </a:lvl5pPr>
+            <a:lvl6pPr marL="2286000" indent="0">
+              <a:buNone/>
+              <a:defRPr sz="1600" b="1"/>
+            </a:lvl6pPr>
+            <a:lvl7pPr marL="2743200" indent="0">
+              <a:buNone/>
+              <a:defRPr sz="1600" b="1"/>
+            </a:lvl7pPr>
+            <a:lvl8pPr marL="3200400" indent="0">
+              <a:buNone/>
+              <a:defRPr sz="1600" b="1"/>
+            </a:lvl8pPr>
+            <a:lvl9pPr marL="3657600" indent="0">
+              <a:buNone/>
+              <a:defRPr sz="1600" b="1"/>
+            </a:lvl9pPr>
+          </a:lstStyle>
+          <a:p>
+            <a:pPr lvl="0"/>
+            <a:r>
+              <a:rPr lang="ko-KR" altLang="en-US"/>
+              <a:t>마스터 텍스트 스타일을 편집하려면 클릭</a:t>
+            </a:r>
+          </a:p>
+        </p:txBody>
+      </p:sp>
+      <p:sp>
+        <p:nvSpPr>
+          <p:cNvPr id="20" name="Picture Placeholder 2"/>
+          <p:cNvSpPr>
+            <a:spLocks noGrp="1" noChangeAspect="1"/>
+          </p:cNvSpPr>
+          <p:nvPr>
+            <p:ph type="pic" idx="15"/>
+          </p:nvPr>
+        </p:nvSpPr>
+        <p:spPr>
+          <a:xfrm>
+            <a:off x="1018102" y="1938918"/>
+            <a:ext cx="3092368" cy="1602954"/>
+          </a:xfrm>
+          <a:prstGeom prst="roundRect">
+            <a:avLst>
+              <a:gd name="adj" fmla="val 1858"/>
+            </a:avLst>
+          </a:prstGeom>
+          <a:effectLst>
+            <a:outerShdw blurRad="38100" dist="25400" dir="4440000">
+              <a:srgbClr val="000000">
+                <a:alpha val="36000"/>
+              </a:srgbClr>
+            </a:outerShdw>
+          </a:effectLst>
+        </p:spPr>
+        <p:txBody>
+          <a:bodyPr anchor="t">
+            <a:normAutofit/>
+          </a:bodyPr>
+          <a:lstStyle>
+            <a:lvl1pPr marL="0" indent="0" algn="ctr">
+              <a:buNone/>
+              <a:defRPr sz="1600"/>
+            </a:lvl1pPr>
+            <a:lvl2pPr marL="457200" indent="0">
+              <a:buNone/>
+              <a:defRPr sz="1600"/>
+            </a:lvl2pPr>
+            <a:lvl3pPr marL="914400" indent="0">
+              <a:buNone/>
+              <a:defRPr sz="1600"/>
+            </a:lvl3pPr>
+            <a:lvl4pPr marL="1371600" indent="0">
+              <a:buNone/>
+              <a:defRPr sz="1600"/>
+            </a:lvl4pPr>
+            <a:lvl5pPr marL="1828800" indent="0">
+              <a:buNone/>
+              <a:defRPr sz="1600"/>
+            </a:lvl5pPr>
+            <a:lvl6pPr marL="2286000" indent="0">
+              <a:buNone/>
+              <a:defRPr sz="1600"/>
+            </a:lvl6pPr>
+            <a:lvl7pPr marL="2743200" indent="0">
+              <a:buNone/>
+              <a:defRPr sz="1600"/>
+            </a:lvl7pPr>
+            <a:lvl8pPr marL="3200400" indent="0">
+              <a:buNone/>
+              <a:defRPr sz="1600"/>
+            </a:lvl8pPr>
+            <a:lvl9pPr marL="3657600" indent="0">
+              <a:buNone/>
+              <a:defRPr sz="1600"/>
+            </a:lvl9pPr>
+          </a:lstStyle>
+          <a:p>
+            <a:r>
+              <a:rPr lang="ko-KR" altLang="en-US"/>
+              <a:t>그림을 추가하려면 아이콘을 클릭하십시오</a:t>
+            </a:r>
+            <a:endParaRPr lang="en-US" dirty="0"/>
+          </a:p>
+        </p:txBody>
+      </p:sp>
+      <p:sp>
+        <p:nvSpPr>
+          <p:cNvPr id="21" name="Text Placeholder 3"/>
+          <p:cNvSpPr>
+            <a:spLocks noGrp="1"/>
+          </p:cNvSpPr>
+          <p:nvPr>
+            <p:ph type="body" sz="half" idx="18"/>
+          </p:nvPr>
+        </p:nvSpPr>
+        <p:spPr>
+          <a:xfrm>
+            <a:off x="913795" y="4480368"/>
+            <a:ext cx="3300984" cy="1310833"/>
+          </a:xfrm>
+        </p:spPr>
+        <p:txBody>
+          <a:bodyPr anchor="t">
+            <a:normAutofit/>
+          </a:bodyPr>
+          <a:lstStyle>
+            <a:lvl1pPr marL="0" indent="0" algn="ctr">
+              <a:buNone/>
+              <a:defRPr sz="1400"/>
+            </a:lvl1pPr>
+            <a:lvl2pPr marL="457200" indent="0">
+              <a:buNone/>
+              <a:defRPr sz="1200"/>
+            </a:lvl2pPr>
+            <a:lvl3pPr marL="914400" indent="0">
+              <a:buNone/>
+              <a:defRPr sz="1000"/>
+            </a:lvl3pPr>
+            <a:lvl4pPr marL="1371600" indent="0">
+              <a:buNone/>
+              <a:defRPr sz="900"/>
+            </a:lvl4pPr>
+            <a:lvl5pPr marL="1828800" indent="0">
+              <a:buNone/>
+              <a:defRPr sz="900"/>
+            </a:lvl5pPr>
+            <a:lvl6pPr marL="2286000" indent="0">
+              <a:buNone/>
+              <a:defRPr sz="900"/>
+            </a:lvl6pPr>
+            <a:lvl7pPr marL="2743200" indent="0">
+              <a:buNone/>
+              <a:defRPr sz="900"/>
+            </a:lvl7pPr>
+            <a:lvl8pPr marL="3200400" indent="0">
+              <a:buNone/>
+              <a:defRPr sz="900"/>
+            </a:lvl8pPr>
+            <a:lvl9pPr marL="3657600" indent="0">
+              <a:buNone/>
+              <a:defRPr sz="900"/>
+            </a:lvl9pPr>
+          </a:lstStyle>
+          <a:p>
+            <a:pPr lvl="0"/>
+            <a:r>
+              <a:rPr lang="ko-KR" altLang="en-US"/>
+              <a:t>마스터 텍스트 스타일을 편집하려면 클릭</a:t>
+            </a:r>
+          </a:p>
+        </p:txBody>
+      </p:sp>
+      <p:sp>
+        <p:nvSpPr>
+          <p:cNvPr id="22" name="Text Placeholder 4"/>
+          <p:cNvSpPr>
+            <a:spLocks noGrp="1"/>
+          </p:cNvSpPr>
+          <p:nvPr>
+            <p:ph type="body" sz="quarter" idx="3"/>
+          </p:nvPr>
+        </p:nvSpPr>
+        <p:spPr>
+          <a:xfrm>
+            <a:off x="4442788" y="3904106"/>
+            <a:ext cx="3300984" cy="576262"/>
+          </a:xfrm>
+        </p:spPr>
+        <p:txBody>
+          <a:bodyPr anchor="b">
+            <a:noAutofit/>
+          </a:bodyPr>
+          <a:lstStyle>
+            <a:lvl1pPr marL="0" indent="0" algn="ctr">
+              <a:buNone/>
+              <a:defRPr sz="2000" b="0">
+                <a:solidFill>
+                  <a:schemeClr val="tx1"/>
+                </a:solidFill>
+              </a:defRPr>
+            </a:lvl1pPr>
+            <a:lvl2pPr marL="457200" indent="0">
+              <a:buNone/>
+              <a:defRPr sz="2000" b="1"/>
+            </a:lvl2pPr>
+            <a:lvl3pPr marL="914400" indent="0">
+              <a:buNone/>
+              <a:defRPr sz="1800" b="1"/>
+            </a:lvl3pPr>
+            <a:lvl4pPr marL="1371600" indent="0">
+              <a:buNone/>
+              <a:defRPr sz="1600" b="1"/>
+            </a:lvl4pPr>
+            <a:lvl5pPr marL="1828800" indent="0">
+              <a:buNone/>
+              <a:defRPr sz="1600" b="1"/>
+            </a:lvl5pPr>
+            <a:lvl6pPr marL="2286000" indent="0">
+              <a:buNone/>
+              <a:defRPr sz="1600" b="1"/>
+            </a:lvl6pPr>
+            <a:lvl7pPr marL="2743200" indent="0">
+              <a:buNone/>
+              <a:defRPr sz="1600" b="1"/>
+            </a:lvl7pPr>
+            <a:lvl8pPr marL="3200400" indent="0">
+              <a:buNone/>
+              <a:defRPr sz="1600" b="1"/>
+            </a:lvl8pPr>
+            <a:lvl9pPr marL="3657600" indent="0">
+              <a:buNone/>
+              <a:defRPr sz="1600" b="1"/>
+            </a:lvl9pPr>
+          </a:lstStyle>
+          <a:p>
+            <a:pPr lvl="0"/>
+            <a:r>
+              <a:rPr lang="ko-KR" altLang="en-US"/>
+              <a:t>마스터 텍스트 스타일을 편집하려면 클릭</a:t>
+            </a:r>
+          </a:p>
+        </p:txBody>
+      </p:sp>
+      <p:sp>
+        <p:nvSpPr>
+          <p:cNvPr id="23" name="Picture Placeholder 2"/>
+          <p:cNvSpPr>
+            <a:spLocks noGrp="1" noChangeAspect="1"/>
+          </p:cNvSpPr>
+          <p:nvPr>
+            <p:ph type="pic" idx="21"/>
+          </p:nvPr>
+        </p:nvSpPr>
+        <p:spPr>
+          <a:xfrm>
+            <a:off x="4545743" y="1939094"/>
+            <a:ext cx="3092368" cy="1608164"/>
+          </a:xfrm>
+          <a:prstGeom prst="roundRect">
+            <a:avLst>
+              <a:gd name="adj" fmla="val 1858"/>
+            </a:avLst>
+          </a:prstGeom>
+          <a:effectLst>
+            <a:outerShdw blurRad="38100" dist="25400" dir="4440000">
+              <a:srgbClr val="000000">
+                <a:alpha val="36000"/>
+              </a:srgbClr>
+            </a:outerShdw>
+          </a:effectLst>
+        </p:spPr>
+        <p:txBody>
+          <a:bodyPr anchor="t">
+            <a:normAutofit/>
+          </a:bodyPr>
+          <a:lstStyle>
+            <a:lvl1pPr marL="0" indent="0" algn="ctr">
+              <a:buNone/>
+              <a:defRPr sz="1600"/>
+            </a:lvl1pPr>
+            <a:lvl2pPr marL="457200" indent="0">
+              <a:buNone/>
+              <a:defRPr sz="1600"/>
+            </a:lvl2pPr>
+            <a:lvl3pPr marL="914400" indent="0">
+              <a:buNone/>
+              <a:defRPr sz="1600"/>
+            </a:lvl3pPr>
+            <a:lvl4pPr marL="1371600" indent="0">
+              <a:buNone/>
+              <a:defRPr sz="1600"/>
+            </a:lvl4pPr>
+            <a:lvl5pPr marL="1828800" indent="0">
+              <a:buNone/>
+              <a:defRPr sz="1600"/>
+            </a:lvl5pPr>
+            <a:lvl6pPr marL="2286000" indent="0">
+              <a:buNone/>
+              <a:defRPr sz="1600"/>
+            </a:lvl6pPr>
+            <a:lvl7pPr marL="2743200" indent="0">
+              <a:buNone/>
+              <a:defRPr sz="1600"/>
+            </a:lvl7pPr>
+            <a:lvl8pPr marL="3200400" indent="0">
+              <a:buNone/>
+              <a:defRPr sz="1600"/>
+            </a:lvl8pPr>
+            <a:lvl9pPr marL="3657600" indent="0">
+              <a:buNone/>
+              <a:defRPr sz="1600"/>
+            </a:lvl9pPr>
+          </a:lstStyle>
+          <a:p>
+            <a:r>
+              <a:rPr lang="ko-KR" altLang="en-US"/>
+              <a:t>그림을 추가하려면 아이콘을 클릭하십시오</a:t>
+            </a:r>
+            <a:endParaRPr lang="en-US" dirty="0"/>
+          </a:p>
+        </p:txBody>
+      </p:sp>
+      <p:sp>
+        <p:nvSpPr>
+          <p:cNvPr id="24" name="Text Placeholder 3"/>
+          <p:cNvSpPr>
+            <a:spLocks noGrp="1"/>
+          </p:cNvSpPr>
+          <p:nvPr>
+            <p:ph type="body" sz="half" idx="19"/>
+          </p:nvPr>
+        </p:nvSpPr>
+        <p:spPr>
+          <a:xfrm>
+            <a:off x="4441435" y="4480367"/>
+            <a:ext cx="3300984" cy="1310833"/>
+          </a:xfrm>
+        </p:spPr>
+        <p:txBody>
+          <a:bodyPr anchor="t">
+            <a:normAutofit/>
+          </a:bodyPr>
+          <a:lstStyle>
+            <a:lvl1pPr marL="0" indent="0" algn="ctr">
+              <a:buNone/>
+              <a:defRPr sz="1400"/>
+            </a:lvl1pPr>
+            <a:lvl2pPr marL="457200" indent="0">
+              <a:buNone/>
+              <a:defRPr sz="1200"/>
+            </a:lvl2pPr>
+            <a:lvl3pPr marL="914400" indent="0">
+              <a:buNone/>
+              <a:defRPr sz="1000"/>
+            </a:lvl3pPr>
+            <a:lvl4pPr marL="1371600" indent="0">
+              <a:buNone/>
+              <a:defRPr sz="900"/>
+            </a:lvl4pPr>
+            <a:lvl5pPr marL="1828800" indent="0">
+              <a:buNone/>
+              <a:defRPr sz="900"/>
+            </a:lvl5pPr>
+            <a:lvl6pPr marL="2286000" indent="0">
+              <a:buNone/>
+              <a:defRPr sz="900"/>
+            </a:lvl6pPr>
+            <a:lvl7pPr marL="2743200" indent="0">
+              <a:buNone/>
+              <a:defRPr sz="900"/>
+            </a:lvl7pPr>
+            <a:lvl8pPr marL="3200400" indent="0">
+              <a:buNone/>
+              <a:defRPr sz="900"/>
+            </a:lvl8pPr>
+            <a:lvl9pPr marL="3657600" indent="0">
+              <a:buNone/>
+              <a:defRPr sz="900"/>
+            </a:lvl9pPr>
+          </a:lstStyle>
+          <a:p>
+            <a:pPr lvl="0"/>
+            <a:r>
+              <a:rPr lang="ko-KR" altLang="en-US"/>
+              <a:t>마스터 텍스트 스타일을 편집하려면 클릭</a:t>
+            </a:r>
+          </a:p>
+        </p:txBody>
+      </p:sp>
+      <p:sp>
+        <p:nvSpPr>
+          <p:cNvPr id="25" name="Text Placeholder 4"/>
+          <p:cNvSpPr>
+            <a:spLocks noGrp="1"/>
+          </p:cNvSpPr>
+          <p:nvPr>
+            <p:ph type="body" sz="quarter" idx="13"/>
+          </p:nvPr>
+        </p:nvSpPr>
+        <p:spPr>
+          <a:xfrm>
+            <a:off x="7966697" y="3904106"/>
+            <a:ext cx="3300984" cy="576262"/>
+          </a:xfrm>
+        </p:spPr>
+        <p:txBody>
+          <a:bodyPr anchor="b">
+            <a:noAutofit/>
+          </a:bodyPr>
+          <a:lstStyle>
+            <a:lvl1pPr marL="0" indent="0" algn="ctr">
+              <a:buNone/>
+              <a:defRPr sz="2000" b="0">
+                <a:solidFill>
+                  <a:schemeClr val="tx1"/>
+                </a:solidFill>
+              </a:defRPr>
+            </a:lvl1pPr>
+            <a:lvl2pPr marL="457200" indent="0">
+              <a:buNone/>
+              <a:defRPr sz="2000" b="1"/>
+            </a:lvl2pPr>
+            <a:lvl3pPr marL="914400" indent="0">
+              <a:buNone/>
+              <a:defRPr sz="1800" b="1"/>
+            </a:lvl3pPr>
+            <a:lvl4pPr marL="1371600" indent="0">
+              <a:buNone/>
+              <a:defRPr sz="1600" b="1"/>
+            </a:lvl4pPr>
+            <a:lvl5pPr marL="1828800" indent="0">
+              <a:buNone/>
+              <a:defRPr sz="1600" b="1"/>
+            </a:lvl5pPr>
+            <a:lvl6pPr marL="2286000" indent="0">
+              <a:buNone/>
+              <a:defRPr sz="1600" b="1"/>
+            </a:lvl6pPr>
+            <a:lvl7pPr marL="2743200" indent="0">
+              <a:buNone/>
+              <a:defRPr sz="1600" b="1"/>
+            </a:lvl7pPr>
+            <a:lvl8pPr marL="3200400" indent="0">
+              <a:buNone/>
+              <a:defRPr sz="1600" b="1"/>
+            </a:lvl8pPr>
+            <a:lvl9pPr marL="3657600" indent="0">
+              <a:buNone/>
+              <a:defRPr sz="1600" b="1"/>
+            </a:lvl9pPr>
+          </a:lstStyle>
+          <a:p>
+            <a:pPr lvl="0"/>
+            <a:r>
+              <a:rPr lang="ko-KR" altLang="en-US"/>
+              <a:t>마스터 텍스트 스타일을 편집하려면 클릭</a:t>
+            </a:r>
+          </a:p>
+        </p:txBody>
+      </p:sp>
+      <p:sp>
+        <p:nvSpPr>
+          <p:cNvPr id="26" name="Picture Placeholder 2"/>
+          <p:cNvSpPr>
+            <a:spLocks noGrp="1" noChangeAspect="1"/>
+          </p:cNvSpPr>
+          <p:nvPr>
+            <p:ph type="pic" idx="22"/>
+          </p:nvPr>
+        </p:nvSpPr>
+        <p:spPr>
+          <a:xfrm>
+            <a:off x="8075698" y="1934432"/>
+            <a:ext cx="3092368" cy="1607294"/>
+          </a:xfrm>
+          <a:prstGeom prst="roundRect">
+            <a:avLst>
+              <a:gd name="adj" fmla="val 1858"/>
+            </a:avLst>
+          </a:prstGeom>
+          <a:effectLst>
+            <a:outerShdw blurRad="38100" dist="25400" dir="4440000">
+              <a:srgbClr val="000000">
+                <a:alpha val="36000"/>
+              </a:srgbClr>
+            </a:outerShdw>
+          </a:effectLst>
+        </p:spPr>
+        <p:txBody>
+          <a:bodyPr anchor="t">
+            <a:normAutofit/>
+          </a:bodyPr>
+          <a:lstStyle>
+            <a:lvl1pPr marL="0" indent="0" algn="ctr">
+              <a:buNone/>
+              <a:defRPr sz="1600"/>
+            </a:lvl1pPr>
+            <a:lvl2pPr marL="457200" indent="0">
+              <a:buNone/>
+              <a:defRPr sz="1600"/>
+            </a:lvl2pPr>
+            <a:lvl3pPr marL="914400" indent="0">
+              <a:buNone/>
+              <a:defRPr sz="1600"/>
+            </a:lvl3pPr>
+            <a:lvl4pPr marL="1371600" indent="0">
+              <a:buNone/>
+              <a:defRPr sz="1600"/>
+            </a:lvl4pPr>
+            <a:lvl5pPr marL="1828800" indent="0">
+              <a:buNone/>
+              <a:defRPr sz="1600"/>
+            </a:lvl5pPr>
+            <a:lvl6pPr marL="2286000" indent="0">
+              <a:buNone/>
+              <a:defRPr sz="1600"/>
+            </a:lvl6pPr>
+            <a:lvl7pPr marL="2743200" indent="0">
+              <a:buNone/>
+              <a:defRPr sz="1600"/>
+            </a:lvl7pPr>
+            <a:lvl8pPr marL="3200400" indent="0">
+              <a:buNone/>
+              <a:defRPr sz="1600"/>
+            </a:lvl8pPr>
+            <a:lvl9pPr marL="3657600" indent="0">
+              <a:buNone/>
+              <a:defRPr sz="1600"/>
+            </a:lvl9pPr>
+          </a:lstStyle>
+          <a:p>
+            <a:r>
+              <a:rPr lang="ko-KR" altLang="en-US"/>
+              <a:t>그림을 추가하려면 아이콘을 클릭하십시오</a:t>
+            </a:r>
+            <a:endParaRPr lang="en-US" dirty="0"/>
+          </a:p>
+        </p:txBody>
+      </p:sp>
+      <p:sp>
+        <p:nvSpPr>
+          <p:cNvPr id="27" name="Text Placeholder 3"/>
+          <p:cNvSpPr>
+            <a:spLocks noGrp="1"/>
+          </p:cNvSpPr>
+          <p:nvPr>
+            <p:ph type="body" sz="half" idx="20"/>
+          </p:nvPr>
+        </p:nvSpPr>
+        <p:spPr>
+          <a:xfrm>
+            <a:off x="7966572" y="4480365"/>
+            <a:ext cx="3300984" cy="1310835"/>
+          </a:xfrm>
+        </p:spPr>
+        <p:txBody>
+          <a:bodyPr anchor="t">
+            <a:normAutofit/>
+          </a:bodyPr>
+          <a:lstStyle>
+            <a:lvl1pPr marL="0" indent="0" algn="ctr">
+              <a:buNone/>
+              <a:defRPr sz="1400"/>
+            </a:lvl1pPr>
+            <a:lvl2pPr marL="457200" indent="0">
+              <a:buNone/>
+              <a:defRPr sz="1200"/>
+            </a:lvl2pPr>
+            <a:lvl3pPr marL="914400" indent="0">
+              <a:buNone/>
+              <a:defRPr sz="1000"/>
+            </a:lvl3pPr>
+            <a:lvl4pPr marL="1371600" indent="0">
+              <a:buNone/>
+              <a:defRPr sz="900"/>
+            </a:lvl4pPr>
+            <a:lvl5pPr marL="1828800" indent="0">
+              <a:buNone/>
+              <a:defRPr sz="900"/>
+            </a:lvl5pPr>
+            <a:lvl6pPr marL="2286000" indent="0">
+              <a:buNone/>
+              <a:defRPr sz="900"/>
+            </a:lvl6pPr>
+            <a:lvl7pPr marL="2743200" indent="0">
+              <a:buNone/>
+              <a:defRPr sz="900"/>
+            </a:lvl7pPr>
+            <a:lvl8pPr marL="3200400" indent="0">
+              <a:buNone/>
+              <a:defRPr sz="900"/>
+            </a:lvl8pPr>
+            <a:lvl9pPr marL="3657600" indent="0">
+              <a:buNone/>
+              <a:defRPr sz="900"/>
+            </a:lvl9pPr>
+          </a:lstStyle>
+          <a:p>
+            <a:pPr lvl="0"/>
+            <a:r>
+              <a:rPr lang="ko-KR" altLang="en-US"/>
+              <a:t>마스터 텍스트 스타일을 편집하려면 클릭</a:t>
+            </a:r>
+          </a:p>
+        </p:txBody>
+      </p:sp>
+      <p:sp>
+        <p:nvSpPr>
+          <p:cNvPr id="3" name="Date Placeholder 2"/>
+          <p:cNvSpPr>
+            <a:spLocks noGrp="1"/>
+          </p:cNvSpPr>
+          <p:nvPr>
+            <p:ph type="dt" sz="half" idx="10"/>
+          </p:nvPr>
+        </p:nvSpPr>
+        <p:spPr/>
+        <p:txBody>
+          <a:bodyPr/>
+          <a:lstStyle/>
+          <a:p>
+            <a:fld id="{B8774375-EA71-4015-9618-DF73F457C02A}" type="datetimeFigureOut">
+              <a:rPr lang="ko-KR" altLang="en-US" smtClean="0"/>
+              <a:t>2019-08-13</a:t>
+            </a:fld>
+            <a:endParaRPr lang="ko-KR" altLang="en-US"/>
+          </a:p>
+        </p:txBody>
+      </p:sp>
+      <p:sp>
+        <p:nvSpPr>
+          <p:cNvPr id="4" name="Footer Placeholder 3"/>
+          <p:cNvSpPr>
+            <a:spLocks noGrp="1"/>
+          </p:cNvSpPr>
+          <p:nvPr>
+            <p:ph type="ftr" sz="quarter" idx="11"/>
+          </p:nvPr>
+        </p:nvSpPr>
+        <p:spPr/>
+        <p:txBody>
+          <a:bodyPr/>
+          <a:lstStyle/>
+          <a:p>
+            <a:endParaRPr lang="ko-KR" altLang="en-US"/>
+          </a:p>
+        </p:txBody>
+      </p:sp>
+      <p:sp>
+        <p:nvSpPr>
+          <p:cNvPr id="5" name="Slide Number Placeholder 4"/>
+          <p:cNvSpPr>
+            <a:spLocks noGrp="1"/>
+          </p:cNvSpPr>
+          <p:nvPr>
+            <p:ph type="sldNum" sz="quarter" idx="12"/>
+          </p:nvPr>
+        </p:nvSpPr>
+        <p:spPr/>
+        <p:txBody>
+          <a:bodyPr/>
+          <a:lstStyle/>
+          <a:p>
+            <a:fld id="{D709A63A-9745-40AC-B80C-AB7B4FD4B25C}" type="slidenum">
+              <a:rPr lang="ko-KR" altLang="en-US" smtClean="0"/>
+              <a:t>‹#›</a:t>
+            </a:fld>
+            <a:endParaRPr lang="ko-KR" altLang="en-US"/>
+          </a:p>
+        </p:txBody>
+      </p:sp>
+    </p:spTree>
+    <p:extLst>
+      <p:ext uri="{BB962C8B-B14F-4D97-AF65-F5344CB8AC3E}">
+        <p14:creationId xmlns:p14="http://schemas.microsoft.com/office/powerpoint/2010/main" val="223312009"/>
+      </p:ext>
+    </p:extLst>
+  </p:cSld>
+  <p:clrMapOvr>
+    <a:masterClrMapping/>
+  </p:clrMapOvr>
+</p:sldLayout>
+</file>
+
+<file path=ppt/slideLayouts/slideLayout16.xml><?xml version="1.0" encoding="utf-8"?>
 <p:sldLayout xmlns:a="http://schemas.openxmlformats.org/drawingml/2006/main" xmlns:r="http://schemas.openxmlformats.org/officeDocument/2006/relationships" xmlns:p="http://schemas.openxmlformats.org/presentationml/2006/main" type="vertTx" preserve="1">
   <p:cSld name="제목 및 세로 텍스트">
     <p:spTree>
@@ -346,13 +2954,7 @@
       </p:grpSpPr>
       <p:sp>
         <p:nvSpPr>
-          <p:cNvPr id="2" name="제목 1">
-            <a:extLst>
-              <a:ext uri="{FF2B5EF4-FFF2-40B4-BE49-F238E27FC236}">
-                <a16:creationId xmlns:a16="http://schemas.microsoft.com/office/drawing/2014/main" id="{96A43FDE-A1D7-4D2C-8A6E-1CC522AD66ED}"/>
-              </a:ext>
-            </a:extLst>
-          </p:cNvPr>
+          <p:cNvPr id="2" name="Title 1"/>
           <p:cNvSpPr>
             <a:spLocks noGrp="1"/>
           </p:cNvSpPr>
@@ -369,18 +2971,13 @@
               <a:rPr lang="ko-KR" altLang="en-US"/>
               <a:t>마스터 제목 스타일 편집</a:t>
             </a:r>
+            <a:endParaRPr lang="en-US" dirty="0"/>
           </a:p>
         </p:txBody>
       </p:sp>
       <p:sp>
         <p:nvSpPr>
-          <p:cNvPr id="3" name="세로 텍스트 개체 틀 2">
-            <a:extLst>
-              <a:ext uri="{FF2B5EF4-FFF2-40B4-BE49-F238E27FC236}">
-                <a16:creationId xmlns:a16="http://schemas.microsoft.com/office/drawing/2014/main" id="{205E67BB-2228-43CF-AC1D-356E25B52D20}"/>
-              </a:ext>
-            </a:extLst>
-          </p:cNvPr>
+          <p:cNvPr id="3" name="Vertical Text Placeholder 2"/>
           <p:cNvSpPr>
             <a:spLocks noGrp="1"/>
           </p:cNvSpPr>
@@ -390,7 +2987,7 @@
         </p:nvSpPr>
         <p:spPr/>
         <p:txBody>
-          <a:bodyPr vert="eaVert"/>
+          <a:bodyPr vert="eaVert" anchor="t"/>
           <a:lstStyle/>
           <a:p>
             <a:pPr lvl="0"/>
@@ -426,18 +3023,13 @@
               <a:rPr lang="ko-KR" altLang="en-US"/>
               <a:t>다섯 번째 수준</a:t>
             </a:r>
+            <a:endParaRPr lang="en-US" dirty="0"/>
           </a:p>
         </p:txBody>
       </p:sp>
       <p:sp>
         <p:nvSpPr>
-          <p:cNvPr id="4" name="날짜 개체 틀 3">
-            <a:extLst>
-              <a:ext uri="{FF2B5EF4-FFF2-40B4-BE49-F238E27FC236}">
-                <a16:creationId xmlns:a16="http://schemas.microsoft.com/office/drawing/2014/main" id="{905273FC-1DCB-4301-92CF-891AC2253E85}"/>
-              </a:ext>
-            </a:extLst>
-          </p:cNvPr>
+          <p:cNvPr id="4" name="Date Placeholder 3"/>
           <p:cNvSpPr>
             <a:spLocks noGrp="1"/>
           </p:cNvSpPr>
@@ -452,7 +3044,7 @@
           <a:p>
             <a:fld id="{B8774375-EA71-4015-9618-DF73F457C02A}" type="datetimeFigureOut">
               <a:rPr lang="ko-KR" altLang="en-US" smtClean="0"/>
-              <a:t>2019-08-03</a:t>
+              <a:t>2019-08-13</a:t>
             </a:fld>
             <a:endParaRPr lang="ko-KR" altLang="en-US"/>
           </a:p>
@@ -460,13 +3052,7 @@
       </p:sp>
       <p:sp>
         <p:nvSpPr>
-          <p:cNvPr id="5" name="바닥글 개체 틀 4">
-            <a:extLst>
-              <a:ext uri="{FF2B5EF4-FFF2-40B4-BE49-F238E27FC236}">
-                <a16:creationId xmlns:a16="http://schemas.microsoft.com/office/drawing/2014/main" id="{149548C4-EF37-4D25-8C4C-D22D4993AF2D}"/>
-              </a:ext>
-            </a:extLst>
-          </p:cNvPr>
+          <p:cNvPr id="5" name="Footer Placeholder 4"/>
           <p:cNvSpPr>
             <a:spLocks noGrp="1"/>
           </p:cNvSpPr>
@@ -485,13 +3071,7 @@
       </p:sp>
       <p:sp>
         <p:nvSpPr>
-          <p:cNvPr id="6" name="슬라이드 번호 개체 틀 5">
-            <a:extLst>
-              <a:ext uri="{FF2B5EF4-FFF2-40B4-BE49-F238E27FC236}">
-                <a16:creationId xmlns:a16="http://schemas.microsoft.com/office/drawing/2014/main" id="{1FA83EC3-A03D-4F4C-9172-4324345CFF70}"/>
-              </a:ext>
-            </a:extLst>
-          </p:cNvPr>
+          <p:cNvPr id="6" name="Slide Number Placeholder 5"/>
           <p:cNvSpPr>
             <a:spLocks noGrp="1"/>
           </p:cNvSpPr>
@@ -515,7 +3095,7 @@
     </p:spTree>
     <p:extLst>
       <p:ext uri="{BB962C8B-B14F-4D97-AF65-F5344CB8AC3E}">
-        <p14:creationId xmlns:p14="http://schemas.microsoft.com/office/powerpoint/2010/main" val="2509838208"/>
+        <p14:creationId xmlns:p14="http://schemas.microsoft.com/office/powerpoint/2010/main" val="1792983844"/>
       </p:ext>
     </p:extLst>
   </p:cSld>
@@ -525,7 +3105,7 @@
 </p:sldLayout>
 </file>
 
-<file path=ppt/slideLayouts/slideLayout11.xml><?xml version="1.0" encoding="utf-8"?>
+<file path=ppt/slideLayouts/slideLayout17.xml><?xml version="1.0" encoding="utf-8"?>
 <p:sldLayout xmlns:a="http://schemas.openxmlformats.org/drawingml/2006/main" xmlns:r="http://schemas.openxmlformats.org/officeDocument/2006/relationships" xmlns:p="http://schemas.openxmlformats.org/presentationml/2006/main" type="vertTitleAndTx" preserve="1">
   <p:cSld name="세로 제목 및 텍스트">
     <p:spTree>
@@ -544,13 +3124,7 @@
       </p:grpSpPr>
       <p:sp>
         <p:nvSpPr>
-          <p:cNvPr id="2" name="세로 제목 1">
-            <a:extLst>
-              <a:ext uri="{FF2B5EF4-FFF2-40B4-BE49-F238E27FC236}">
-                <a16:creationId xmlns:a16="http://schemas.microsoft.com/office/drawing/2014/main" id="{8B916B46-8E8E-44AA-96E7-9B96840C826F}"/>
-              </a:ext>
-            </a:extLst>
-          </p:cNvPr>
+          <p:cNvPr id="2" name="Vertical Title 1"/>
           <p:cNvSpPr>
             <a:spLocks noGrp="1"/>
           </p:cNvSpPr>
@@ -560,30 +3134,29 @@
         </p:nvSpPr>
         <p:spPr>
           <a:xfrm>
-            <a:off x="8724900" y="365125"/>
-            <a:ext cx="2628900" cy="5811838"/>
+            <a:off x="8983068" y="609599"/>
+            <a:ext cx="2284487" cy="5181601"/>
           </a:xfrm>
         </p:spPr>
         <p:txBody>
           <a:bodyPr vert="eaVert"/>
-          <a:lstStyle/>
+          <a:lstStyle>
+            <a:lvl1pPr algn="l">
+              <a:defRPr/>
+            </a:lvl1pPr>
+          </a:lstStyle>
           <a:p>
             <a:r>
               <a:rPr lang="ko-KR" altLang="en-US"/>
               <a:t>마스터 제목 스타일 편집</a:t>
             </a:r>
+            <a:endParaRPr lang="en-US" dirty="0"/>
           </a:p>
         </p:txBody>
       </p:sp>
       <p:sp>
         <p:nvSpPr>
-          <p:cNvPr id="3" name="세로 텍스트 개체 틀 2">
-            <a:extLst>
-              <a:ext uri="{FF2B5EF4-FFF2-40B4-BE49-F238E27FC236}">
-                <a16:creationId xmlns:a16="http://schemas.microsoft.com/office/drawing/2014/main" id="{ECE4996A-3E41-44B2-9F4B-3F740526DCFE}"/>
-              </a:ext>
-            </a:extLst>
-          </p:cNvPr>
+          <p:cNvPr id="3" name="Vertical Text Placeholder 2"/>
           <p:cNvSpPr>
             <a:spLocks noGrp="1"/>
           </p:cNvSpPr>
@@ -593,12 +3166,12 @@
         </p:nvSpPr>
         <p:spPr>
           <a:xfrm>
-            <a:off x="838200" y="365125"/>
-            <a:ext cx="7734300" cy="5811838"/>
+            <a:off x="913796" y="609599"/>
+            <a:ext cx="7916872" cy="5181601"/>
           </a:xfrm>
         </p:spPr>
         <p:txBody>
-          <a:bodyPr vert="eaVert"/>
+          <a:bodyPr vert="eaVert" anchor="t"/>
           <a:lstStyle/>
           <a:p>
             <a:pPr lvl="0"/>
@@ -634,18 +3207,13 @@
               <a:rPr lang="ko-KR" altLang="en-US"/>
               <a:t>다섯 번째 수준</a:t>
             </a:r>
+            <a:endParaRPr lang="en-US" dirty="0"/>
           </a:p>
         </p:txBody>
       </p:sp>
       <p:sp>
         <p:nvSpPr>
-          <p:cNvPr id="4" name="날짜 개체 틀 3">
-            <a:extLst>
-              <a:ext uri="{FF2B5EF4-FFF2-40B4-BE49-F238E27FC236}">
-                <a16:creationId xmlns:a16="http://schemas.microsoft.com/office/drawing/2014/main" id="{339EAA10-DE87-4BC4-B080-60AD1F8B1B73}"/>
-              </a:ext>
-            </a:extLst>
-          </p:cNvPr>
+          <p:cNvPr id="4" name="Date Placeholder 3"/>
           <p:cNvSpPr>
             <a:spLocks noGrp="1"/>
           </p:cNvSpPr>
@@ -660,7 +3228,7 @@
           <a:p>
             <a:fld id="{B8774375-EA71-4015-9618-DF73F457C02A}" type="datetimeFigureOut">
               <a:rPr lang="ko-KR" altLang="en-US" smtClean="0"/>
-              <a:t>2019-08-03</a:t>
+              <a:t>2019-08-13</a:t>
             </a:fld>
             <a:endParaRPr lang="ko-KR" altLang="en-US"/>
           </a:p>
@@ -668,13 +3236,7 @@
       </p:sp>
       <p:sp>
         <p:nvSpPr>
-          <p:cNvPr id="5" name="바닥글 개체 틀 4">
-            <a:extLst>
-              <a:ext uri="{FF2B5EF4-FFF2-40B4-BE49-F238E27FC236}">
-                <a16:creationId xmlns:a16="http://schemas.microsoft.com/office/drawing/2014/main" id="{DA5E8B6B-5521-4FA0-B8E3-BAFC988FF6BA}"/>
-              </a:ext>
-            </a:extLst>
-          </p:cNvPr>
+          <p:cNvPr id="5" name="Footer Placeholder 4"/>
           <p:cNvSpPr>
             <a:spLocks noGrp="1"/>
           </p:cNvSpPr>
@@ -693,13 +3255,7 @@
       </p:sp>
       <p:sp>
         <p:nvSpPr>
-          <p:cNvPr id="6" name="슬라이드 번호 개체 틀 5">
-            <a:extLst>
-              <a:ext uri="{FF2B5EF4-FFF2-40B4-BE49-F238E27FC236}">
-                <a16:creationId xmlns:a16="http://schemas.microsoft.com/office/drawing/2014/main" id="{9BD85C4F-84DC-4D59-BCDA-066DE535C0CA}"/>
-              </a:ext>
-            </a:extLst>
-          </p:cNvPr>
+          <p:cNvPr id="6" name="Slide Number Placeholder 5"/>
           <p:cNvSpPr>
             <a:spLocks noGrp="1"/>
           </p:cNvSpPr>
@@ -723,7 +3279,7 @@
     </p:spTree>
     <p:extLst>
       <p:ext uri="{BB962C8B-B14F-4D97-AF65-F5344CB8AC3E}">
-        <p14:creationId xmlns:p14="http://schemas.microsoft.com/office/powerpoint/2010/main" val="3867604301"/>
+        <p14:creationId xmlns:p14="http://schemas.microsoft.com/office/powerpoint/2010/main" val="3108911740"/>
       </p:ext>
     </p:extLst>
   </p:cSld>
@@ -752,13 +3308,7 @@
       </p:grpSpPr>
       <p:sp>
         <p:nvSpPr>
-          <p:cNvPr id="2" name="제목 1">
-            <a:extLst>
-              <a:ext uri="{FF2B5EF4-FFF2-40B4-BE49-F238E27FC236}">
-                <a16:creationId xmlns:a16="http://schemas.microsoft.com/office/drawing/2014/main" id="{FD2CB7FE-D258-41B0-9E0F-F31C0D1ACA1A}"/>
-              </a:ext>
-            </a:extLst>
-          </p:cNvPr>
+          <p:cNvPr id="2" name="Title 1"/>
           <p:cNvSpPr>
             <a:spLocks noGrp="1"/>
           </p:cNvSpPr>
@@ -775,18 +3325,13 @@
               <a:rPr lang="ko-KR" altLang="en-US"/>
               <a:t>마스터 제목 스타일 편집</a:t>
             </a:r>
+            <a:endParaRPr lang="en-US" dirty="0"/>
           </a:p>
         </p:txBody>
       </p:sp>
       <p:sp>
         <p:nvSpPr>
-          <p:cNvPr id="3" name="내용 개체 틀 2">
-            <a:extLst>
-              <a:ext uri="{FF2B5EF4-FFF2-40B4-BE49-F238E27FC236}">
-                <a16:creationId xmlns:a16="http://schemas.microsoft.com/office/drawing/2014/main" id="{C675EB69-7AF8-4AFB-9ED6-35BD82D316CB}"/>
-              </a:ext>
-            </a:extLst>
-          </p:cNvPr>
+          <p:cNvPr id="3" name="Content Placeholder 2"/>
           <p:cNvSpPr>
             <a:spLocks noGrp="1"/>
           </p:cNvSpPr>
@@ -832,18 +3377,13 @@
               <a:rPr lang="ko-KR" altLang="en-US"/>
               <a:t>다섯 번째 수준</a:t>
             </a:r>
+            <a:endParaRPr lang="en-US" dirty="0"/>
           </a:p>
         </p:txBody>
       </p:sp>
       <p:sp>
         <p:nvSpPr>
-          <p:cNvPr id="4" name="날짜 개체 틀 3">
-            <a:extLst>
-              <a:ext uri="{FF2B5EF4-FFF2-40B4-BE49-F238E27FC236}">
-                <a16:creationId xmlns:a16="http://schemas.microsoft.com/office/drawing/2014/main" id="{E8A0DAC3-8E0C-46CA-B800-11AB1740F3CC}"/>
-              </a:ext>
-            </a:extLst>
-          </p:cNvPr>
+          <p:cNvPr id="4" name="Date Placeholder 3"/>
           <p:cNvSpPr>
             <a:spLocks noGrp="1"/>
           </p:cNvSpPr>
@@ -858,7 +3398,7 @@
           <a:p>
             <a:fld id="{B8774375-EA71-4015-9618-DF73F457C02A}" type="datetimeFigureOut">
               <a:rPr lang="ko-KR" altLang="en-US" smtClean="0"/>
-              <a:t>2019-08-03</a:t>
+              <a:t>2019-08-13</a:t>
             </a:fld>
             <a:endParaRPr lang="ko-KR" altLang="en-US"/>
           </a:p>
@@ -866,13 +3406,7 @@
       </p:sp>
       <p:sp>
         <p:nvSpPr>
-          <p:cNvPr id="5" name="바닥글 개체 틀 4">
-            <a:extLst>
-              <a:ext uri="{FF2B5EF4-FFF2-40B4-BE49-F238E27FC236}">
-                <a16:creationId xmlns:a16="http://schemas.microsoft.com/office/drawing/2014/main" id="{D8F9C260-A10A-419D-A0BE-D6E5C904EA31}"/>
-              </a:ext>
-            </a:extLst>
-          </p:cNvPr>
+          <p:cNvPr id="5" name="Footer Placeholder 4"/>
           <p:cNvSpPr>
             <a:spLocks noGrp="1"/>
           </p:cNvSpPr>
@@ -891,13 +3425,7 @@
       </p:sp>
       <p:sp>
         <p:nvSpPr>
-          <p:cNvPr id="6" name="슬라이드 번호 개체 틀 5">
-            <a:extLst>
-              <a:ext uri="{FF2B5EF4-FFF2-40B4-BE49-F238E27FC236}">
-                <a16:creationId xmlns:a16="http://schemas.microsoft.com/office/drawing/2014/main" id="{46C21AC0-4480-44F7-8539-0487717E2DCE}"/>
-              </a:ext>
-            </a:extLst>
-          </p:cNvPr>
+          <p:cNvPr id="6" name="Slide Number Placeholder 5"/>
           <p:cNvSpPr>
             <a:spLocks noGrp="1"/>
           </p:cNvSpPr>
@@ -921,7 +3449,7 @@
     </p:spTree>
     <p:extLst>
       <p:ext uri="{BB962C8B-B14F-4D97-AF65-F5344CB8AC3E}">
-        <p14:creationId xmlns:p14="http://schemas.microsoft.com/office/powerpoint/2010/main" val="1236768477"/>
+        <p14:creationId xmlns:p14="http://schemas.microsoft.com/office/powerpoint/2010/main" val="2456746625"/>
       </p:ext>
     </p:extLst>
   </p:cSld>
@@ -950,13 +3478,7 @@
       </p:grpSpPr>
       <p:sp>
         <p:nvSpPr>
-          <p:cNvPr id="2" name="제목 1">
-            <a:extLst>
-              <a:ext uri="{FF2B5EF4-FFF2-40B4-BE49-F238E27FC236}">
-                <a16:creationId xmlns:a16="http://schemas.microsoft.com/office/drawing/2014/main" id="{8F86791B-D84A-4A7F-851D-110516C0EE5B}"/>
-              </a:ext>
-            </a:extLst>
-          </p:cNvPr>
+          <p:cNvPr id="2" name="Title 1"/>
           <p:cNvSpPr>
             <a:spLocks noGrp="1"/>
           </p:cNvSpPr>
@@ -966,15 +3488,15 @@
         </p:nvSpPr>
         <p:spPr>
           <a:xfrm>
-            <a:off x="831850" y="1709738"/>
-            <a:ext cx="10515600" cy="2852737"/>
+            <a:off x="1295401" y="1761067"/>
+            <a:ext cx="9590550" cy="1828813"/>
           </a:xfrm>
         </p:spPr>
         <p:txBody>
           <a:bodyPr anchor="b"/>
           <a:lstStyle>
-            <a:lvl1pPr>
-              <a:defRPr sz="6000"/>
+            <a:lvl1pPr algn="ctr">
+              <a:defRPr sz="4000" b="0" cap="none"/>
             </a:lvl1pPr>
           </a:lstStyle>
           <a:p>
@@ -982,18 +3504,13 @@
               <a:rPr lang="ko-KR" altLang="en-US"/>
               <a:t>마스터 제목 스타일 편집</a:t>
             </a:r>
+            <a:endParaRPr lang="en-US" dirty="0"/>
           </a:p>
         </p:txBody>
       </p:sp>
       <p:sp>
         <p:nvSpPr>
-          <p:cNvPr id="3" name="텍스트 개체 틀 2">
-            <a:extLst>
-              <a:ext uri="{FF2B5EF4-FFF2-40B4-BE49-F238E27FC236}">
-                <a16:creationId xmlns:a16="http://schemas.microsoft.com/office/drawing/2014/main" id="{3B0F61E8-0D98-4AAD-BF50-56464F55758F}"/>
-              </a:ext>
-            </a:extLst>
-          </p:cNvPr>
+          <p:cNvPr id="3" name="Text Placeholder 2"/>
           <p:cNvSpPr>
             <a:spLocks noGrp="1"/>
           </p:cNvSpPr>
@@ -1003,26 +3520,24 @@
         </p:nvSpPr>
         <p:spPr>
           <a:xfrm>
-            <a:off x="831850" y="4589463"/>
-            <a:ext cx="10515600" cy="1500187"/>
+            <a:off x="1295401" y="3589879"/>
+            <a:ext cx="9590550" cy="1507054"/>
           </a:xfrm>
         </p:spPr>
         <p:txBody>
-          <a:bodyPr/>
+          <a:bodyPr anchor="t"/>
           <a:lstStyle>
-            <a:lvl1pPr marL="0" indent="0">
-              <a:buNone/>
-              <a:defRPr sz="2400">
+            <a:lvl1pPr marL="0" indent="0" algn="ctr">
+              <a:buNone/>
+              <a:defRPr sz="2000">
                 <a:solidFill>
-                  <a:schemeClr val="tx1">
-                    <a:tint val="75000"/>
-                  </a:schemeClr>
+                  <a:schemeClr val="tx1"/>
                 </a:solidFill>
               </a:defRPr>
             </a:lvl1pPr>
             <a:lvl2pPr marL="457200" indent="0">
               <a:buNone/>
-              <a:defRPr sz="2000">
+              <a:defRPr sz="1800">
                 <a:solidFill>
                   <a:schemeClr val="tx1">
                     <a:tint val="75000"/>
@@ -1032,7 +3547,7 @@
             </a:lvl2pPr>
             <a:lvl3pPr marL="914400" indent="0">
               <a:buNone/>
-              <a:defRPr sz="1800">
+              <a:defRPr sz="1600">
                 <a:solidFill>
                   <a:schemeClr val="tx1">
                     <a:tint val="75000"/>
@@ -1042,7 +3557,7 @@
             </a:lvl3pPr>
             <a:lvl4pPr marL="1371600" indent="0">
               <a:buNone/>
-              <a:defRPr sz="1600">
+              <a:defRPr sz="1400">
                 <a:solidFill>
                   <a:schemeClr val="tx1">
                     <a:tint val="75000"/>
@@ -1052,7 +3567,7 @@
             </a:lvl4pPr>
             <a:lvl5pPr marL="1828800" indent="0">
               <a:buNone/>
-              <a:defRPr sz="1600">
+              <a:defRPr sz="1400">
                 <a:solidFill>
                   <a:schemeClr val="tx1">
                     <a:tint val="75000"/>
@@ -1062,7 +3577,7 @@
             </a:lvl5pPr>
             <a:lvl6pPr marL="2286000" indent="0">
               <a:buNone/>
-              <a:defRPr sz="1600">
+              <a:defRPr sz="1400">
                 <a:solidFill>
                   <a:schemeClr val="tx1">
                     <a:tint val="75000"/>
@@ -1072,7 +3587,7 @@
             </a:lvl6pPr>
             <a:lvl7pPr marL="2743200" indent="0">
               <a:buNone/>
-              <a:defRPr sz="1600">
+              <a:defRPr sz="1400">
                 <a:solidFill>
                   <a:schemeClr val="tx1">
                     <a:tint val="75000"/>
@@ -1082,7 +3597,7 @@
             </a:lvl7pPr>
             <a:lvl8pPr marL="3200400" indent="0">
               <a:buNone/>
-              <a:defRPr sz="1600">
+              <a:defRPr sz="1400">
                 <a:solidFill>
                   <a:schemeClr val="tx1">
                     <a:tint val="75000"/>
@@ -1092,7 +3607,7 @@
             </a:lvl8pPr>
             <a:lvl9pPr marL="3657600" indent="0">
               <a:buNone/>
-              <a:defRPr sz="1600">
+              <a:defRPr sz="1400">
                 <a:solidFill>
                   <a:schemeClr val="tx1">
                     <a:tint val="75000"/>
@@ -1112,13 +3627,7 @@
       </p:sp>
       <p:sp>
         <p:nvSpPr>
-          <p:cNvPr id="4" name="날짜 개체 틀 3">
-            <a:extLst>
-              <a:ext uri="{FF2B5EF4-FFF2-40B4-BE49-F238E27FC236}">
-                <a16:creationId xmlns:a16="http://schemas.microsoft.com/office/drawing/2014/main" id="{E7C05679-538A-4800-83ED-69BF9C03BE6E}"/>
-              </a:ext>
-            </a:extLst>
-          </p:cNvPr>
+          <p:cNvPr id="4" name="Date Placeholder 3"/>
           <p:cNvSpPr>
             <a:spLocks noGrp="1"/>
           </p:cNvSpPr>
@@ -1133,7 +3642,7 @@
           <a:p>
             <a:fld id="{B8774375-EA71-4015-9618-DF73F457C02A}" type="datetimeFigureOut">
               <a:rPr lang="ko-KR" altLang="en-US" smtClean="0"/>
-              <a:t>2019-08-03</a:t>
+              <a:t>2019-08-13</a:t>
             </a:fld>
             <a:endParaRPr lang="ko-KR" altLang="en-US"/>
           </a:p>
@@ -1141,13 +3650,7 @@
       </p:sp>
       <p:sp>
         <p:nvSpPr>
-          <p:cNvPr id="5" name="바닥글 개체 틀 4">
-            <a:extLst>
-              <a:ext uri="{FF2B5EF4-FFF2-40B4-BE49-F238E27FC236}">
-                <a16:creationId xmlns:a16="http://schemas.microsoft.com/office/drawing/2014/main" id="{4927105D-ABCC-4EBA-8F47-B7CDEC795A59}"/>
-              </a:ext>
-            </a:extLst>
-          </p:cNvPr>
+          <p:cNvPr id="5" name="Footer Placeholder 4"/>
           <p:cNvSpPr>
             <a:spLocks noGrp="1"/>
           </p:cNvSpPr>
@@ -1166,13 +3669,7 @@
       </p:sp>
       <p:sp>
         <p:nvSpPr>
-          <p:cNvPr id="6" name="슬라이드 번호 개체 틀 5">
-            <a:extLst>
-              <a:ext uri="{FF2B5EF4-FFF2-40B4-BE49-F238E27FC236}">
-                <a16:creationId xmlns:a16="http://schemas.microsoft.com/office/drawing/2014/main" id="{A2F925D3-B221-46DF-8AE2-46FF077B46F7}"/>
-              </a:ext>
-            </a:extLst>
-          </p:cNvPr>
+          <p:cNvPr id="6" name="Slide Number Placeholder 5"/>
           <p:cNvSpPr>
             <a:spLocks noGrp="1"/>
           </p:cNvSpPr>
@@ -1196,7 +3693,7 @@
     </p:spTree>
     <p:extLst>
       <p:ext uri="{BB962C8B-B14F-4D97-AF65-F5344CB8AC3E}">
-        <p14:creationId xmlns:p14="http://schemas.microsoft.com/office/powerpoint/2010/main" val="2422939691"/>
+        <p14:creationId xmlns:p14="http://schemas.microsoft.com/office/powerpoint/2010/main" val="2935772855"/>
       </p:ext>
     </p:extLst>
   </p:cSld>
@@ -1225,13 +3722,7 @@
       </p:grpSpPr>
       <p:sp>
         <p:nvSpPr>
-          <p:cNvPr id="2" name="제목 1">
-            <a:extLst>
-              <a:ext uri="{FF2B5EF4-FFF2-40B4-BE49-F238E27FC236}">
-                <a16:creationId xmlns:a16="http://schemas.microsoft.com/office/drawing/2014/main" id="{F2C1A39B-53ED-462B-94D5-0BDC6F2DA3BA}"/>
-              </a:ext>
-            </a:extLst>
-          </p:cNvPr>
+          <p:cNvPr id="2" name="Title 1"/>
           <p:cNvSpPr>
             <a:spLocks noGrp="1"/>
           </p:cNvSpPr>
@@ -1248,18 +3739,13 @@
               <a:rPr lang="ko-KR" altLang="en-US"/>
               <a:t>마스터 제목 스타일 편집</a:t>
             </a:r>
+            <a:endParaRPr lang="en-US" dirty="0"/>
           </a:p>
         </p:txBody>
       </p:sp>
       <p:sp>
         <p:nvSpPr>
-          <p:cNvPr id="3" name="내용 개체 틀 2">
-            <a:extLst>
-              <a:ext uri="{FF2B5EF4-FFF2-40B4-BE49-F238E27FC236}">
-                <a16:creationId xmlns:a16="http://schemas.microsoft.com/office/drawing/2014/main" id="{4AC3973A-2FE7-4D4C-8A56-07E36790DBC8}"/>
-              </a:ext>
-            </a:extLst>
-          </p:cNvPr>
+          <p:cNvPr id="3" name="Content Placeholder 2"/>
           <p:cNvSpPr>
             <a:spLocks noGrp="1"/>
           </p:cNvSpPr>
@@ -1269,12 +3755,14 @@
         </p:nvSpPr>
         <p:spPr>
           <a:xfrm>
-            <a:off x="838200" y="1825625"/>
-            <a:ext cx="5181600" cy="4351338"/>
+            <a:off x="913795" y="1732449"/>
+            <a:ext cx="5060497" cy="4058750"/>
           </a:xfrm>
         </p:spPr>
         <p:txBody>
-          <a:bodyPr/>
+          <a:bodyPr anchor="t">
+            <a:normAutofit/>
+          </a:bodyPr>
           <a:lstStyle/>
           <a:p>
             <a:pPr lvl="0"/>
@@ -1310,18 +3798,13 @@
               <a:rPr lang="ko-KR" altLang="en-US"/>
               <a:t>다섯 번째 수준</a:t>
             </a:r>
+            <a:endParaRPr lang="en-US" dirty="0"/>
           </a:p>
         </p:txBody>
       </p:sp>
       <p:sp>
         <p:nvSpPr>
-          <p:cNvPr id="4" name="내용 개체 틀 3">
-            <a:extLst>
-              <a:ext uri="{FF2B5EF4-FFF2-40B4-BE49-F238E27FC236}">
-                <a16:creationId xmlns:a16="http://schemas.microsoft.com/office/drawing/2014/main" id="{223BAC94-CB08-42FD-95F0-C1ECE4F5D477}"/>
-              </a:ext>
-            </a:extLst>
-          </p:cNvPr>
+          <p:cNvPr id="4" name="Content Placeholder 3"/>
           <p:cNvSpPr>
             <a:spLocks noGrp="1"/>
           </p:cNvSpPr>
@@ -1331,12 +3814,14 @@
         </p:nvSpPr>
         <p:spPr>
           <a:xfrm>
-            <a:off x="6172200" y="1825625"/>
-            <a:ext cx="5181600" cy="4351338"/>
+            <a:off x="6202892" y="1732449"/>
+            <a:ext cx="5064665" cy="4058751"/>
           </a:xfrm>
         </p:spPr>
         <p:txBody>
-          <a:bodyPr/>
+          <a:bodyPr anchor="t">
+            <a:normAutofit/>
+          </a:bodyPr>
           <a:lstStyle/>
           <a:p>
             <a:pPr lvl="0"/>
@@ -1372,18 +3857,13 @@
               <a:rPr lang="ko-KR" altLang="en-US"/>
               <a:t>다섯 번째 수준</a:t>
             </a:r>
+            <a:endParaRPr lang="en-US" dirty="0"/>
           </a:p>
         </p:txBody>
       </p:sp>
       <p:sp>
         <p:nvSpPr>
-          <p:cNvPr id="5" name="날짜 개체 틀 4">
-            <a:extLst>
-              <a:ext uri="{FF2B5EF4-FFF2-40B4-BE49-F238E27FC236}">
-                <a16:creationId xmlns:a16="http://schemas.microsoft.com/office/drawing/2014/main" id="{F9D9F0D8-D287-47B9-8184-656A9562E12C}"/>
-              </a:ext>
-            </a:extLst>
-          </p:cNvPr>
+          <p:cNvPr id="5" name="Date Placeholder 4"/>
           <p:cNvSpPr>
             <a:spLocks noGrp="1"/>
           </p:cNvSpPr>
@@ -1398,7 +3878,7 @@
           <a:p>
             <a:fld id="{B8774375-EA71-4015-9618-DF73F457C02A}" type="datetimeFigureOut">
               <a:rPr lang="ko-KR" altLang="en-US" smtClean="0"/>
-              <a:t>2019-08-03</a:t>
+              <a:t>2019-08-13</a:t>
             </a:fld>
             <a:endParaRPr lang="ko-KR" altLang="en-US"/>
           </a:p>
@@ -1406,13 +3886,7 @@
       </p:sp>
       <p:sp>
         <p:nvSpPr>
-          <p:cNvPr id="6" name="바닥글 개체 틀 5">
-            <a:extLst>
-              <a:ext uri="{FF2B5EF4-FFF2-40B4-BE49-F238E27FC236}">
-                <a16:creationId xmlns:a16="http://schemas.microsoft.com/office/drawing/2014/main" id="{862DED29-4E12-4B61-8674-E847CAFE6716}"/>
-              </a:ext>
-            </a:extLst>
-          </p:cNvPr>
+          <p:cNvPr id="6" name="Footer Placeholder 5"/>
           <p:cNvSpPr>
             <a:spLocks noGrp="1"/>
           </p:cNvSpPr>
@@ -1431,13 +3905,7 @@
       </p:sp>
       <p:sp>
         <p:nvSpPr>
-          <p:cNvPr id="7" name="슬라이드 번호 개체 틀 6">
-            <a:extLst>
-              <a:ext uri="{FF2B5EF4-FFF2-40B4-BE49-F238E27FC236}">
-                <a16:creationId xmlns:a16="http://schemas.microsoft.com/office/drawing/2014/main" id="{3E07DD3D-E00A-4831-BFBE-A9EA40F4852E}"/>
-              </a:ext>
-            </a:extLst>
-          </p:cNvPr>
+          <p:cNvPr id="7" name="Slide Number Placeholder 6"/>
           <p:cNvSpPr>
             <a:spLocks noGrp="1"/>
           </p:cNvSpPr>
@@ -1461,7 +3929,7 @@
     </p:spTree>
     <p:extLst>
       <p:ext uri="{BB962C8B-B14F-4D97-AF65-F5344CB8AC3E}">
-        <p14:creationId xmlns:p14="http://schemas.microsoft.com/office/powerpoint/2010/main" val="1559337547"/>
+        <p14:creationId xmlns:p14="http://schemas.microsoft.com/office/powerpoint/2010/main" val="3667707028"/>
       </p:ext>
     </p:extLst>
   </p:cSld>
@@ -1488,15 +3956,69 @@
           <a:chExt cx="0" cy="0"/>
         </a:xfrm>
       </p:grpSpPr>
+      <p:pic>
+        <p:nvPicPr>
+          <p:cNvPr id="20" name="Picture 19" descr="Slate-V2-HD-compPhotoInset.png"/>
+          <p:cNvPicPr>
+            <a:picLocks noChangeAspect="1"/>
+          </p:cNvPicPr>
+          <p:nvPr/>
+        </p:nvPicPr>
+        <p:blipFill>
+          <a:blip r:embed="rId2">
+            <a:extLst>
+              <a:ext uri="{28A0092B-C50C-407E-A947-70E740481C1C}">
+                <a14:useLocalDpi xmlns:a14="http://schemas.microsoft.com/office/drawing/2010/main" val="0"/>
+              </a:ext>
+            </a:extLst>
+          </a:blip>
+          <a:stretch>
+            <a:fillRect/>
+          </a:stretch>
+        </p:blipFill>
+        <p:spPr>
+          <a:xfrm>
+            <a:off x="913795" y="1734506"/>
+            <a:ext cx="5089072" cy="4148769"/>
+          </a:xfrm>
+          <a:prstGeom prst="rect">
+            <a:avLst/>
+          </a:prstGeom>
+        </p:spPr>
+      </p:pic>
+      <p:pic>
+        <p:nvPicPr>
+          <p:cNvPr id="21" name="Picture 20" descr="Slate-V2-HD-compPhotoInset.png"/>
+          <p:cNvPicPr>
+            <a:picLocks noChangeAspect="1"/>
+          </p:cNvPicPr>
+          <p:nvPr/>
+        </p:nvPicPr>
+        <p:blipFill>
+          <a:blip r:embed="rId2">
+            <a:extLst>
+              <a:ext uri="{28A0092B-C50C-407E-A947-70E740481C1C}">
+                <a14:useLocalDpi xmlns:a14="http://schemas.microsoft.com/office/drawing/2010/main" val="0"/>
+              </a:ext>
+            </a:extLst>
+          </a:blip>
+          <a:stretch>
+            <a:fillRect/>
+          </a:stretch>
+        </p:blipFill>
+        <p:spPr>
+          <a:xfrm>
+            <a:off x="6178485" y="1734506"/>
+            <a:ext cx="5089072" cy="4148769"/>
+          </a:xfrm>
+          <a:prstGeom prst="rect">
+            <a:avLst/>
+          </a:prstGeom>
+        </p:spPr>
+      </p:pic>
       <p:sp>
         <p:nvSpPr>
-          <p:cNvPr id="2" name="제목 1">
-            <a:extLst>
-              <a:ext uri="{FF2B5EF4-FFF2-40B4-BE49-F238E27FC236}">
-                <a16:creationId xmlns:a16="http://schemas.microsoft.com/office/drawing/2014/main" id="{83F09F6B-B441-49EF-B183-E7B4A426A777}"/>
-              </a:ext>
-            </a:extLst>
-          </p:cNvPr>
+          <p:cNvPr id="2" name="Title 1"/>
           <p:cNvSpPr>
             <a:spLocks noGrp="1"/>
           </p:cNvSpPr>
@@ -1504,32 +4026,26 @@
             <p:ph type="title"/>
           </p:nvPr>
         </p:nvSpPr>
-        <p:spPr>
-          <a:xfrm>
-            <a:off x="839788" y="365125"/>
-            <a:ext cx="10515600" cy="1325563"/>
-          </a:xfrm>
-        </p:spPr>
+        <p:spPr/>
         <p:txBody>
           <a:bodyPr/>
-          <a:lstStyle/>
+          <a:lstStyle>
+            <a:lvl1pPr>
+              <a:defRPr/>
+            </a:lvl1pPr>
+          </a:lstStyle>
           <a:p>
             <a:r>
               <a:rPr lang="ko-KR" altLang="en-US"/>
               <a:t>마스터 제목 스타일 편집</a:t>
             </a:r>
+            <a:endParaRPr lang="en-US" dirty="0"/>
           </a:p>
         </p:txBody>
       </p:sp>
       <p:sp>
         <p:nvSpPr>
-          <p:cNvPr id="3" name="텍스트 개체 틀 2">
-            <a:extLst>
-              <a:ext uri="{FF2B5EF4-FFF2-40B4-BE49-F238E27FC236}">
-                <a16:creationId xmlns:a16="http://schemas.microsoft.com/office/drawing/2014/main" id="{DE0042CF-38B3-41F1-A2B1-724B75FA3DA0}"/>
-              </a:ext>
-            </a:extLst>
-          </p:cNvPr>
+          <p:cNvPr id="3" name="Text Placeholder 2"/>
           <p:cNvSpPr>
             <a:spLocks noGrp="1"/>
           </p:cNvSpPr>
@@ -1539,16 +4055,18 @@
         </p:nvSpPr>
         <p:spPr>
           <a:xfrm>
-            <a:off x="839788" y="1681163"/>
-            <a:ext cx="5157787" cy="823912"/>
+            <a:off x="1005872" y="1835254"/>
+            <a:ext cx="4876344" cy="544884"/>
           </a:xfrm>
         </p:spPr>
         <p:txBody>
-          <a:bodyPr anchor="b"/>
+          <a:bodyPr anchor="b">
+            <a:noAutofit/>
+          </a:bodyPr>
           <a:lstStyle>
-            <a:lvl1pPr marL="0" indent="0">
-              <a:buNone/>
-              <a:defRPr sz="2400" b="1"/>
+            <a:lvl1pPr marL="0" indent="0" algn="ctr">
+              <a:buNone/>
+              <a:defRPr sz="2400" b="0"/>
             </a:lvl1pPr>
             <a:lvl2pPr marL="457200" indent="0">
               <a:buNone/>
@@ -1594,13 +4112,7 @@
       </p:sp>
       <p:sp>
         <p:nvSpPr>
-          <p:cNvPr id="4" name="내용 개체 틀 3">
-            <a:extLst>
-              <a:ext uri="{FF2B5EF4-FFF2-40B4-BE49-F238E27FC236}">
-                <a16:creationId xmlns:a16="http://schemas.microsoft.com/office/drawing/2014/main" id="{6484A1B8-8000-47F8-959E-CB5030E99ABD}"/>
-              </a:ext>
-            </a:extLst>
-          </p:cNvPr>
+          <p:cNvPr id="4" name="Content Placeholder 3"/>
           <p:cNvSpPr>
             <a:spLocks noGrp="1"/>
           </p:cNvSpPr>
@@ -1610,13 +4122,31 @@
         </p:nvSpPr>
         <p:spPr>
           <a:xfrm>
-            <a:off x="839788" y="2505075"/>
-            <a:ext cx="5157787" cy="3684588"/>
+            <a:off x="1005872" y="2380137"/>
+            <a:ext cx="4876344" cy="3411063"/>
           </a:xfrm>
         </p:spPr>
         <p:txBody>
-          <a:bodyPr/>
-          <a:lstStyle/>
+          <a:bodyPr anchor="t">
+            <a:normAutofit/>
+          </a:bodyPr>
+          <a:lstStyle>
+            <a:lvl1pPr>
+              <a:defRPr sz="1800"/>
+            </a:lvl1pPr>
+            <a:lvl2pPr>
+              <a:defRPr sz="1600"/>
+            </a:lvl2pPr>
+            <a:lvl3pPr>
+              <a:defRPr sz="1400"/>
+            </a:lvl3pPr>
+            <a:lvl4pPr>
+              <a:defRPr sz="1200"/>
+            </a:lvl4pPr>
+            <a:lvl5pPr>
+              <a:defRPr sz="1200"/>
+            </a:lvl5pPr>
+          </a:lstStyle>
           <a:p>
             <a:pPr lvl="0"/>
             <a:r>
@@ -1651,18 +4181,13 @@
               <a:rPr lang="ko-KR" altLang="en-US"/>
               <a:t>다섯 번째 수준</a:t>
             </a:r>
+            <a:endParaRPr lang="en-US" dirty="0"/>
           </a:p>
         </p:txBody>
       </p:sp>
       <p:sp>
         <p:nvSpPr>
-          <p:cNvPr id="5" name="텍스트 개체 틀 4">
-            <a:extLst>
-              <a:ext uri="{FF2B5EF4-FFF2-40B4-BE49-F238E27FC236}">
-                <a16:creationId xmlns:a16="http://schemas.microsoft.com/office/drawing/2014/main" id="{11C8B3A3-B980-4D46-95AC-E2B9051339A6}"/>
-              </a:ext>
-            </a:extLst>
-          </p:cNvPr>
+          <p:cNvPr id="5" name="Text Placeholder 4"/>
           <p:cNvSpPr>
             <a:spLocks noGrp="1"/>
           </p:cNvSpPr>
@@ -1672,16 +4197,18 @@
         </p:nvSpPr>
         <p:spPr>
           <a:xfrm>
-            <a:off x="6172200" y="1681163"/>
-            <a:ext cx="5183188" cy="823912"/>
+            <a:off x="6294967" y="1835254"/>
+            <a:ext cx="4895330" cy="544883"/>
           </a:xfrm>
         </p:spPr>
         <p:txBody>
-          <a:bodyPr anchor="b"/>
+          <a:bodyPr anchor="b">
+            <a:noAutofit/>
+          </a:bodyPr>
           <a:lstStyle>
-            <a:lvl1pPr marL="0" indent="0">
-              <a:buNone/>
-              <a:defRPr sz="2400" b="1"/>
+            <a:lvl1pPr marL="0" indent="0" algn="ctr">
+              <a:buNone/>
+              <a:defRPr sz="2400" b="0"/>
             </a:lvl1pPr>
             <a:lvl2pPr marL="457200" indent="0">
               <a:buNone/>
@@ -1727,13 +4254,7 @@
       </p:sp>
       <p:sp>
         <p:nvSpPr>
-          <p:cNvPr id="6" name="내용 개체 틀 5">
-            <a:extLst>
-              <a:ext uri="{FF2B5EF4-FFF2-40B4-BE49-F238E27FC236}">
-                <a16:creationId xmlns:a16="http://schemas.microsoft.com/office/drawing/2014/main" id="{B51A3417-9A35-4094-A8AA-4E43439AE265}"/>
-              </a:ext>
-            </a:extLst>
-          </p:cNvPr>
+          <p:cNvPr id="6" name="Content Placeholder 5"/>
           <p:cNvSpPr>
             <a:spLocks noGrp="1"/>
           </p:cNvSpPr>
@@ -1743,13 +4264,31 @@
         </p:nvSpPr>
         <p:spPr>
           <a:xfrm>
-            <a:off x="6172200" y="2505075"/>
-            <a:ext cx="5183188" cy="3684588"/>
+            <a:off x="6294967" y="2380137"/>
+            <a:ext cx="4895330" cy="3411063"/>
           </a:xfrm>
         </p:spPr>
         <p:txBody>
-          <a:bodyPr/>
-          <a:lstStyle/>
+          <a:bodyPr anchor="t">
+            <a:normAutofit/>
+          </a:bodyPr>
+          <a:lstStyle>
+            <a:lvl1pPr>
+              <a:defRPr sz="1800"/>
+            </a:lvl1pPr>
+            <a:lvl2pPr>
+              <a:defRPr sz="1600"/>
+            </a:lvl2pPr>
+            <a:lvl3pPr>
+              <a:defRPr sz="1400"/>
+            </a:lvl3pPr>
+            <a:lvl4pPr>
+              <a:defRPr sz="1200"/>
+            </a:lvl4pPr>
+            <a:lvl5pPr>
+              <a:defRPr sz="1200"/>
+            </a:lvl5pPr>
+          </a:lstStyle>
           <a:p>
             <a:pPr lvl="0"/>
             <a:r>
@@ -1784,18 +4323,13 @@
               <a:rPr lang="ko-KR" altLang="en-US"/>
               <a:t>다섯 번째 수준</a:t>
             </a:r>
+            <a:endParaRPr lang="en-US" dirty="0"/>
           </a:p>
         </p:txBody>
       </p:sp>
       <p:sp>
         <p:nvSpPr>
-          <p:cNvPr id="7" name="날짜 개체 틀 6">
-            <a:extLst>
-              <a:ext uri="{FF2B5EF4-FFF2-40B4-BE49-F238E27FC236}">
-                <a16:creationId xmlns:a16="http://schemas.microsoft.com/office/drawing/2014/main" id="{030C3FEF-68BD-4924-8DBD-B25E75608126}"/>
-              </a:ext>
-            </a:extLst>
-          </p:cNvPr>
+          <p:cNvPr id="7" name="Date Placeholder 6"/>
           <p:cNvSpPr>
             <a:spLocks noGrp="1"/>
           </p:cNvSpPr>
@@ -1810,7 +4344,7 @@
           <a:p>
             <a:fld id="{B8774375-EA71-4015-9618-DF73F457C02A}" type="datetimeFigureOut">
               <a:rPr lang="ko-KR" altLang="en-US" smtClean="0"/>
-              <a:t>2019-08-03</a:t>
+              <a:t>2019-08-13</a:t>
             </a:fld>
             <a:endParaRPr lang="ko-KR" altLang="en-US"/>
           </a:p>
@@ -1818,13 +4352,7 @@
       </p:sp>
       <p:sp>
         <p:nvSpPr>
-          <p:cNvPr id="8" name="바닥글 개체 틀 7">
-            <a:extLst>
-              <a:ext uri="{FF2B5EF4-FFF2-40B4-BE49-F238E27FC236}">
-                <a16:creationId xmlns:a16="http://schemas.microsoft.com/office/drawing/2014/main" id="{B9507F49-C979-4B8D-8871-747A519B4008}"/>
-              </a:ext>
-            </a:extLst>
-          </p:cNvPr>
+          <p:cNvPr id="8" name="Footer Placeholder 7"/>
           <p:cNvSpPr>
             <a:spLocks noGrp="1"/>
           </p:cNvSpPr>
@@ -1843,13 +4371,7 @@
       </p:sp>
       <p:sp>
         <p:nvSpPr>
-          <p:cNvPr id="9" name="슬라이드 번호 개체 틀 8">
-            <a:extLst>
-              <a:ext uri="{FF2B5EF4-FFF2-40B4-BE49-F238E27FC236}">
-                <a16:creationId xmlns:a16="http://schemas.microsoft.com/office/drawing/2014/main" id="{E7BF7C52-8589-4F18-B8BD-D366AD319E91}"/>
-              </a:ext>
-            </a:extLst>
-          </p:cNvPr>
+          <p:cNvPr id="9" name="Slide Number Placeholder 8"/>
           <p:cNvSpPr>
             <a:spLocks noGrp="1"/>
           </p:cNvSpPr>
@@ -1873,7 +4395,7 @@
     </p:spTree>
     <p:extLst>
       <p:ext uri="{BB962C8B-B14F-4D97-AF65-F5344CB8AC3E}">
-        <p14:creationId xmlns:p14="http://schemas.microsoft.com/office/powerpoint/2010/main" val="1709595307"/>
+        <p14:creationId xmlns:p14="http://schemas.microsoft.com/office/powerpoint/2010/main" val="3181780592"/>
       </p:ext>
     </p:extLst>
   </p:cSld>
@@ -1902,13 +4424,7 @@
       </p:grpSpPr>
       <p:sp>
         <p:nvSpPr>
-          <p:cNvPr id="2" name="제목 1">
-            <a:extLst>
-              <a:ext uri="{FF2B5EF4-FFF2-40B4-BE49-F238E27FC236}">
-                <a16:creationId xmlns:a16="http://schemas.microsoft.com/office/drawing/2014/main" id="{ED9031CA-9BAC-4123-B403-47B0D325E6E8}"/>
-              </a:ext>
-            </a:extLst>
-          </p:cNvPr>
+          <p:cNvPr id="2" name="Title 1"/>
           <p:cNvSpPr>
             <a:spLocks noGrp="1"/>
           </p:cNvSpPr>
@@ -1925,18 +4441,13 @@
               <a:rPr lang="ko-KR" altLang="en-US"/>
               <a:t>마스터 제목 스타일 편집</a:t>
             </a:r>
+            <a:endParaRPr lang="en-US" dirty="0"/>
           </a:p>
         </p:txBody>
       </p:sp>
       <p:sp>
         <p:nvSpPr>
-          <p:cNvPr id="3" name="날짜 개체 틀 2">
-            <a:extLst>
-              <a:ext uri="{FF2B5EF4-FFF2-40B4-BE49-F238E27FC236}">
-                <a16:creationId xmlns:a16="http://schemas.microsoft.com/office/drawing/2014/main" id="{FACC2513-80EA-4744-BA88-4B126CB7FAB0}"/>
-              </a:ext>
-            </a:extLst>
-          </p:cNvPr>
+          <p:cNvPr id="3" name="Date Placeholder 2"/>
           <p:cNvSpPr>
             <a:spLocks noGrp="1"/>
           </p:cNvSpPr>
@@ -1951,7 +4462,7 @@
           <a:p>
             <a:fld id="{B8774375-EA71-4015-9618-DF73F457C02A}" type="datetimeFigureOut">
               <a:rPr lang="ko-KR" altLang="en-US" smtClean="0"/>
-              <a:t>2019-08-03</a:t>
+              <a:t>2019-08-13</a:t>
             </a:fld>
             <a:endParaRPr lang="ko-KR" altLang="en-US"/>
           </a:p>
@@ -1959,13 +4470,7 @@
       </p:sp>
       <p:sp>
         <p:nvSpPr>
-          <p:cNvPr id="4" name="바닥글 개체 틀 3">
-            <a:extLst>
-              <a:ext uri="{FF2B5EF4-FFF2-40B4-BE49-F238E27FC236}">
-                <a16:creationId xmlns:a16="http://schemas.microsoft.com/office/drawing/2014/main" id="{5966B491-8EDA-4ECD-A0D3-C9B49F101D76}"/>
-              </a:ext>
-            </a:extLst>
-          </p:cNvPr>
+          <p:cNvPr id="4" name="Footer Placeholder 3"/>
           <p:cNvSpPr>
             <a:spLocks noGrp="1"/>
           </p:cNvSpPr>
@@ -1984,13 +4489,7 @@
       </p:sp>
       <p:sp>
         <p:nvSpPr>
-          <p:cNvPr id="5" name="슬라이드 번호 개체 틀 4">
-            <a:extLst>
-              <a:ext uri="{FF2B5EF4-FFF2-40B4-BE49-F238E27FC236}">
-                <a16:creationId xmlns:a16="http://schemas.microsoft.com/office/drawing/2014/main" id="{CFF4B269-47BE-4315-80C4-5C673436A433}"/>
-              </a:ext>
-            </a:extLst>
-          </p:cNvPr>
+          <p:cNvPr id="5" name="Slide Number Placeholder 4"/>
           <p:cNvSpPr>
             <a:spLocks noGrp="1"/>
           </p:cNvSpPr>
@@ -2014,7 +4513,7 @@
     </p:spTree>
     <p:extLst>
       <p:ext uri="{BB962C8B-B14F-4D97-AF65-F5344CB8AC3E}">
-        <p14:creationId xmlns:p14="http://schemas.microsoft.com/office/powerpoint/2010/main" val="3677087404"/>
+        <p14:creationId xmlns:p14="http://schemas.microsoft.com/office/powerpoint/2010/main" val="1137066207"/>
       </p:ext>
     </p:extLst>
   </p:cSld>
@@ -2043,13 +4542,7 @@
       </p:grpSpPr>
       <p:sp>
         <p:nvSpPr>
-          <p:cNvPr id="2" name="날짜 개체 틀 1">
-            <a:extLst>
-              <a:ext uri="{FF2B5EF4-FFF2-40B4-BE49-F238E27FC236}">
-                <a16:creationId xmlns:a16="http://schemas.microsoft.com/office/drawing/2014/main" id="{B4A206B2-BC86-4FD7-8BC5-0D66204D65B4}"/>
-              </a:ext>
-            </a:extLst>
-          </p:cNvPr>
+          <p:cNvPr id="2" name="Date Placeholder 1"/>
           <p:cNvSpPr>
             <a:spLocks noGrp="1"/>
           </p:cNvSpPr>
@@ -2064,7 +4557,7 @@
           <a:p>
             <a:fld id="{B8774375-EA71-4015-9618-DF73F457C02A}" type="datetimeFigureOut">
               <a:rPr lang="ko-KR" altLang="en-US" smtClean="0"/>
-              <a:t>2019-08-03</a:t>
+              <a:t>2019-08-13</a:t>
             </a:fld>
             <a:endParaRPr lang="ko-KR" altLang="en-US"/>
           </a:p>
@@ -2072,13 +4565,7 @@
       </p:sp>
       <p:sp>
         <p:nvSpPr>
-          <p:cNvPr id="3" name="바닥글 개체 틀 2">
-            <a:extLst>
-              <a:ext uri="{FF2B5EF4-FFF2-40B4-BE49-F238E27FC236}">
-                <a16:creationId xmlns:a16="http://schemas.microsoft.com/office/drawing/2014/main" id="{661D64A9-7B1D-4CB8-B67C-1F657B2FA7AC}"/>
-              </a:ext>
-            </a:extLst>
-          </p:cNvPr>
+          <p:cNvPr id="3" name="Footer Placeholder 2"/>
           <p:cNvSpPr>
             <a:spLocks noGrp="1"/>
           </p:cNvSpPr>
@@ -2097,13 +4584,7 @@
       </p:sp>
       <p:sp>
         <p:nvSpPr>
-          <p:cNvPr id="4" name="슬라이드 번호 개체 틀 3">
-            <a:extLst>
-              <a:ext uri="{FF2B5EF4-FFF2-40B4-BE49-F238E27FC236}">
-                <a16:creationId xmlns:a16="http://schemas.microsoft.com/office/drawing/2014/main" id="{F3EB3497-287A-4A20-AB36-F9B8DC67701E}"/>
-              </a:ext>
-            </a:extLst>
-          </p:cNvPr>
+          <p:cNvPr id="4" name="Slide Number Placeholder 3"/>
           <p:cNvSpPr>
             <a:spLocks noGrp="1"/>
           </p:cNvSpPr>
@@ -2127,7 +4608,7 @@
     </p:spTree>
     <p:extLst>
       <p:ext uri="{BB962C8B-B14F-4D97-AF65-F5344CB8AC3E}">
-        <p14:creationId xmlns:p14="http://schemas.microsoft.com/office/powerpoint/2010/main" val="2934522245"/>
+        <p14:creationId xmlns:p14="http://schemas.microsoft.com/office/powerpoint/2010/main" val="1082857072"/>
       </p:ext>
     </p:extLst>
   </p:cSld>
@@ -2156,13 +4637,7 @@
       </p:grpSpPr>
       <p:sp>
         <p:nvSpPr>
-          <p:cNvPr id="2" name="제목 1">
-            <a:extLst>
-              <a:ext uri="{FF2B5EF4-FFF2-40B4-BE49-F238E27FC236}">
-                <a16:creationId xmlns:a16="http://schemas.microsoft.com/office/drawing/2014/main" id="{9D252409-AEAC-4970-BBEA-1BC7DAF66E6F}"/>
-              </a:ext>
-            </a:extLst>
-          </p:cNvPr>
+          <p:cNvPr id="2" name="Title 1"/>
           <p:cNvSpPr>
             <a:spLocks noGrp="1"/>
           </p:cNvSpPr>
@@ -2172,15 +4647,17 @@
         </p:nvSpPr>
         <p:spPr>
           <a:xfrm>
-            <a:off x="839788" y="457200"/>
-            <a:ext cx="3932237" cy="1600200"/>
+            <a:off x="913795" y="609600"/>
+            <a:ext cx="3706889" cy="1821918"/>
           </a:xfrm>
         </p:spPr>
         <p:txBody>
-          <a:bodyPr anchor="b"/>
+          <a:bodyPr anchor="b">
+            <a:normAutofit/>
+          </a:bodyPr>
           <a:lstStyle>
-            <a:lvl1pPr>
-              <a:defRPr sz="3200"/>
+            <a:lvl1pPr algn="ctr">
+              <a:defRPr sz="2400" b="0"/>
             </a:lvl1pPr>
           </a:lstStyle>
           <a:p>
@@ -2188,18 +4665,13 @@
               <a:rPr lang="ko-KR" altLang="en-US"/>
               <a:t>마스터 제목 스타일 편집</a:t>
             </a:r>
+            <a:endParaRPr lang="en-US" dirty="0"/>
           </a:p>
         </p:txBody>
       </p:sp>
       <p:sp>
         <p:nvSpPr>
-          <p:cNvPr id="3" name="내용 개체 틀 2">
-            <a:extLst>
-              <a:ext uri="{FF2B5EF4-FFF2-40B4-BE49-F238E27FC236}">
-                <a16:creationId xmlns:a16="http://schemas.microsoft.com/office/drawing/2014/main" id="{CA87D977-5163-4D5E-AF59-AEC953E7F414}"/>
-              </a:ext>
-            </a:extLst>
-          </p:cNvPr>
+          <p:cNvPr id="3" name="Content Placeholder 2"/>
           <p:cNvSpPr>
             <a:spLocks noGrp="1"/>
           </p:cNvSpPr>
@@ -2209,41 +4681,15 @@
         </p:nvSpPr>
         <p:spPr>
           <a:xfrm>
-            <a:off x="5183188" y="987425"/>
-            <a:ext cx="6172200" cy="4873625"/>
+            <a:off x="4855633" y="609600"/>
+            <a:ext cx="6411924" cy="5181600"/>
           </a:xfrm>
         </p:spPr>
         <p:txBody>
-          <a:bodyPr/>
-          <a:lstStyle>
-            <a:lvl1pPr>
-              <a:defRPr sz="3200"/>
-            </a:lvl1pPr>
-            <a:lvl2pPr>
-              <a:defRPr sz="2800"/>
-            </a:lvl2pPr>
-            <a:lvl3pPr>
-              <a:defRPr sz="2400"/>
-            </a:lvl3pPr>
-            <a:lvl4pPr>
-              <a:defRPr sz="2000"/>
-            </a:lvl4pPr>
-            <a:lvl5pPr>
-              <a:defRPr sz="2000"/>
-            </a:lvl5pPr>
-            <a:lvl6pPr>
-              <a:defRPr sz="2000"/>
-            </a:lvl6pPr>
-            <a:lvl7pPr>
-              <a:defRPr sz="2000"/>
-            </a:lvl7pPr>
-            <a:lvl8pPr>
-              <a:defRPr sz="2000"/>
-            </a:lvl8pPr>
-            <a:lvl9pPr>
-              <a:defRPr sz="2000"/>
-            </a:lvl9pPr>
-          </a:lstStyle>
+          <a:bodyPr>
+            <a:normAutofit/>
+          </a:bodyPr>
+          <a:lstStyle/>
           <a:p>
             <a:pPr lvl="0"/>
             <a:r>
@@ -2278,18 +4724,13 @@
               <a:rPr lang="ko-KR" altLang="en-US"/>
               <a:t>다섯 번째 수준</a:t>
             </a:r>
+            <a:endParaRPr lang="en-US" dirty="0"/>
           </a:p>
         </p:txBody>
       </p:sp>
       <p:sp>
         <p:nvSpPr>
-          <p:cNvPr id="4" name="텍스트 개체 틀 3">
-            <a:extLst>
-              <a:ext uri="{FF2B5EF4-FFF2-40B4-BE49-F238E27FC236}">
-                <a16:creationId xmlns:a16="http://schemas.microsoft.com/office/drawing/2014/main" id="{152BCF33-B0B2-4B86-81B1-2FED8C161FA1}"/>
-              </a:ext>
-            </a:extLst>
-          </p:cNvPr>
+          <p:cNvPr id="4" name="Text Placeholder 3"/>
           <p:cNvSpPr>
             <a:spLocks noGrp="1"/>
           </p:cNvSpPr>
@@ -2299,48 +4740,50 @@
         </p:nvSpPr>
         <p:spPr>
           <a:xfrm>
-            <a:off x="839788" y="2057400"/>
-            <a:ext cx="3932237" cy="3811588"/>
+            <a:off x="913795" y="2431518"/>
+            <a:ext cx="3706889" cy="3359681"/>
           </a:xfrm>
         </p:spPr>
         <p:txBody>
-          <a:bodyPr/>
+          <a:bodyPr anchor="t">
+            <a:normAutofit/>
+          </a:bodyPr>
           <a:lstStyle>
-            <a:lvl1pPr marL="0" indent="0">
+            <a:lvl1pPr marL="0" indent="0" algn="ctr">
               <a:buNone/>
               <a:defRPr sz="1600"/>
             </a:lvl1pPr>
             <a:lvl2pPr marL="457200" indent="0">
               <a:buNone/>
-              <a:defRPr sz="1400"/>
+              <a:defRPr sz="1200"/>
             </a:lvl2pPr>
             <a:lvl3pPr marL="914400" indent="0">
               <a:buNone/>
-              <a:defRPr sz="1200"/>
+              <a:defRPr sz="1000"/>
             </a:lvl3pPr>
             <a:lvl4pPr marL="1371600" indent="0">
               <a:buNone/>
-              <a:defRPr sz="1000"/>
+              <a:defRPr sz="900"/>
             </a:lvl4pPr>
             <a:lvl5pPr marL="1828800" indent="0">
               <a:buNone/>
-              <a:defRPr sz="1000"/>
+              <a:defRPr sz="900"/>
             </a:lvl5pPr>
             <a:lvl6pPr marL="2286000" indent="0">
               <a:buNone/>
-              <a:defRPr sz="1000"/>
+              <a:defRPr sz="900"/>
             </a:lvl6pPr>
             <a:lvl7pPr marL="2743200" indent="0">
               <a:buNone/>
-              <a:defRPr sz="1000"/>
+              <a:defRPr sz="900"/>
             </a:lvl7pPr>
             <a:lvl8pPr marL="3200400" indent="0">
               <a:buNone/>
-              <a:defRPr sz="1000"/>
+              <a:defRPr sz="900"/>
             </a:lvl8pPr>
             <a:lvl9pPr marL="3657600" indent="0">
               <a:buNone/>
-              <a:defRPr sz="1000"/>
+              <a:defRPr sz="900"/>
             </a:lvl9pPr>
           </a:lstStyle>
           <a:p>
@@ -2354,13 +4797,7 @@
       </p:sp>
       <p:sp>
         <p:nvSpPr>
-          <p:cNvPr id="5" name="날짜 개체 틀 4">
-            <a:extLst>
-              <a:ext uri="{FF2B5EF4-FFF2-40B4-BE49-F238E27FC236}">
-                <a16:creationId xmlns:a16="http://schemas.microsoft.com/office/drawing/2014/main" id="{0A126ED4-AFD6-44BD-B278-648FD9CCDA93}"/>
-              </a:ext>
-            </a:extLst>
-          </p:cNvPr>
+          <p:cNvPr id="5" name="Date Placeholder 4"/>
           <p:cNvSpPr>
             <a:spLocks noGrp="1"/>
           </p:cNvSpPr>
@@ -2375,7 +4812,7 @@
           <a:p>
             <a:fld id="{B8774375-EA71-4015-9618-DF73F457C02A}" type="datetimeFigureOut">
               <a:rPr lang="ko-KR" altLang="en-US" smtClean="0"/>
-              <a:t>2019-08-03</a:t>
+              <a:t>2019-08-13</a:t>
             </a:fld>
             <a:endParaRPr lang="ko-KR" altLang="en-US"/>
           </a:p>
@@ -2383,13 +4820,7 @@
       </p:sp>
       <p:sp>
         <p:nvSpPr>
-          <p:cNvPr id="6" name="바닥글 개체 틀 5">
-            <a:extLst>
-              <a:ext uri="{FF2B5EF4-FFF2-40B4-BE49-F238E27FC236}">
-                <a16:creationId xmlns:a16="http://schemas.microsoft.com/office/drawing/2014/main" id="{C20E0FA1-C43D-457A-A2BE-BBA5CBE7C54D}"/>
-              </a:ext>
-            </a:extLst>
-          </p:cNvPr>
+          <p:cNvPr id="6" name="Footer Placeholder 5"/>
           <p:cNvSpPr>
             <a:spLocks noGrp="1"/>
           </p:cNvSpPr>
@@ -2408,13 +4839,7 @@
       </p:sp>
       <p:sp>
         <p:nvSpPr>
-          <p:cNvPr id="7" name="슬라이드 번호 개체 틀 6">
-            <a:extLst>
-              <a:ext uri="{FF2B5EF4-FFF2-40B4-BE49-F238E27FC236}">
-                <a16:creationId xmlns:a16="http://schemas.microsoft.com/office/drawing/2014/main" id="{4D154D11-CBD8-4616-93CA-A2B2DC3668F2}"/>
-              </a:ext>
-            </a:extLst>
-          </p:cNvPr>
+          <p:cNvPr id="7" name="Slide Number Placeholder 6"/>
           <p:cNvSpPr>
             <a:spLocks noGrp="1"/>
           </p:cNvSpPr>
@@ -2438,7 +4863,7 @@
     </p:spTree>
     <p:extLst>
       <p:ext uri="{BB962C8B-B14F-4D97-AF65-F5344CB8AC3E}">
-        <p14:creationId xmlns:p14="http://schemas.microsoft.com/office/powerpoint/2010/main" val="1430407689"/>
+        <p14:creationId xmlns:p14="http://schemas.microsoft.com/office/powerpoint/2010/main" val="90208320"/>
       </p:ext>
     </p:extLst>
   </p:cSld>
@@ -2465,15 +4890,39 @@
           <a:chExt cx="0" cy="0"/>
         </a:xfrm>
       </p:grpSpPr>
+      <p:pic>
+        <p:nvPicPr>
+          <p:cNvPr id="22" name="Picture 21" descr="Slate-V2-HD-vertPhotoInset.png"/>
+          <p:cNvPicPr>
+            <a:picLocks noChangeAspect="1"/>
+          </p:cNvPicPr>
+          <p:nvPr/>
+        </p:nvPicPr>
+        <p:blipFill>
+          <a:blip r:embed="rId2">
+            <a:extLst>
+              <a:ext uri="{28A0092B-C50C-407E-A947-70E740481C1C}">
+                <a14:useLocalDpi xmlns:a14="http://schemas.microsoft.com/office/drawing/2010/main" val="0"/>
+              </a:ext>
+            </a:extLst>
+          </a:blip>
+          <a:stretch>
+            <a:fillRect/>
+          </a:stretch>
+        </p:blipFill>
+        <p:spPr>
+          <a:xfrm>
+            <a:off x="7293665" y="609600"/>
+            <a:ext cx="3584166" cy="5204832"/>
+          </a:xfrm>
+          <a:prstGeom prst="rect">
+            <a:avLst/>
+          </a:prstGeom>
+        </p:spPr>
+      </p:pic>
       <p:sp>
         <p:nvSpPr>
-          <p:cNvPr id="2" name="제목 1">
-            <a:extLst>
-              <a:ext uri="{FF2B5EF4-FFF2-40B4-BE49-F238E27FC236}">
-                <a16:creationId xmlns:a16="http://schemas.microsoft.com/office/drawing/2014/main" id="{BA8BC6D6-325B-4CE4-A91C-4CF802BB1668}"/>
-              </a:ext>
-            </a:extLst>
-          </p:cNvPr>
+          <p:cNvPr id="2" name="Title 1"/>
           <p:cNvSpPr>
             <a:spLocks noGrp="1"/>
           </p:cNvSpPr>
@@ -2483,15 +4932,17 @@
         </p:nvSpPr>
         <p:spPr>
           <a:xfrm>
-            <a:off x="839788" y="457200"/>
-            <a:ext cx="3932237" cy="1600200"/>
+            <a:off x="913795" y="609923"/>
+            <a:ext cx="5934949" cy="1829338"/>
           </a:xfrm>
         </p:spPr>
         <p:txBody>
-          <a:bodyPr anchor="b"/>
+          <a:bodyPr anchor="b">
+            <a:noAutofit/>
+          </a:bodyPr>
           <a:lstStyle>
-            <a:lvl1pPr>
-              <a:defRPr sz="3200"/>
+            <a:lvl1pPr algn="ctr">
+              <a:defRPr sz="3200" b="0"/>
             </a:lvl1pPr>
           </a:lstStyle>
           <a:p>
@@ -2499,20 +4950,15 @@
               <a:rPr lang="ko-KR" altLang="en-US"/>
               <a:t>마스터 제목 스타일 편집</a:t>
             </a:r>
+            <a:endParaRPr lang="en-US" dirty="0"/>
           </a:p>
         </p:txBody>
       </p:sp>
       <p:sp>
         <p:nvSpPr>
-          <p:cNvPr id="3" name="그림 개체 틀 2">
-            <a:extLst>
-              <a:ext uri="{FF2B5EF4-FFF2-40B4-BE49-F238E27FC236}">
-                <a16:creationId xmlns:a16="http://schemas.microsoft.com/office/drawing/2014/main" id="{25FE97CC-ACA4-4AE7-8A54-5CB4B4FBF756}"/>
-              </a:ext>
-            </a:extLst>
-          </p:cNvPr>
+          <p:cNvPr id="3" name="Picture Placeholder 2"/>
           <p:cNvSpPr>
-            <a:spLocks noGrp="1"/>
+            <a:spLocks noGrp="1" noChangeAspect="1"/>
           </p:cNvSpPr>
           <p:nvPr>
             <p:ph type="pic" idx="1"/>
@@ -2520,64 +4966,71 @@
         </p:nvSpPr>
         <p:spPr>
           <a:xfrm>
-            <a:off x="5183188" y="987425"/>
-            <a:ext cx="6172200" cy="4873625"/>
+            <a:off x="7442551" y="763702"/>
+            <a:ext cx="3275751" cy="4912822"/>
           </a:xfrm>
+          <a:effectLst>
+            <a:outerShdw blurRad="38100" dist="25400" dir="4440000">
+              <a:srgbClr val="000000">
+                <a:alpha val="36000"/>
+              </a:srgbClr>
+            </a:outerShdw>
+          </a:effectLst>
         </p:spPr>
         <p:txBody>
-          <a:bodyPr/>
+          <a:bodyPr anchor="t">
+            <a:normAutofit/>
+          </a:bodyPr>
           <a:lstStyle>
-            <a:lvl1pPr marL="0" indent="0">
-              <a:buNone/>
-              <a:defRPr sz="3200"/>
+            <a:lvl1pPr marL="0" indent="0" algn="ctr">
+              <a:buNone/>
+              <a:defRPr sz="1600"/>
             </a:lvl1pPr>
             <a:lvl2pPr marL="457200" indent="0">
               <a:buNone/>
-              <a:defRPr sz="2800"/>
+              <a:defRPr sz="1600"/>
             </a:lvl2pPr>
             <a:lvl3pPr marL="914400" indent="0">
               <a:buNone/>
-              <a:defRPr sz="2400"/>
+              <a:defRPr sz="1600"/>
             </a:lvl3pPr>
             <a:lvl4pPr marL="1371600" indent="0">
               <a:buNone/>
-              <a:defRPr sz="2000"/>
+              <a:defRPr sz="1600"/>
             </a:lvl4pPr>
             <a:lvl5pPr marL="1828800" indent="0">
               <a:buNone/>
-              <a:defRPr sz="2000"/>
+              <a:defRPr sz="1600"/>
             </a:lvl5pPr>
             <a:lvl6pPr marL="2286000" indent="0">
               <a:buNone/>
-              <a:defRPr sz="2000"/>
+              <a:defRPr sz="1600"/>
             </a:lvl6pPr>
             <a:lvl7pPr marL="2743200" indent="0">
               <a:buNone/>
-              <a:defRPr sz="2000"/>
+              <a:defRPr sz="1600"/>
             </a:lvl7pPr>
             <a:lvl8pPr marL="3200400" indent="0">
               <a:buNone/>
-              <a:defRPr sz="2000"/>
+              <a:defRPr sz="1600"/>
             </a:lvl8pPr>
             <a:lvl9pPr marL="3657600" indent="0">
               <a:buNone/>
-              <a:defRPr sz="2000"/>
+              <a:defRPr sz="1600"/>
             </a:lvl9pPr>
           </a:lstStyle>
           <a:p>
-            <a:endParaRPr lang="ko-KR" altLang="en-US"/>
+            <a:r>
+              <a:rPr lang="ko-KR" altLang="en-US"/>
+              <a:t>그림을 추가하려면 아이콘을 클릭하십시오</a:t>
+            </a:r>
+            <a:endParaRPr lang="en-US" dirty="0"/>
           </a:p>
         </p:txBody>
       </p:sp>
       <p:sp>
         <p:nvSpPr>
-          <p:cNvPr id="4" name="텍스트 개체 틀 3">
-            <a:extLst>
-              <a:ext uri="{FF2B5EF4-FFF2-40B4-BE49-F238E27FC236}">
-                <a16:creationId xmlns:a16="http://schemas.microsoft.com/office/drawing/2014/main" id="{23AFE845-0682-4A8E-AD70-1DA830F9290F}"/>
-              </a:ext>
-            </a:extLst>
-          </p:cNvPr>
+          <p:cNvPr id="4" name="Text Placeholder 3"/>
           <p:cNvSpPr>
             <a:spLocks noGrp="1"/>
           </p:cNvSpPr>
@@ -2587,48 +5040,50 @@
         </p:nvSpPr>
         <p:spPr>
           <a:xfrm>
-            <a:off x="839788" y="2057400"/>
-            <a:ext cx="3932237" cy="3811588"/>
+            <a:off x="913795" y="2439261"/>
+            <a:ext cx="5934949" cy="3376134"/>
           </a:xfrm>
         </p:spPr>
         <p:txBody>
-          <a:bodyPr/>
+          <a:bodyPr anchor="t">
+            <a:normAutofit/>
+          </a:bodyPr>
           <a:lstStyle>
-            <a:lvl1pPr marL="0" indent="0">
+            <a:lvl1pPr marL="0" indent="0" algn="ctr">
               <a:buNone/>
               <a:defRPr sz="1600"/>
             </a:lvl1pPr>
             <a:lvl2pPr marL="457200" indent="0">
               <a:buNone/>
-              <a:defRPr sz="1400"/>
+              <a:defRPr sz="1200"/>
             </a:lvl2pPr>
             <a:lvl3pPr marL="914400" indent="0">
               <a:buNone/>
-              <a:defRPr sz="1200"/>
+              <a:defRPr sz="1000"/>
             </a:lvl3pPr>
             <a:lvl4pPr marL="1371600" indent="0">
               <a:buNone/>
-              <a:defRPr sz="1000"/>
+              <a:defRPr sz="900"/>
             </a:lvl4pPr>
             <a:lvl5pPr marL="1828800" indent="0">
               <a:buNone/>
-              <a:defRPr sz="1000"/>
+              <a:defRPr sz="900"/>
             </a:lvl5pPr>
             <a:lvl6pPr marL="2286000" indent="0">
               <a:buNone/>
-              <a:defRPr sz="1000"/>
+              <a:defRPr sz="900"/>
             </a:lvl6pPr>
             <a:lvl7pPr marL="2743200" indent="0">
               <a:buNone/>
-              <a:defRPr sz="1000"/>
+              <a:defRPr sz="900"/>
             </a:lvl7pPr>
             <a:lvl8pPr marL="3200400" indent="0">
               <a:buNone/>
-              <a:defRPr sz="1000"/>
+              <a:defRPr sz="900"/>
             </a:lvl8pPr>
             <a:lvl9pPr marL="3657600" indent="0">
               <a:buNone/>
-              <a:defRPr sz="1000"/>
+              <a:defRPr sz="900"/>
             </a:lvl9pPr>
           </a:lstStyle>
           <a:p>
@@ -2642,13 +5097,7 @@
       </p:sp>
       <p:sp>
         <p:nvSpPr>
-          <p:cNvPr id="5" name="날짜 개체 틀 4">
-            <a:extLst>
-              <a:ext uri="{FF2B5EF4-FFF2-40B4-BE49-F238E27FC236}">
-                <a16:creationId xmlns:a16="http://schemas.microsoft.com/office/drawing/2014/main" id="{0EEA1890-B516-4539-AFB4-4F713A6A8573}"/>
-              </a:ext>
-            </a:extLst>
-          </p:cNvPr>
+          <p:cNvPr id="5" name="Date Placeholder 4"/>
           <p:cNvSpPr>
             <a:spLocks noGrp="1"/>
           </p:cNvSpPr>
@@ -2663,7 +5112,7 @@
           <a:p>
             <a:fld id="{B8774375-EA71-4015-9618-DF73F457C02A}" type="datetimeFigureOut">
               <a:rPr lang="ko-KR" altLang="en-US" smtClean="0"/>
-              <a:t>2019-08-03</a:t>
+              <a:t>2019-08-13</a:t>
             </a:fld>
             <a:endParaRPr lang="ko-KR" altLang="en-US"/>
           </a:p>
@@ -2671,13 +5120,7 @@
       </p:sp>
       <p:sp>
         <p:nvSpPr>
-          <p:cNvPr id="6" name="바닥글 개체 틀 5">
-            <a:extLst>
-              <a:ext uri="{FF2B5EF4-FFF2-40B4-BE49-F238E27FC236}">
-                <a16:creationId xmlns:a16="http://schemas.microsoft.com/office/drawing/2014/main" id="{27339F0F-9DE4-4D01-B817-8E9C755CD793}"/>
-              </a:ext>
-            </a:extLst>
-          </p:cNvPr>
+          <p:cNvPr id="6" name="Footer Placeholder 5"/>
           <p:cNvSpPr>
             <a:spLocks noGrp="1"/>
           </p:cNvSpPr>
@@ -2696,13 +5139,7 @@
       </p:sp>
       <p:sp>
         <p:nvSpPr>
-          <p:cNvPr id="7" name="슬라이드 번호 개체 틀 6">
-            <a:extLst>
-              <a:ext uri="{FF2B5EF4-FFF2-40B4-BE49-F238E27FC236}">
-                <a16:creationId xmlns:a16="http://schemas.microsoft.com/office/drawing/2014/main" id="{5D6555AB-97C1-4369-BA56-DC88DA07C85A}"/>
-              </a:ext>
-            </a:extLst>
-          </p:cNvPr>
+          <p:cNvPr id="7" name="Slide Number Placeholder 6"/>
           <p:cNvSpPr>
             <a:spLocks noGrp="1"/>
           </p:cNvSpPr>
@@ -2726,7 +5163,7 @@
     </p:spTree>
     <p:extLst>
       <p:ext uri="{BB962C8B-B14F-4D97-AF65-F5344CB8AC3E}">
-        <p14:creationId xmlns:p14="http://schemas.microsoft.com/office/powerpoint/2010/main" val="323770848"/>
+        <p14:creationId xmlns:p14="http://schemas.microsoft.com/office/powerpoint/2010/main" val="4238634745"/>
       </p:ext>
     </p:extLst>
   </p:cSld>
@@ -2740,8 +5177,8 @@
 <p:sldMaster xmlns:a="http://schemas.openxmlformats.org/drawingml/2006/main" xmlns:r="http://schemas.openxmlformats.org/officeDocument/2006/relationships" xmlns:p="http://schemas.openxmlformats.org/presentationml/2006/main">
   <p:cSld>
     <p:bg>
-      <p:bgRef idx="1001">
-        <a:schemeClr val="bg1"/>
+      <p:bgRef idx="1003">
+        <a:schemeClr val="bg2"/>
       </p:bgRef>
     </p:bg>
     <p:spTree>
@@ -2760,13 +5197,7 @@
       </p:grpSpPr>
       <p:sp>
         <p:nvSpPr>
-          <p:cNvPr id="2" name="제목 개체 틀 1">
-            <a:extLst>
-              <a:ext uri="{FF2B5EF4-FFF2-40B4-BE49-F238E27FC236}">
-                <a16:creationId xmlns:a16="http://schemas.microsoft.com/office/drawing/2014/main" id="{7DA8453A-DE2A-4172-B153-0696A88AE2C8}"/>
-              </a:ext>
-            </a:extLst>
-          </p:cNvPr>
+          <p:cNvPr id="2" name="Title Placeholder 1"/>
           <p:cNvSpPr>
             <a:spLocks noGrp="1"/>
           </p:cNvSpPr>
@@ -2776,12 +5207,19 @@
         </p:nvSpPr>
         <p:spPr>
           <a:xfrm>
-            <a:off x="838200" y="365125"/>
-            <a:ext cx="10515600" cy="1325563"/>
+            <a:off x="913795" y="609600"/>
+            <a:ext cx="10353762" cy="970450"/>
           </a:xfrm>
           <a:prstGeom prst="rect">
             <a:avLst/>
           </a:prstGeom>
+          <a:effectLst>
+            <a:outerShdw blurRad="25400" dir="17880000">
+              <a:srgbClr val="000000">
+                <a:alpha val="46000"/>
+              </a:srgbClr>
+            </a:outerShdw>
+          </a:effectLst>
         </p:spPr>
         <p:txBody>
           <a:bodyPr vert="horz" lIns="91440" tIns="45720" rIns="91440" bIns="45720" rtlCol="0" anchor="ctr">
@@ -2793,18 +5231,13 @@
               <a:rPr lang="ko-KR" altLang="en-US"/>
               <a:t>마스터 제목 스타일 편집</a:t>
             </a:r>
+            <a:endParaRPr lang="en-US" dirty="0"/>
           </a:p>
         </p:txBody>
       </p:sp>
       <p:sp>
         <p:nvSpPr>
-          <p:cNvPr id="3" name="텍스트 개체 틀 2">
-            <a:extLst>
-              <a:ext uri="{FF2B5EF4-FFF2-40B4-BE49-F238E27FC236}">
-                <a16:creationId xmlns:a16="http://schemas.microsoft.com/office/drawing/2014/main" id="{C40CB8FE-7A80-458D-B6AD-F0329EDE0783}"/>
-              </a:ext>
-            </a:extLst>
-          </p:cNvPr>
+          <p:cNvPr id="3" name="Text Placeholder 2"/>
           <p:cNvSpPr>
             <a:spLocks noGrp="1"/>
           </p:cNvSpPr>
@@ -2814,15 +5247,22 @@
         </p:nvSpPr>
         <p:spPr>
           <a:xfrm>
-            <a:off x="838200" y="1825625"/>
-            <a:ext cx="10515600" cy="4351338"/>
+            <a:off x="913795" y="1732449"/>
+            <a:ext cx="10353762" cy="4058751"/>
           </a:xfrm>
           <a:prstGeom prst="rect">
             <a:avLst/>
           </a:prstGeom>
+          <a:effectLst>
+            <a:outerShdw blurRad="25400" dir="17880000">
+              <a:srgbClr val="000000">
+                <a:alpha val="46000"/>
+              </a:srgbClr>
+            </a:outerShdw>
+          </a:effectLst>
         </p:spPr>
         <p:txBody>
-          <a:bodyPr vert="horz" lIns="91440" tIns="45720" rIns="91440" bIns="45720" rtlCol="0">
+          <a:bodyPr vert="horz" lIns="91440" tIns="45720" rIns="91440" bIns="45720" rtlCol="0" anchor="t">
             <a:normAutofit/>
           </a:bodyPr>
           <a:lstStyle/>
@@ -2860,18 +5300,13 @@
               <a:rPr lang="ko-KR" altLang="en-US"/>
               <a:t>다섯 번째 수준</a:t>
             </a:r>
+            <a:endParaRPr lang="en-US" dirty="0"/>
           </a:p>
         </p:txBody>
       </p:sp>
       <p:sp>
         <p:nvSpPr>
-          <p:cNvPr id="4" name="날짜 개체 틀 3">
-            <a:extLst>
-              <a:ext uri="{FF2B5EF4-FFF2-40B4-BE49-F238E27FC236}">
-                <a16:creationId xmlns:a16="http://schemas.microsoft.com/office/drawing/2014/main" id="{16EF2430-626D-4746-BC0F-B9019275F86A}"/>
-              </a:ext>
-            </a:extLst>
-          </p:cNvPr>
+          <p:cNvPr id="4" name="Date Placeholder 3"/>
           <p:cNvSpPr>
             <a:spLocks noGrp="1"/>
           </p:cNvSpPr>
@@ -2881,97 +5316,7 @@
         </p:nvSpPr>
         <p:spPr>
           <a:xfrm>
-            <a:off x="838200" y="6356350"/>
-            <a:ext cx="2743200" cy="365125"/>
-          </a:xfrm>
-          <a:prstGeom prst="rect">
-            <a:avLst/>
-          </a:prstGeom>
-        </p:spPr>
-        <p:txBody>
-          <a:bodyPr vert="horz" lIns="91440" tIns="45720" rIns="91440" bIns="45720" rtlCol="0" anchor="ctr"/>
-          <a:lstStyle>
-            <a:lvl1pPr algn="l">
-              <a:defRPr sz="1200">
-                <a:solidFill>
-                  <a:schemeClr val="tx1">
-                    <a:tint val="75000"/>
-                  </a:schemeClr>
-                </a:solidFill>
-              </a:defRPr>
-            </a:lvl1pPr>
-          </a:lstStyle>
-          <a:p>
-            <a:fld id="{B8774375-EA71-4015-9618-DF73F457C02A}" type="datetimeFigureOut">
-              <a:rPr lang="ko-KR" altLang="en-US" smtClean="0"/>
-              <a:t>2019-08-03</a:t>
-            </a:fld>
-            <a:endParaRPr lang="ko-KR" altLang="en-US"/>
-          </a:p>
-        </p:txBody>
-      </p:sp>
-      <p:sp>
-        <p:nvSpPr>
-          <p:cNvPr id="5" name="바닥글 개체 틀 4">
-            <a:extLst>
-              <a:ext uri="{FF2B5EF4-FFF2-40B4-BE49-F238E27FC236}">
-                <a16:creationId xmlns:a16="http://schemas.microsoft.com/office/drawing/2014/main" id="{8FC5D3D4-A2E4-4357-B4A4-7C58B5AEF35E}"/>
-              </a:ext>
-            </a:extLst>
-          </p:cNvPr>
-          <p:cNvSpPr>
-            <a:spLocks noGrp="1"/>
-          </p:cNvSpPr>
-          <p:nvPr>
-            <p:ph type="ftr" sz="quarter" idx="3"/>
-          </p:nvPr>
-        </p:nvSpPr>
-        <p:spPr>
-          <a:xfrm>
-            <a:off x="4038600" y="6356350"/>
-            <a:ext cx="4114800" cy="365125"/>
-          </a:xfrm>
-          <a:prstGeom prst="rect">
-            <a:avLst/>
-          </a:prstGeom>
-        </p:spPr>
-        <p:txBody>
-          <a:bodyPr vert="horz" lIns="91440" tIns="45720" rIns="91440" bIns="45720" rtlCol="0" anchor="ctr"/>
-          <a:lstStyle>
-            <a:lvl1pPr algn="ctr">
-              <a:defRPr sz="1200">
-                <a:solidFill>
-                  <a:schemeClr val="tx1">
-                    <a:tint val="75000"/>
-                  </a:schemeClr>
-                </a:solidFill>
-              </a:defRPr>
-            </a:lvl1pPr>
-          </a:lstStyle>
-          <a:p>
-            <a:endParaRPr lang="ko-KR" altLang="en-US"/>
-          </a:p>
-        </p:txBody>
-      </p:sp>
-      <p:sp>
-        <p:nvSpPr>
-          <p:cNvPr id="6" name="슬라이드 번호 개체 틀 5">
-            <a:extLst>
-              <a:ext uri="{FF2B5EF4-FFF2-40B4-BE49-F238E27FC236}">
-                <a16:creationId xmlns:a16="http://schemas.microsoft.com/office/drawing/2014/main" id="{6C953237-0A97-4C96-911D-FA6191851D95}"/>
-              </a:ext>
-            </a:extLst>
-          </p:cNvPr>
-          <p:cNvSpPr>
-            <a:spLocks noGrp="1"/>
-          </p:cNvSpPr>
-          <p:nvPr>
-            <p:ph type="sldNum" sz="quarter" idx="4"/>
-          </p:nvPr>
-        </p:nvSpPr>
-        <p:spPr>
-          <a:xfrm>
-            <a:off x="8610600" y="6356350"/>
+            <a:off x="7678736" y="5883275"/>
             <a:ext cx="2743200" cy="365125"/>
           </a:xfrm>
           <a:prstGeom prst="rect">
@@ -2982,12 +5327,111 @@
           <a:bodyPr vert="horz" lIns="91440" tIns="45720" rIns="91440" bIns="45720" rtlCol="0" anchor="ctr"/>
           <a:lstStyle>
             <a:lvl1pPr algn="r">
-              <a:defRPr sz="1200">
+              <a:defRPr sz="1000">
                 <a:solidFill>
                   <a:schemeClr val="tx1">
-                    <a:tint val="75000"/>
+                    <a:lumMod val="95000"/>
                   </a:schemeClr>
                 </a:solidFill>
+                <a:effectLst>
+                  <a:outerShdw blurRad="50800" dist="38100" dir="2700000" algn="tl" rotWithShape="0">
+                    <a:schemeClr val="bg1">
+                      <a:alpha val="43000"/>
+                    </a:schemeClr>
+                  </a:outerShdw>
+                </a:effectLst>
+              </a:defRPr>
+            </a:lvl1pPr>
+          </a:lstStyle>
+          <a:p>
+            <a:fld id="{B8774375-EA71-4015-9618-DF73F457C02A}" type="datetimeFigureOut">
+              <a:rPr lang="ko-KR" altLang="en-US" smtClean="0"/>
+              <a:t>2019-08-13</a:t>
+            </a:fld>
+            <a:endParaRPr lang="ko-KR" altLang="en-US"/>
+          </a:p>
+        </p:txBody>
+      </p:sp>
+      <p:sp>
+        <p:nvSpPr>
+          <p:cNvPr id="5" name="Footer Placeholder 4"/>
+          <p:cNvSpPr>
+            <a:spLocks noGrp="1"/>
+          </p:cNvSpPr>
+          <p:nvPr>
+            <p:ph type="ftr" sz="quarter" idx="3"/>
+          </p:nvPr>
+        </p:nvSpPr>
+        <p:spPr>
+          <a:xfrm>
+            <a:off x="913795" y="5883275"/>
+            <a:ext cx="6672865" cy="365125"/>
+          </a:xfrm>
+          <a:prstGeom prst="rect">
+            <a:avLst/>
+          </a:prstGeom>
+        </p:spPr>
+        <p:txBody>
+          <a:bodyPr vert="horz" lIns="91440" tIns="45720" rIns="91440" bIns="45720" rtlCol="0" anchor="ctr"/>
+          <a:lstStyle>
+            <a:lvl1pPr algn="l">
+              <a:defRPr sz="1000">
+                <a:solidFill>
+                  <a:schemeClr val="tx1">
+                    <a:lumMod val="95000"/>
+                  </a:schemeClr>
+                </a:solidFill>
+                <a:effectLst>
+                  <a:outerShdw blurRad="50800" dist="38100" dir="2700000" algn="tl" rotWithShape="0">
+                    <a:schemeClr val="bg1">
+                      <a:alpha val="43000"/>
+                    </a:schemeClr>
+                  </a:outerShdw>
+                </a:effectLst>
+              </a:defRPr>
+            </a:lvl1pPr>
+          </a:lstStyle>
+          <a:p>
+            <a:endParaRPr lang="ko-KR" altLang="en-US"/>
+          </a:p>
+        </p:txBody>
+      </p:sp>
+      <p:sp>
+        <p:nvSpPr>
+          <p:cNvPr id="6" name="Slide Number Placeholder 5"/>
+          <p:cNvSpPr>
+            <a:spLocks noGrp="1"/>
+          </p:cNvSpPr>
+          <p:nvPr>
+            <p:ph type="sldNum" sz="quarter" idx="4"/>
+          </p:nvPr>
+        </p:nvSpPr>
+        <p:spPr>
+          <a:xfrm>
+            <a:off x="10514011" y="5883275"/>
+            <a:ext cx="753545" cy="365125"/>
+          </a:xfrm>
+          <a:prstGeom prst="rect">
+            <a:avLst/>
+          </a:prstGeom>
+        </p:spPr>
+        <p:txBody>
+          <a:bodyPr vert="horz" lIns="91440" tIns="45720" rIns="91440" bIns="45720" rtlCol="0" anchor="ctr"/>
+          <a:lstStyle>
+            <a:lvl1pPr algn="r">
+              <a:defRPr sz="1000">
+                <a:solidFill>
+                  <a:schemeClr val="tx1">
+                    <a:lumMod val="95000"/>
+                  </a:schemeClr>
+                </a:solidFill>
+                <a:effectLst>
+                  <a:outerShdw blurRad="50800" dist="38100" dir="2700000" algn="tl" rotWithShape="0">
+                    <a:schemeClr val="bg1">
+                      <a:alpha val="43000"/>
+                    </a:schemeClr>
+                  </a:outerShdw>
+                </a:effectLst>
               </a:defRPr>
             </a:lvl1pPr>
           </a:lstStyle>
@@ -3003,55 +5447,469 @@
     </p:spTree>
     <p:extLst>
       <p:ext uri="{BB962C8B-B14F-4D97-AF65-F5344CB8AC3E}">
-        <p14:creationId xmlns:p14="http://schemas.microsoft.com/office/powerpoint/2010/main" val="1333330222"/>
+        <p14:creationId xmlns:p14="http://schemas.microsoft.com/office/powerpoint/2010/main" val="3118617921"/>
       </p:ext>
     </p:extLst>
   </p:cSld>
-  <p:clrMap bg1="lt1" tx1="dk1" bg2="lt2" tx2="dk2" accent1="accent1" accent2="accent2" accent3="accent3" accent4="accent4" accent5="accent5" accent6="accent6" hlink="hlink" folHlink="folHlink"/>
+  <p:clrMap bg1="dk1" tx1="lt1" bg2="dk2" tx2="lt2" accent1="accent1" accent2="accent2" accent3="accent3" accent4="accent4" accent5="accent5" accent6="accent6" hlink="hlink" folHlink="folHlink"/>
   <p:sldLayoutIdLst>
-    <p:sldLayoutId id="2147483649" r:id="rId1"/>
-    <p:sldLayoutId id="2147483650" r:id="rId2"/>
-    <p:sldLayoutId id="2147483651" r:id="rId3"/>
-    <p:sldLayoutId id="2147483652" r:id="rId4"/>
-    <p:sldLayoutId id="2147483653" r:id="rId5"/>
-    <p:sldLayoutId id="2147483654" r:id="rId6"/>
-    <p:sldLayoutId id="2147483655" r:id="rId7"/>
-    <p:sldLayoutId id="2147483656" r:id="rId8"/>
-    <p:sldLayoutId id="2147483657" r:id="rId9"/>
-    <p:sldLayoutId id="2147483658" r:id="rId10"/>
-    <p:sldLayoutId id="2147483659" r:id="rId11"/>
+    <p:sldLayoutId id="2147483745" r:id="rId1"/>
+    <p:sldLayoutId id="2147483746" r:id="rId2"/>
+    <p:sldLayoutId id="2147483747" r:id="rId3"/>
+    <p:sldLayoutId id="2147483748" r:id="rId4"/>
+    <p:sldLayoutId id="2147483749" r:id="rId5"/>
+    <p:sldLayoutId id="2147483750" r:id="rId6"/>
+    <p:sldLayoutId id="2147483751" r:id="rId7"/>
+    <p:sldLayoutId id="2147483752" r:id="rId8"/>
+    <p:sldLayoutId id="2147483753" r:id="rId9"/>
+    <p:sldLayoutId id="2147483754" r:id="rId10"/>
+    <p:sldLayoutId id="2147483755" r:id="rId11"/>
+    <p:sldLayoutId id="2147483756" r:id="rId12"/>
+    <p:sldLayoutId id="2147483757" r:id="rId13"/>
+    <p:sldLayoutId id="2147483758" r:id="rId14"/>
+    <p:sldLayoutId id="2147483759" r:id="rId15"/>
+    <p:sldLayoutId id="2147483760" r:id="rId16"/>
+    <p:sldLayoutId id="2147483761" r:id="rId17"/>
   </p:sldLayoutIdLst>
   <p:txStyles>
     <p:titleStyle>
-      <a:lvl1pPr algn="l" defTabSz="914400" rtl="0" eaLnBrk="1" latinLnBrk="1" hangingPunct="1">
-        <a:lnSpc>
-          <a:spcPct val="90000"/>
-        </a:lnSpc>
+      <a:lvl1pPr algn="ctr" defTabSz="457200" rtl="0" eaLnBrk="1" latinLnBrk="1" hangingPunct="1">
         <a:spcBef>
           <a:spcPct val="0"/>
         </a:spcBef>
         <a:buNone/>
-        <a:defRPr sz="4400" kern="1200">
+        <a:defRPr sz="4000" kern="1200">
+          <a:ln>
+            <a:solidFill>
+              <a:schemeClr val="bg1">
+                <a:lumMod val="75000"/>
+                <a:lumOff val="25000"/>
+                <a:alpha val="10000"/>
+              </a:schemeClr>
+            </a:solidFill>
+          </a:ln>
           <a:solidFill>
-            <a:schemeClr val="tx1"/>
+            <a:schemeClr val="tx2"/>
           </a:solidFill>
+          <a:effectLst>
+            <a:outerShdw blurRad="9525" dist="25400" dir="14640000" algn="tl" rotWithShape="0">
+              <a:schemeClr val="bg1">
+                <a:alpha val="30000"/>
+              </a:schemeClr>
+            </a:outerShdw>
+          </a:effectLst>
           <a:latin typeface="+mj-lt"/>
           <a:ea typeface="+mj-ea"/>
-          <a:cs typeface="+mj-cs"/>
+          <a:cs typeface="Trebuchet MS"/>
         </a:defRPr>
       </a:lvl1pPr>
+      <a:lvl2pPr eaLnBrk="1" latinLnBrk="1" hangingPunct="1">
+        <a:defRPr>
+          <a:solidFill>
+            <a:schemeClr val="tx2"/>
+          </a:solidFill>
+        </a:defRPr>
+      </a:lvl2pPr>
+      <a:lvl3pPr eaLnBrk="1" latinLnBrk="1" hangingPunct="1">
+        <a:defRPr>
+          <a:solidFill>
+            <a:schemeClr val="tx2"/>
+          </a:solidFill>
+        </a:defRPr>
+      </a:lvl3pPr>
+      <a:lvl4pPr eaLnBrk="1" latinLnBrk="1" hangingPunct="1">
+        <a:defRPr>
+          <a:solidFill>
+            <a:schemeClr val="tx2"/>
+          </a:solidFill>
+        </a:defRPr>
+      </a:lvl4pPr>
+      <a:lvl5pPr eaLnBrk="1" latinLnBrk="1" hangingPunct="1">
+        <a:defRPr>
+          <a:solidFill>
+            <a:schemeClr val="tx2"/>
+          </a:solidFill>
+        </a:defRPr>
+      </a:lvl5pPr>
+      <a:lvl6pPr eaLnBrk="1" latinLnBrk="1" hangingPunct="1">
+        <a:defRPr>
+          <a:solidFill>
+            <a:schemeClr val="tx2"/>
+          </a:solidFill>
+        </a:defRPr>
+      </a:lvl6pPr>
+      <a:lvl7pPr eaLnBrk="1" latinLnBrk="1" hangingPunct="1">
+        <a:defRPr>
+          <a:solidFill>
+            <a:schemeClr val="tx2"/>
+          </a:solidFill>
+        </a:defRPr>
+      </a:lvl7pPr>
+      <a:lvl8pPr eaLnBrk="1" latinLnBrk="1" hangingPunct="1">
+        <a:defRPr>
+          <a:solidFill>
+            <a:schemeClr val="tx2"/>
+          </a:solidFill>
+        </a:defRPr>
+      </a:lvl8pPr>
+      <a:lvl9pPr eaLnBrk="1" latinLnBrk="1" hangingPunct="1">
+        <a:defRPr>
+          <a:solidFill>
+            <a:schemeClr val="tx2"/>
+          </a:solidFill>
+        </a:defRPr>
+      </a:lvl9pPr>
     </p:titleStyle>
     <p:bodyStyle>
-      <a:lvl1pPr marL="228600" indent="-228600" algn="l" defTabSz="914400" rtl="0" eaLnBrk="1" latinLnBrk="1" hangingPunct="1">
-        <a:lnSpc>
-          <a:spcPct val="90000"/>
-        </a:lnSpc>
+      <a:lvl1pPr marL="342900" indent="-306000" algn="l" defTabSz="457200" rtl="0" eaLnBrk="1" latinLnBrk="1" hangingPunct="1">
         <a:spcBef>
-          <a:spcPts val="1000"/>
+          <a:spcPct val="20000"/>
         </a:spcBef>
-        <a:buFont typeface="Arial" panose="020B0604020202020204" pitchFamily="34" charset="0"/>
-        <a:buChar char="•"/>
-        <a:defRPr sz="2800" kern="1200">
+        <a:spcAft>
+          <a:spcPts val="600"/>
+        </a:spcAft>
+        <a:buClr>
+          <a:schemeClr val="tx2"/>
+        </a:buClr>
+        <a:buSzPct val="70000"/>
+        <a:buFont typeface="Wingdings 2" charset="2"/>
+        <a:buChar char=""/>
+        <a:defRPr sz="2000" kern="1200">
+          <a:ln>
+            <a:solidFill>
+              <a:schemeClr val="bg1">
+                <a:lumMod val="75000"/>
+                <a:lumOff val="25000"/>
+                <a:alpha val="10000"/>
+              </a:schemeClr>
+            </a:solidFill>
+          </a:ln>
+          <a:solidFill>
+            <a:schemeClr val="tx2"/>
+          </a:solidFill>
+          <a:effectLst>
+            <a:outerShdw blurRad="9525" dist="25400" dir="14640000" algn="tl" rotWithShape="0">
+              <a:schemeClr val="bg1">
+                <a:alpha val="30000"/>
+              </a:schemeClr>
+            </a:outerShdw>
+          </a:effectLst>
+          <a:latin typeface="+mn-lt"/>
+          <a:ea typeface="+mn-ea"/>
+          <a:cs typeface="+mn-cs"/>
+        </a:defRPr>
+      </a:lvl1pPr>
+      <a:lvl2pPr marL="720000" indent="-270000" algn="l" defTabSz="457200" rtl="0" eaLnBrk="1" latinLnBrk="1" hangingPunct="1">
+        <a:spcBef>
+          <a:spcPct val="20000"/>
+        </a:spcBef>
+        <a:spcAft>
+          <a:spcPts val="600"/>
+        </a:spcAft>
+        <a:buClr>
+          <a:schemeClr val="tx2"/>
+        </a:buClr>
+        <a:buSzPct val="70000"/>
+        <a:buFont typeface="Wingdings 2" charset="2"/>
+        <a:buChar char=""/>
+        <a:defRPr sz="1800" kern="1200">
+          <a:ln>
+            <a:solidFill>
+              <a:schemeClr val="bg1">
+                <a:lumMod val="75000"/>
+                <a:lumOff val="25000"/>
+                <a:alpha val="10000"/>
+              </a:schemeClr>
+            </a:solidFill>
+          </a:ln>
+          <a:solidFill>
+            <a:schemeClr val="tx2"/>
+          </a:solidFill>
+          <a:effectLst>
+            <a:outerShdw blurRad="9525" dist="25400" dir="14640000" algn="tl" rotWithShape="0">
+              <a:schemeClr val="bg1">
+                <a:alpha val="30000"/>
+              </a:schemeClr>
+            </a:outerShdw>
+          </a:effectLst>
+          <a:latin typeface="+mn-lt"/>
+          <a:ea typeface="+mn-ea"/>
+          <a:cs typeface="+mn-cs"/>
+        </a:defRPr>
+      </a:lvl2pPr>
+      <a:lvl3pPr marL="1026000" indent="-216000" algn="l" defTabSz="457200" rtl="0" eaLnBrk="1" latinLnBrk="1" hangingPunct="1">
+        <a:spcBef>
+          <a:spcPct val="20000"/>
+        </a:spcBef>
+        <a:spcAft>
+          <a:spcPts val="600"/>
+        </a:spcAft>
+        <a:buClr>
+          <a:schemeClr val="tx2"/>
+        </a:buClr>
+        <a:buSzPct val="70000"/>
+        <a:buFont typeface="Wingdings 2" charset="2"/>
+        <a:buChar char=""/>
+        <a:defRPr sz="1600" kern="1200">
+          <a:ln>
+            <a:solidFill>
+              <a:schemeClr val="bg1">
+                <a:lumMod val="75000"/>
+                <a:lumOff val="25000"/>
+                <a:alpha val="10000"/>
+              </a:schemeClr>
+            </a:solidFill>
+          </a:ln>
+          <a:solidFill>
+            <a:schemeClr val="tx2"/>
+          </a:solidFill>
+          <a:effectLst>
+            <a:outerShdw blurRad="9525" dist="25400" dir="14640000" algn="tl" rotWithShape="0">
+              <a:schemeClr val="bg1">
+                <a:alpha val="30000"/>
+              </a:schemeClr>
+            </a:outerShdw>
+          </a:effectLst>
+          <a:latin typeface="+mn-lt"/>
+          <a:ea typeface="+mn-ea"/>
+          <a:cs typeface="+mn-cs"/>
+        </a:defRPr>
+      </a:lvl3pPr>
+      <a:lvl4pPr marL="1386000" indent="-216000" algn="l" defTabSz="457200" rtl="0" eaLnBrk="1" latinLnBrk="1" hangingPunct="1">
+        <a:spcBef>
+          <a:spcPct val="20000"/>
+        </a:spcBef>
+        <a:spcAft>
+          <a:spcPts val="600"/>
+        </a:spcAft>
+        <a:buClr>
+          <a:schemeClr val="tx2"/>
+        </a:buClr>
+        <a:buSzPct val="70000"/>
+        <a:buFont typeface="Wingdings 2" charset="2"/>
+        <a:buChar char=""/>
+        <a:defRPr sz="1400" kern="1200">
+          <a:ln>
+            <a:solidFill>
+              <a:schemeClr val="bg1">
+                <a:lumMod val="75000"/>
+                <a:lumOff val="25000"/>
+                <a:alpha val="10000"/>
+              </a:schemeClr>
+            </a:solidFill>
+          </a:ln>
+          <a:solidFill>
+            <a:schemeClr val="tx2"/>
+          </a:solidFill>
+          <a:effectLst>
+            <a:outerShdw blurRad="9525" dist="25400" dir="14640000" algn="tl" rotWithShape="0">
+              <a:schemeClr val="bg1">
+                <a:alpha val="30000"/>
+              </a:schemeClr>
+            </a:outerShdw>
+          </a:effectLst>
+          <a:latin typeface="+mn-lt"/>
+          <a:ea typeface="+mn-ea"/>
+          <a:cs typeface="+mn-cs"/>
+        </a:defRPr>
+      </a:lvl4pPr>
+      <a:lvl5pPr marL="1674000" indent="-216000" algn="l" defTabSz="457200" rtl="0" eaLnBrk="1" latinLnBrk="1" hangingPunct="1">
+        <a:spcBef>
+          <a:spcPct val="20000"/>
+        </a:spcBef>
+        <a:spcAft>
+          <a:spcPts val="600"/>
+        </a:spcAft>
+        <a:buClr>
+          <a:schemeClr val="tx2"/>
+        </a:buClr>
+        <a:buSzPct val="70000"/>
+        <a:buFont typeface="Wingdings 2" charset="2"/>
+        <a:buChar char=""/>
+        <a:defRPr sz="1400" kern="1200">
+          <a:ln>
+            <a:solidFill>
+              <a:schemeClr val="bg1">
+                <a:lumMod val="75000"/>
+                <a:lumOff val="25000"/>
+                <a:alpha val="10000"/>
+              </a:schemeClr>
+            </a:solidFill>
+          </a:ln>
+          <a:solidFill>
+            <a:schemeClr val="tx2"/>
+          </a:solidFill>
+          <a:effectLst>
+            <a:outerShdw blurRad="9525" dist="25400" dir="14640000" algn="tl" rotWithShape="0">
+              <a:schemeClr val="bg1">
+                <a:alpha val="30000"/>
+              </a:schemeClr>
+            </a:outerShdw>
+          </a:effectLst>
+          <a:latin typeface="+mn-lt"/>
+          <a:ea typeface="+mn-ea"/>
+          <a:cs typeface="+mn-cs"/>
+        </a:defRPr>
+      </a:lvl5pPr>
+      <a:lvl6pPr marL="2014600" indent="-228600" algn="l" defTabSz="457200" rtl="0" eaLnBrk="1" latinLnBrk="1" hangingPunct="1">
+        <a:spcBef>
+          <a:spcPct val="20000"/>
+        </a:spcBef>
+        <a:spcAft>
+          <a:spcPts val="600"/>
+        </a:spcAft>
+        <a:buClr>
+          <a:schemeClr val="tx2"/>
+        </a:buClr>
+        <a:buSzPct val="70000"/>
+        <a:buFont typeface="Wingdings 2" charset="2"/>
+        <a:buChar char=""/>
+        <a:defRPr sz="1400" kern="1200">
+          <a:ln>
+            <a:solidFill>
+              <a:schemeClr val="bg1">
+                <a:lumMod val="75000"/>
+                <a:lumOff val="25000"/>
+                <a:alpha val="10000"/>
+              </a:schemeClr>
+            </a:solidFill>
+          </a:ln>
+          <a:solidFill>
+            <a:schemeClr val="tx2"/>
+          </a:solidFill>
+          <a:effectLst>
+            <a:outerShdw blurRad="9525" dist="25400" dir="14640000" algn="tl" rotWithShape="0">
+              <a:schemeClr val="bg1">
+                <a:alpha val="30000"/>
+              </a:schemeClr>
+            </a:outerShdw>
+          </a:effectLst>
+          <a:latin typeface="+mn-lt"/>
+          <a:ea typeface="+mn-ea"/>
+          <a:cs typeface="+mn-cs"/>
+        </a:defRPr>
+      </a:lvl6pPr>
+      <a:lvl7pPr marL="2401800" indent="-228600" algn="l" defTabSz="457200" rtl="0" eaLnBrk="1" latinLnBrk="1" hangingPunct="1">
+        <a:spcBef>
+          <a:spcPct val="20000"/>
+        </a:spcBef>
+        <a:spcAft>
+          <a:spcPts val="600"/>
+        </a:spcAft>
+        <a:buClr>
+          <a:schemeClr val="tx2"/>
+        </a:buClr>
+        <a:buSzPct val="70000"/>
+        <a:buFont typeface="Wingdings 2" charset="2"/>
+        <a:buChar char=""/>
+        <a:defRPr sz="1400" kern="1200">
+          <a:ln>
+            <a:solidFill>
+              <a:schemeClr val="bg1">
+                <a:lumMod val="75000"/>
+                <a:lumOff val="25000"/>
+                <a:alpha val="10000"/>
+              </a:schemeClr>
+            </a:solidFill>
+          </a:ln>
+          <a:solidFill>
+            <a:schemeClr val="tx2"/>
+          </a:solidFill>
+          <a:effectLst>
+            <a:outerShdw blurRad="9525" dist="25400" dir="14640000" algn="tl" rotWithShape="0">
+              <a:schemeClr val="bg1">
+                <a:alpha val="30000"/>
+              </a:schemeClr>
+            </a:outerShdw>
+          </a:effectLst>
+          <a:latin typeface="+mn-lt"/>
+          <a:ea typeface="+mn-ea"/>
+          <a:cs typeface="+mn-cs"/>
+        </a:defRPr>
+      </a:lvl7pPr>
+      <a:lvl8pPr marL="2789000" indent="-228600" algn="l" defTabSz="457200" rtl="0" eaLnBrk="1" latinLnBrk="1" hangingPunct="1">
+        <a:spcBef>
+          <a:spcPct val="20000"/>
+        </a:spcBef>
+        <a:spcAft>
+          <a:spcPts val="600"/>
+        </a:spcAft>
+        <a:buClr>
+          <a:schemeClr val="tx2"/>
+        </a:buClr>
+        <a:buSzPct val="70000"/>
+        <a:buFont typeface="Wingdings 2" charset="2"/>
+        <a:buChar char=""/>
+        <a:defRPr sz="1400" kern="1200">
+          <a:ln>
+            <a:solidFill>
+              <a:schemeClr val="bg1">
+                <a:lumMod val="75000"/>
+                <a:lumOff val="25000"/>
+                <a:alpha val="10000"/>
+              </a:schemeClr>
+            </a:solidFill>
+          </a:ln>
+          <a:solidFill>
+            <a:schemeClr val="tx2"/>
+          </a:solidFill>
+          <a:effectLst>
+            <a:outerShdw blurRad="9525" dist="25400" dir="14640000" algn="tl" rotWithShape="0">
+              <a:schemeClr val="bg1">
+                <a:alpha val="30000"/>
+              </a:schemeClr>
+            </a:outerShdw>
+          </a:effectLst>
+          <a:latin typeface="+mn-lt"/>
+          <a:ea typeface="+mn-ea"/>
+          <a:cs typeface="+mn-cs"/>
+        </a:defRPr>
+      </a:lvl8pPr>
+      <a:lvl9pPr marL="3106200" indent="-228600" algn="l" defTabSz="457200" rtl="0" eaLnBrk="1" latinLnBrk="1" hangingPunct="1">
+        <a:spcBef>
+          <a:spcPct val="20000"/>
+        </a:spcBef>
+        <a:spcAft>
+          <a:spcPts val="600"/>
+        </a:spcAft>
+        <a:buClr>
+          <a:schemeClr val="tx2"/>
+        </a:buClr>
+        <a:buSzPct val="70000"/>
+        <a:buFont typeface="Wingdings 2" charset="2"/>
+        <a:buChar char=""/>
+        <a:defRPr sz="1400" kern="1200">
+          <a:ln>
+            <a:solidFill>
+              <a:schemeClr val="bg1">
+                <a:lumMod val="75000"/>
+                <a:lumOff val="25000"/>
+                <a:alpha val="10000"/>
+              </a:schemeClr>
+            </a:solidFill>
+          </a:ln>
+          <a:solidFill>
+            <a:schemeClr val="tx2"/>
+          </a:solidFill>
+          <a:effectLst>
+            <a:outerShdw blurRad="9525" dist="25400" dir="14640000" algn="tl" rotWithShape="0">
+              <a:schemeClr val="bg1">
+                <a:alpha val="30000"/>
+              </a:schemeClr>
+            </a:outerShdw>
+          </a:effectLst>
+          <a:latin typeface="+mn-lt"/>
+          <a:ea typeface="+mn-ea"/>
+          <a:cs typeface="+mn-cs"/>
+        </a:defRPr>
+      </a:lvl9pPr>
+    </p:bodyStyle>
+    <p:otherStyle>
+      <a:defPPr>
+        <a:defRPr lang="en-US"/>
+      </a:defPPr>
+      <a:lvl1pPr marL="0" algn="l" defTabSz="457200" rtl="0" eaLnBrk="1" latinLnBrk="1" hangingPunct="1">
+        <a:defRPr sz="1800" kern="1200">
           <a:solidFill>
             <a:schemeClr val="tx1"/>
           </a:solidFill>
@@ -3060,16 +5918,8 @@
           <a:cs typeface="+mn-cs"/>
         </a:defRPr>
       </a:lvl1pPr>
-      <a:lvl2pPr marL="685800" indent="-228600" algn="l" defTabSz="914400" rtl="0" eaLnBrk="1" latinLnBrk="1" hangingPunct="1">
-        <a:lnSpc>
-          <a:spcPct val="90000"/>
-        </a:lnSpc>
-        <a:spcBef>
-          <a:spcPts val="500"/>
-        </a:spcBef>
-        <a:buFont typeface="Arial" panose="020B0604020202020204" pitchFamily="34" charset="0"/>
-        <a:buChar char="•"/>
-        <a:defRPr sz="2400" kern="1200">
+      <a:lvl2pPr marL="457200" algn="l" defTabSz="457200" rtl="0" eaLnBrk="1" latinLnBrk="1" hangingPunct="1">
+        <a:defRPr sz="1800" kern="1200">
           <a:solidFill>
             <a:schemeClr val="tx1"/>
           </a:solidFill>
@@ -3078,16 +5928,8 @@
           <a:cs typeface="+mn-cs"/>
         </a:defRPr>
       </a:lvl2pPr>
-      <a:lvl3pPr marL="1143000" indent="-228600" algn="l" defTabSz="914400" rtl="0" eaLnBrk="1" latinLnBrk="1" hangingPunct="1">
-        <a:lnSpc>
-          <a:spcPct val="90000"/>
-        </a:lnSpc>
-        <a:spcBef>
-          <a:spcPts val="500"/>
-        </a:spcBef>
-        <a:buFont typeface="Arial" panose="020B0604020202020204" pitchFamily="34" charset="0"/>
-        <a:buChar char="•"/>
-        <a:defRPr sz="2000" kern="1200">
+      <a:lvl3pPr marL="914400" algn="l" defTabSz="457200" rtl="0" eaLnBrk="1" latinLnBrk="1" hangingPunct="1">
+        <a:defRPr sz="1800" kern="1200">
           <a:solidFill>
             <a:schemeClr val="tx1"/>
           </a:solidFill>
@@ -3096,15 +5938,7 @@
           <a:cs typeface="+mn-cs"/>
         </a:defRPr>
       </a:lvl3pPr>
-      <a:lvl4pPr marL="1600200" indent="-228600" algn="l" defTabSz="914400" rtl="0" eaLnBrk="1" latinLnBrk="1" hangingPunct="1">
-        <a:lnSpc>
-          <a:spcPct val="90000"/>
-        </a:lnSpc>
-        <a:spcBef>
-          <a:spcPts val="500"/>
-        </a:spcBef>
-        <a:buFont typeface="Arial" panose="020B0604020202020204" pitchFamily="34" charset="0"/>
-        <a:buChar char="•"/>
+      <a:lvl4pPr marL="1371600" algn="l" defTabSz="457200" rtl="0" eaLnBrk="1" latinLnBrk="1" hangingPunct="1">
         <a:defRPr sz="1800" kern="1200">
           <a:solidFill>
             <a:schemeClr val="tx1"/>
@@ -3114,15 +5948,7 @@
           <a:cs typeface="+mn-cs"/>
         </a:defRPr>
       </a:lvl4pPr>
-      <a:lvl5pPr marL="2057400" indent="-228600" algn="l" defTabSz="914400" rtl="0" eaLnBrk="1" latinLnBrk="1" hangingPunct="1">
-        <a:lnSpc>
-          <a:spcPct val="90000"/>
-        </a:lnSpc>
-        <a:spcBef>
-          <a:spcPts val="500"/>
-        </a:spcBef>
-        <a:buFont typeface="Arial" panose="020B0604020202020204" pitchFamily="34" charset="0"/>
-        <a:buChar char="•"/>
+      <a:lvl5pPr marL="1828800" algn="l" defTabSz="457200" rtl="0" eaLnBrk="1" latinLnBrk="1" hangingPunct="1">
         <a:defRPr sz="1800" kern="1200">
           <a:solidFill>
             <a:schemeClr val="tx1"/>
@@ -3132,15 +5958,7 @@
           <a:cs typeface="+mn-cs"/>
         </a:defRPr>
       </a:lvl5pPr>
-      <a:lvl6pPr marL="2514600" indent="-228600" algn="l" defTabSz="914400" rtl="0" eaLnBrk="1" latinLnBrk="1" hangingPunct="1">
-        <a:lnSpc>
-          <a:spcPct val="90000"/>
-        </a:lnSpc>
-        <a:spcBef>
-          <a:spcPts val="500"/>
-        </a:spcBef>
-        <a:buFont typeface="Arial" panose="020B0604020202020204" pitchFamily="34" charset="0"/>
-        <a:buChar char="•"/>
+      <a:lvl6pPr marL="2286000" algn="l" defTabSz="457200" rtl="0" eaLnBrk="1" latinLnBrk="1" hangingPunct="1">
         <a:defRPr sz="1800" kern="1200">
           <a:solidFill>
             <a:schemeClr val="tx1"/>
@@ -3150,15 +5968,7 @@
           <a:cs typeface="+mn-cs"/>
         </a:defRPr>
       </a:lvl6pPr>
-      <a:lvl7pPr marL="2971800" indent="-228600" algn="l" defTabSz="914400" rtl="0" eaLnBrk="1" latinLnBrk="1" hangingPunct="1">
-        <a:lnSpc>
-          <a:spcPct val="90000"/>
-        </a:lnSpc>
-        <a:spcBef>
-          <a:spcPts val="500"/>
-        </a:spcBef>
-        <a:buFont typeface="Arial" panose="020B0604020202020204" pitchFamily="34" charset="0"/>
-        <a:buChar char="•"/>
+      <a:lvl7pPr marL="2743200" algn="l" defTabSz="457200" rtl="0" eaLnBrk="1" latinLnBrk="1" hangingPunct="1">
         <a:defRPr sz="1800" kern="1200">
           <a:solidFill>
             <a:schemeClr val="tx1"/>
@@ -3168,15 +5978,7 @@
           <a:cs typeface="+mn-cs"/>
         </a:defRPr>
       </a:lvl7pPr>
-      <a:lvl8pPr marL="3429000" indent="-228600" algn="l" defTabSz="914400" rtl="0" eaLnBrk="1" latinLnBrk="1" hangingPunct="1">
-        <a:lnSpc>
-          <a:spcPct val="90000"/>
-        </a:lnSpc>
-        <a:spcBef>
-          <a:spcPts val="500"/>
-        </a:spcBef>
-        <a:buFont typeface="Arial" panose="020B0604020202020204" pitchFamily="34" charset="0"/>
-        <a:buChar char="•"/>
+      <a:lvl8pPr marL="3200400" algn="l" defTabSz="457200" rtl="0" eaLnBrk="1" latinLnBrk="1" hangingPunct="1">
         <a:defRPr sz="1800" kern="1200">
           <a:solidFill>
             <a:schemeClr val="tx1"/>
@@ -3186,110 +5988,7 @@
           <a:cs typeface="+mn-cs"/>
         </a:defRPr>
       </a:lvl8pPr>
-      <a:lvl9pPr marL="3886200" indent="-228600" algn="l" defTabSz="914400" rtl="0" eaLnBrk="1" latinLnBrk="1" hangingPunct="1">
-        <a:lnSpc>
-          <a:spcPct val="90000"/>
-        </a:lnSpc>
-        <a:spcBef>
-          <a:spcPts val="500"/>
-        </a:spcBef>
-        <a:buFont typeface="Arial" panose="020B0604020202020204" pitchFamily="34" charset="0"/>
-        <a:buChar char="•"/>
-        <a:defRPr sz="1800" kern="1200">
-          <a:solidFill>
-            <a:schemeClr val="tx1"/>
-          </a:solidFill>
-          <a:latin typeface="+mn-lt"/>
-          <a:ea typeface="+mn-ea"/>
-          <a:cs typeface="+mn-cs"/>
-        </a:defRPr>
-      </a:lvl9pPr>
-    </p:bodyStyle>
-    <p:otherStyle>
-      <a:defPPr>
-        <a:defRPr lang="ko-KR"/>
-      </a:defPPr>
-      <a:lvl1pPr marL="0" algn="l" defTabSz="914400" rtl="0" eaLnBrk="1" latinLnBrk="1" hangingPunct="1">
-        <a:defRPr sz="1800" kern="1200">
-          <a:solidFill>
-            <a:schemeClr val="tx1"/>
-          </a:solidFill>
-          <a:latin typeface="+mn-lt"/>
-          <a:ea typeface="+mn-ea"/>
-          <a:cs typeface="+mn-cs"/>
-        </a:defRPr>
-      </a:lvl1pPr>
-      <a:lvl2pPr marL="457200" algn="l" defTabSz="914400" rtl="0" eaLnBrk="1" latinLnBrk="1" hangingPunct="1">
-        <a:defRPr sz="1800" kern="1200">
-          <a:solidFill>
-            <a:schemeClr val="tx1"/>
-          </a:solidFill>
-          <a:latin typeface="+mn-lt"/>
-          <a:ea typeface="+mn-ea"/>
-          <a:cs typeface="+mn-cs"/>
-        </a:defRPr>
-      </a:lvl2pPr>
-      <a:lvl3pPr marL="914400" algn="l" defTabSz="914400" rtl="0" eaLnBrk="1" latinLnBrk="1" hangingPunct="1">
-        <a:defRPr sz="1800" kern="1200">
-          <a:solidFill>
-            <a:schemeClr val="tx1"/>
-          </a:solidFill>
-          <a:latin typeface="+mn-lt"/>
-          <a:ea typeface="+mn-ea"/>
-          <a:cs typeface="+mn-cs"/>
-        </a:defRPr>
-      </a:lvl3pPr>
-      <a:lvl4pPr marL="1371600" algn="l" defTabSz="914400" rtl="0" eaLnBrk="1" latinLnBrk="1" hangingPunct="1">
-        <a:defRPr sz="1800" kern="1200">
-          <a:solidFill>
-            <a:schemeClr val="tx1"/>
-          </a:solidFill>
-          <a:latin typeface="+mn-lt"/>
-          <a:ea typeface="+mn-ea"/>
-          <a:cs typeface="+mn-cs"/>
-        </a:defRPr>
-      </a:lvl4pPr>
-      <a:lvl5pPr marL="1828800" algn="l" defTabSz="914400" rtl="0" eaLnBrk="1" latinLnBrk="1" hangingPunct="1">
-        <a:defRPr sz="1800" kern="1200">
-          <a:solidFill>
-            <a:schemeClr val="tx1"/>
-          </a:solidFill>
-          <a:latin typeface="+mn-lt"/>
-          <a:ea typeface="+mn-ea"/>
-          <a:cs typeface="+mn-cs"/>
-        </a:defRPr>
-      </a:lvl5pPr>
-      <a:lvl6pPr marL="2286000" algn="l" defTabSz="914400" rtl="0" eaLnBrk="1" latinLnBrk="1" hangingPunct="1">
-        <a:defRPr sz="1800" kern="1200">
-          <a:solidFill>
-            <a:schemeClr val="tx1"/>
-          </a:solidFill>
-          <a:latin typeface="+mn-lt"/>
-          <a:ea typeface="+mn-ea"/>
-          <a:cs typeface="+mn-cs"/>
-        </a:defRPr>
-      </a:lvl6pPr>
-      <a:lvl7pPr marL="2743200" algn="l" defTabSz="914400" rtl="0" eaLnBrk="1" latinLnBrk="1" hangingPunct="1">
-        <a:defRPr sz="1800" kern="1200">
-          <a:solidFill>
-            <a:schemeClr val="tx1"/>
-          </a:solidFill>
-          <a:latin typeface="+mn-lt"/>
-          <a:ea typeface="+mn-ea"/>
-          <a:cs typeface="+mn-cs"/>
-        </a:defRPr>
-      </a:lvl7pPr>
-      <a:lvl8pPr marL="3200400" algn="l" defTabSz="914400" rtl="0" eaLnBrk="1" latinLnBrk="1" hangingPunct="1">
-        <a:defRPr sz="1800" kern="1200">
-          <a:solidFill>
-            <a:schemeClr val="tx1"/>
-          </a:solidFill>
-          <a:latin typeface="+mn-lt"/>
-          <a:ea typeface="+mn-ea"/>
-          <a:cs typeface="+mn-cs"/>
-        </a:defRPr>
-      </a:lvl8pPr>
-      <a:lvl9pPr marL="3657600" algn="l" defTabSz="914400" rtl="0" eaLnBrk="1" latinLnBrk="1" hangingPunct="1">
+      <a:lvl9pPr marL="3657600" algn="l" defTabSz="457200" rtl="0" eaLnBrk="1" latinLnBrk="1" hangingPunct="1">
         <a:defRPr sz="1800" kern="1200">
           <a:solidFill>
             <a:schemeClr val="tx1"/>
@@ -5628,13 +8327,13 @@
           <p:nvPr>
             <p:extLst>
               <p:ext uri="{D42A27DB-BD31-4B8C-83A1-F6EECF244321}">
-                <p14:modId xmlns:p14="http://schemas.microsoft.com/office/powerpoint/2010/main" val="1356095182"/>
+                <p14:modId xmlns:p14="http://schemas.microsoft.com/office/powerpoint/2010/main" val="1207148000"/>
               </p:ext>
             </p:extLst>
           </p:nvPr>
         </p:nvGraphicFramePr>
         <p:xfrm>
-          <a:off x="7059753" y="4282221"/>
+          <a:off x="7059753" y="1848017"/>
           <a:ext cx="2895599" cy="2042160"/>
         </p:xfrm>
         <a:graphic>
@@ -5663,7 +8362,7 @@
                         <a:rPr lang="en-US" altLang="ko-KR" sz="1400" b="0" dirty="0">
                           <a:latin typeface="Consolas" panose="020B0609020204030204" pitchFamily="49" charset="0"/>
                         </a:rPr>
-                        <a:t>Case 6:</a:t>
+                        <a:t>Case 7:</a:t>
                       </a:r>
                       <a:endParaRPr lang="ko-KR" altLang="en-US" sz="1400" b="0" dirty="0">
                         <a:latin typeface="Consolas" panose="020B0609020204030204" pitchFamily="49" charset="0"/>
@@ -6558,6 +9257,387 @@
           </a:graphicData>
         </a:graphic>
       </p:graphicFrame>
+      <p:graphicFrame>
+        <p:nvGraphicFramePr>
+          <p:cNvPr id="16" name="표 15">
+            <a:extLst>
+              <a:ext uri="{FF2B5EF4-FFF2-40B4-BE49-F238E27FC236}">
+                <a16:creationId xmlns:a16="http://schemas.microsoft.com/office/drawing/2014/main" id="{A105A709-A182-460F-8827-65E74CBC7145}"/>
+              </a:ext>
+            </a:extLst>
+          </p:cNvPr>
+          <p:cNvGraphicFramePr>
+            <a:graphicFrameLocks noGrp="1"/>
+          </p:cNvGraphicFramePr>
+          <p:nvPr>
+            <p:extLst>
+              <p:ext uri="{D42A27DB-BD31-4B8C-83A1-F6EECF244321}">
+                <p14:modId xmlns:p14="http://schemas.microsoft.com/office/powerpoint/2010/main" val="3619275483"/>
+              </p:ext>
+            </p:extLst>
+          </p:nvPr>
+        </p:nvGraphicFramePr>
+        <p:xfrm>
+          <a:off x="7059752" y="4207001"/>
+          <a:ext cx="2895599" cy="2042160"/>
+        </p:xfrm>
+        <a:graphic>
+          <a:graphicData uri="http://schemas.openxmlformats.org/drawingml/2006/table">
+            <a:tbl>
+              <a:tblPr firstRow="1" bandRow="1">
+                <a:tableStyleId>{D27102A9-8310-4765-A935-A1911B00CA55}</a:tableStyleId>
+              </a:tblPr>
+              <a:tblGrid>
+                <a:gridCol w="2895599">
+                  <a:extLst>
+                    <a:ext uri="{9D8B030D-6E8A-4147-A177-3AD203B41FA5}">
+                      <a16:colId xmlns:a16="http://schemas.microsoft.com/office/drawing/2014/main" val="3221496983"/>
+                    </a:ext>
+                  </a:extLst>
+                </a:gridCol>
+              </a:tblGrid>
+              <a:tr h="149960">
+                <a:tc>
+                  <a:txBody>
+                    <a:bodyPr/>
+                    <a:lstStyle/>
+                    <a:p>
+                      <a:pPr algn="ctr" latinLnBrk="1"/>
+                      <a:r>
+                        <a:rPr lang="en-US" altLang="ko-KR" sz="1400" b="0" dirty="0">
+                          <a:latin typeface="Consolas" panose="020B0609020204030204" pitchFamily="49" charset="0"/>
+                        </a:rPr>
+                        <a:t>Case 8:</a:t>
+                      </a:r>
+                      <a:endParaRPr lang="ko-KR" altLang="en-US" sz="1400" b="0" dirty="0">
+                        <a:latin typeface="Consolas" panose="020B0609020204030204" pitchFamily="49" charset="0"/>
+                      </a:endParaRPr>
+                    </a:p>
+                  </a:txBody>
+                  <a:tcPr>
+                    <a:lnL w="12700" cap="flat" cmpd="sng" algn="ctr">
+                      <a:solidFill>
+                        <a:schemeClr val="accent2"/>
+                      </a:solidFill>
+                      <a:prstDash val="solid"/>
+                      <a:round/>
+                      <a:headEnd type="none" w="med" len="med"/>
+                      <a:tailEnd type="none" w="med" len="med"/>
+                    </a:lnL>
+                    <a:lnR w="12700" cap="flat" cmpd="sng" algn="ctr">
+                      <a:solidFill>
+                        <a:schemeClr val="accent2"/>
+                      </a:solidFill>
+                      <a:prstDash val="solid"/>
+                      <a:round/>
+                      <a:headEnd type="none" w="med" len="med"/>
+                      <a:tailEnd type="none" w="med" len="med"/>
+                    </a:lnR>
+                    <a:lnT w="12700" cap="flat" cmpd="sng" algn="ctr">
+                      <a:solidFill>
+                        <a:schemeClr val="accent2"/>
+                      </a:solidFill>
+                      <a:prstDash val="solid"/>
+                      <a:round/>
+                      <a:headEnd type="none" w="med" len="med"/>
+                      <a:tailEnd type="none" w="med" len="med"/>
+                    </a:lnT>
+                    <a:lnB w="12700" cap="flat" cmpd="sng" algn="ctr">
+                      <a:solidFill>
+                        <a:schemeClr val="accent2"/>
+                      </a:solidFill>
+                      <a:prstDash val="solid"/>
+                      <a:round/>
+                      <a:headEnd type="none" w="med" len="med"/>
+                      <a:tailEnd type="none" w="med" len="med"/>
+                    </a:lnB>
+                    <a:lnTlToBr w="12700" cmpd="sng">
+                      <a:noFill/>
+                      <a:prstDash val="solid"/>
+                    </a:lnTlToBr>
+                    <a:lnBlToTr w="12700" cmpd="sng">
+                      <a:noFill/>
+                      <a:prstDash val="solid"/>
+                    </a:lnBlToTr>
+                  </a:tcPr>
+                </a:tc>
+                <a:extLst>
+                  <a:ext uri="{0D108BD9-81ED-4DB2-BD59-A6C34878D82A}">
+                    <a16:rowId xmlns:a16="http://schemas.microsoft.com/office/drawing/2014/main" val="266702974"/>
+                  </a:ext>
+                </a:extLst>
+              </a:tr>
+              <a:tr h="369063">
+                <a:tc>
+                  <a:txBody>
+                    <a:bodyPr/>
+                    <a:lstStyle/>
+                    <a:p>
+                      <a:pPr algn="ctr" latinLnBrk="1"/>
+                      <a:r>
+                        <a:rPr lang="en-US" altLang="ko-KR" sz="1200" b="0" dirty="0">
+                          <a:solidFill>
+                            <a:schemeClr val="tx1"/>
+                          </a:solidFill>
+                          <a:latin typeface="Consolas" panose="020B0609020204030204" pitchFamily="49" charset="0"/>
+                        </a:rPr>
+                        <a:t># </a:t>
+                      </a:r>
+                      <a:r>
+                        <a:rPr lang="ko-KR" altLang="en-US" sz="1200" b="0" dirty="0">
+                          <a:solidFill>
+                            <a:schemeClr val="tx1"/>
+                          </a:solidFill>
+                          <a:latin typeface="Consolas" panose="020B0609020204030204" pitchFamily="49" charset="0"/>
+                        </a:rPr>
+                        <a:t>선택 된 </a:t>
+                      </a:r>
+                      <a:r>
+                        <a:rPr lang="en-US" altLang="ko-KR" sz="1200" b="0" dirty="0" err="1">
+                          <a:solidFill>
+                            <a:schemeClr val="tx1"/>
+                          </a:solidFill>
+                          <a:latin typeface="Consolas" panose="020B0609020204030204" pitchFamily="49" charset="0"/>
+                        </a:rPr>
+                        <a:t>ChessPiece</a:t>
+                      </a:r>
+                      <a:r>
+                        <a:rPr lang="ko-KR" altLang="en-US" sz="1200" b="0" dirty="0">
+                          <a:solidFill>
+                            <a:schemeClr val="tx1"/>
+                          </a:solidFill>
+                          <a:latin typeface="Consolas" panose="020B0609020204030204" pitchFamily="49" charset="0"/>
+                        </a:rPr>
+                        <a:t>가 있어야 </a:t>
+                      </a:r>
+                      <a:r>
+                        <a:rPr lang="en-US" altLang="ko-KR" sz="1200" b="0" dirty="0" err="1">
+                          <a:solidFill>
+                            <a:schemeClr val="tx1"/>
+                          </a:solidFill>
+                          <a:latin typeface="Consolas" panose="020B0609020204030204" pitchFamily="49" charset="0"/>
+                        </a:rPr>
+                        <a:t>MovePieceClass</a:t>
+                      </a:r>
+                      <a:r>
+                        <a:rPr lang="ko-KR" altLang="en-US" sz="1200" b="0" dirty="0">
+                          <a:solidFill>
+                            <a:schemeClr val="tx1"/>
+                          </a:solidFill>
+                          <a:latin typeface="Consolas" panose="020B0609020204030204" pitchFamily="49" charset="0"/>
+                        </a:rPr>
+                        <a:t>의 클릭이 성립됨</a:t>
+                      </a:r>
+                      <a:r>
+                        <a:rPr lang="en-US" altLang="ko-KR" sz="1200" b="0" dirty="0">
+                          <a:solidFill>
+                            <a:schemeClr val="tx1"/>
+                          </a:solidFill>
+                          <a:latin typeface="Consolas" panose="020B0609020204030204" pitchFamily="49" charset="0"/>
+                        </a:rPr>
+                        <a:t>.</a:t>
+                      </a:r>
+                    </a:p>
+                    <a:p>
+                      <a:pPr algn="ctr" latinLnBrk="1"/>
+                      <a:endParaRPr lang="en-US" altLang="ko-KR" sz="1200" b="0" dirty="0">
+                        <a:solidFill>
+                          <a:schemeClr val="tx1"/>
+                        </a:solidFill>
+                        <a:latin typeface="Consolas" panose="020B0609020204030204" pitchFamily="49" charset="0"/>
+                      </a:endParaRPr>
+                    </a:p>
+                    <a:p>
+                      <a:pPr algn="ctr" latinLnBrk="1"/>
+                      <a:r>
+                        <a:rPr lang="en-US" altLang="ko-KR" sz="1200" b="0" dirty="0">
+                          <a:solidFill>
+                            <a:schemeClr val="tx1"/>
+                          </a:solidFill>
+                          <a:latin typeface="Consolas" panose="020B0609020204030204" pitchFamily="49" charset="0"/>
+                        </a:rPr>
+                        <a:t>Case 7:</a:t>
+                      </a:r>
+                    </a:p>
+                    <a:p>
+                      <a:pPr algn="ctr" latinLnBrk="1"/>
+                      <a:r>
+                        <a:rPr lang="ko-KR" altLang="en-US" sz="1200" b="0" dirty="0">
+                          <a:solidFill>
+                            <a:schemeClr val="tx1"/>
+                          </a:solidFill>
+                          <a:latin typeface="Consolas" panose="020B0609020204030204" pitchFamily="49" charset="0"/>
+                        </a:rPr>
+                        <a:t>선택 된 </a:t>
+                      </a:r>
+                      <a:r>
+                        <a:rPr lang="en-US" altLang="ko-KR" sz="1200" b="0" dirty="0" err="1">
+                          <a:solidFill>
+                            <a:schemeClr val="tx1"/>
+                          </a:solidFill>
+                          <a:latin typeface="Consolas" panose="020B0609020204030204" pitchFamily="49" charset="0"/>
+                        </a:rPr>
+                        <a:t>ChessPiece</a:t>
+                      </a:r>
+                      <a:r>
+                        <a:rPr lang="ko-KR" altLang="en-US" sz="1200" b="0" dirty="0">
+                          <a:solidFill>
+                            <a:schemeClr val="tx1"/>
+                          </a:solidFill>
+                          <a:latin typeface="Consolas" panose="020B0609020204030204" pitchFamily="49" charset="0"/>
+                        </a:rPr>
+                        <a:t>가 </a:t>
+                      </a:r>
+                      <a:r>
+                        <a:rPr lang="en-US" altLang="ko-KR" sz="1200" b="0" dirty="0" err="1">
+                          <a:solidFill>
+                            <a:schemeClr val="tx1"/>
+                          </a:solidFill>
+                          <a:latin typeface="Consolas" panose="020B0609020204030204" pitchFamily="49" charset="0"/>
+                        </a:rPr>
+                        <a:t>SameTeam</a:t>
+                      </a:r>
+                      <a:endParaRPr lang="en-US" altLang="ko-KR" sz="1200" b="0" dirty="0">
+                        <a:solidFill>
+                          <a:schemeClr val="tx1"/>
+                        </a:solidFill>
+                        <a:latin typeface="Consolas" panose="020B0609020204030204" pitchFamily="49" charset="0"/>
+                      </a:endParaRPr>
+                    </a:p>
+                    <a:p>
+                      <a:pPr algn="ctr" latinLnBrk="1"/>
+                      <a:endParaRPr lang="en-US" altLang="ko-KR" sz="1200" b="0" dirty="0">
+                        <a:solidFill>
+                          <a:schemeClr val="tx1"/>
+                        </a:solidFill>
+                        <a:latin typeface="Consolas" panose="020B0609020204030204" pitchFamily="49" charset="0"/>
+                      </a:endParaRPr>
+                    </a:p>
+                    <a:p>
+                      <a:pPr algn="ctr" latinLnBrk="1"/>
+                      <a:r>
+                        <a:rPr lang="en-US" altLang="ko-KR" sz="1200" b="0" dirty="0">
+                          <a:solidFill>
+                            <a:schemeClr val="tx1"/>
+                          </a:solidFill>
+                          <a:latin typeface="Consolas" panose="020B0609020204030204" pitchFamily="49" charset="0"/>
+                        </a:rPr>
+                        <a:t>Case 8:</a:t>
+                      </a:r>
+                    </a:p>
+                    <a:p>
+                      <a:pPr algn="ctr" latinLnBrk="1"/>
+                      <a:r>
+                        <a:rPr lang="ko-KR" altLang="en-US" sz="1200" b="0" dirty="0">
+                          <a:solidFill>
+                            <a:schemeClr val="tx1"/>
+                          </a:solidFill>
+                          <a:latin typeface="Consolas" panose="020B0609020204030204" pitchFamily="49" charset="0"/>
+                        </a:rPr>
+                        <a:t>선택 된 </a:t>
+                      </a:r>
+                      <a:r>
+                        <a:rPr lang="en-US" altLang="ko-KR" sz="1200" b="0" dirty="0" err="1">
+                          <a:solidFill>
+                            <a:schemeClr val="tx1"/>
+                          </a:solidFill>
+                          <a:latin typeface="Consolas" panose="020B0609020204030204" pitchFamily="49" charset="0"/>
+                        </a:rPr>
+                        <a:t>ChessPiece</a:t>
+                      </a:r>
+                      <a:r>
+                        <a:rPr lang="ko-KR" altLang="en-US" sz="1200" b="0" dirty="0">
+                          <a:solidFill>
+                            <a:schemeClr val="tx1"/>
+                          </a:solidFill>
+                          <a:latin typeface="Consolas" panose="020B0609020204030204" pitchFamily="49" charset="0"/>
+                        </a:rPr>
+                        <a:t>가 </a:t>
+                      </a:r>
+                      <a:r>
+                        <a:rPr lang="en-US" altLang="ko-KR" sz="1200" b="0" dirty="0" err="1">
+                          <a:solidFill>
+                            <a:schemeClr val="tx1"/>
+                          </a:solidFill>
+                          <a:latin typeface="Consolas" panose="020B0609020204030204" pitchFamily="49" charset="0"/>
+                        </a:rPr>
+                        <a:t>OtherTeam</a:t>
+                      </a:r>
+                      <a:endParaRPr lang="en-US" altLang="ko-KR" sz="1200" b="0" dirty="0">
+                        <a:solidFill>
+                          <a:schemeClr val="tx1"/>
+                        </a:solidFill>
+                        <a:latin typeface="Consolas" panose="020B0609020204030204" pitchFamily="49" charset="0"/>
+                      </a:endParaRPr>
+                    </a:p>
+                    <a:p>
+                      <a:pPr algn="ctr" latinLnBrk="1"/>
+                      <a:endParaRPr lang="en-US" altLang="ko-KR" sz="1200" b="0" dirty="0">
+                        <a:solidFill>
+                          <a:schemeClr val="tx1"/>
+                        </a:solidFill>
+                        <a:latin typeface="Consolas" panose="020B0609020204030204" pitchFamily="49" charset="0"/>
+                      </a:endParaRPr>
+                    </a:p>
+                  </a:txBody>
+                  <a:tcPr anchor="ctr">
+                    <a:lnL w="12700" cap="flat" cmpd="sng" algn="ctr">
+                      <a:solidFill>
+                        <a:schemeClr val="accent2"/>
+                      </a:solidFill>
+                      <a:prstDash val="solid"/>
+                      <a:round/>
+                      <a:headEnd type="none" w="med" len="med"/>
+                      <a:tailEnd type="none" w="med" len="med"/>
+                    </a:lnL>
+                    <a:lnR w="12700" cap="flat" cmpd="sng" algn="ctr">
+                      <a:solidFill>
+                        <a:schemeClr val="accent2"/>
+                      </a:solidFill>
+                      <a:prstDash val="solid"/>
+                      <a:round/>
+                      <a:headEnd type="none" w="med" len="med"/>
+                      <a:tailEnd type="none" w="med" len="med"/>
+                    </a:lnR>
+                    <a:lnT w="12700" cap="flat" cmpd="sng" algn="ctr">
+                      <a:solidFill>
+                        <a:schemeClr val="accent2"/>
+                      </a:solidFill>
+                      <a:prstDash val="solid"/>
+                      <a:round/>
+                      <a:headEnd type="none" w="med" len="med"/>
+                      <a:tailEnd type="none" w="med" len="med"/>
+                    </a:lnT>
+                    <a:lnB w="12700" cap="flat" cmpd="sng" algn="ctr">
+                      <a:solidFill>
+                        <a:schemeClr val="accent2"/>
+                      </a:solidFill>
+                      <a:prstDash val="solid"/>
+                      <a:round/>
+                      <a:headEnd type="none" w="med" len="med"/>
+                      <a:tailEnd type="none" w="med" len="med"/>
+                    </a:lnB>
+                    <a:lnTlToBr w="12700" cmpd="sng">
+                      <a:noFill/>
+                      <a:prstDash val="solid"/>
+                    </a:lnTlToBr>
+                    <a:lnBlToTr w="12700" cmpd="sng">
+                      <a:noFill/>
+                      <a:prstDash val="solid"/>
+                    </a:lnBlToTr>
+                    <a:noFill/>
+                  </a:tcPr>
+                </a:tc>
+                <a:extLst>
+                  <a:ext uri="{0D108BD9-81ED-4DB2-BD59-A6C34878D82A}">
+                    <a16:rowId xmlns:a16="http://schemas.microsoft.com/office/drawing/2014/main" val="2940528510"/>
+                  </a:ext>
+                </a:extLst>
+              </a:tr>
+            </a:tbl>
+          </a:graphicData>
+        </a:graphic>
+      </p:graphicFrame>
     </p:spTree>
     <p:extLst>
       <p:ext uri="{BB962C8B-B14F-4D97-AF65-F5344CB8AC3E}">
@@ -6571,10 +9651,1058 @@
 </p:sld>
 </file>
 
+<file path=ppt/slides/slide2.xml><?xml version="1.0" encoding="utf-8"?>
+<p:sld xmlns:a="http://schemas.openxmlformats.org/drawingml/2006/main" xmlns:r="http://schemas.openxmlformats.org/officeDocument/2006/relationships" xmlns:p="http://schemas.openxmlformats.org/presentationml/2006/main">
+  <p:cSld>
+    <p:spTree>
+      <p:nvGrpSpPr>
+        <p:cNvPr id="1" name=""/>
+        <p:cNvGrpSpPr/>
+        <p:nvPr/>
+      </p:nvGrpSpPr>
+      <p:grpSpPr>
+        <a:xfrm>
+          <a:off x="0" y="0"/>
+          <a:ext cx="0" cy="0"/>
+          <a:chOff x="0" y="0"/>
+          <a:chExt cx="0" cy="0"/>
+        </a:xfrm>
+      </p:grpSpPr>
+      <p:graphicFrame>
+        <p:nvGraphicFramePr>
+          <p:cNvPr id="4" name="표 3">
+            <a:extLst>
+              <a:ext uri="{FF2B5EF4-FFF2-40B4-BE49-F238E27FC236}">
+                <a16:creationId xmlns:a16="http://schemas.microsoft.com/office/drawing/2014/main" id="{297E4CC2-43FE-4614-B9DA-D70BAE891502}"/>
+              </a:ext>
+            </a:extLst>
+          </p:cNvPr>
+          <p:cNvGraphicFramePr>
+            <a:graphicFrameLocks noGrp="1"/>
+          </p:cNvGraphicFramePr>
+          <p:nvPr>
+            <p:extLst>
+              <p:ext uri="{D42A27DB-BD31-4B8C-83A1-F6EECF244321}">
+                <p14:modId xmlns:p14="http://schemas.microsoft.com/office/powerpoint/2010/main" val="952587255"/>
+              </p:ext>
+            </p:extLst>
+          </p:nvPr>
+        </p:nvGraphicFramePr>
+        <p:xfrm>
+          <a:off x="179382" y="197825"/>
+          <a:ext cx="2236647" cy="853440"/>
+        </p:xfrm>
+        <a:graphic>
+          <a:graphicData uri="http://schemas.openxmlformats.org/drawingml/2006/table">
+            <a:tbl>
+              <a:tblPr firstRow="1" bandRow="1">
+                <a:tableStyleId>{D27102A9-8310-4765-A935-A1911B00CA55}</a:tableStyleId>
+              </a:tblPr>
+              <a:tblGrid>
+                <a:gridCol w="2236647">
+                  <a:extLst>
+                    <a:ext uri="{9D8B030D-6E8A-4147-A177-3AD203B41FA5}">
+                      <a16:colId xmlns:a16="http://schemas.microsoft.com/office/drawing/2014/main" val="3221496983"/>
+                    </a:ext>
+                  </a:extLst>
+                </a:gridCol>
+              </a:tblGrid>
+              <a:tr h="0">
+                <a:tc>
+                  <a:txBody>
+                    <a:bodyPr/>
+                    <a:lstStyle/>
+                    <a:p>
+                      <a:pPr algn="ctr" latinLnBrk="1"/>
+                      <a:r>
+                        <a:rPr lang="en-US" altLang="ko-KR" sz="1400" b="0" dirty="0">
+                          <a:latin typeface="Consolas" panose="020B0609020204030204" pitchFamily="49" charset="0"/>
+                        </a:rPr>
+                        <a:t>Game</a:t>
+                      </a:r>
+                      <a:r>
+                        <a:rPr lang="ko-KR" altLang="en-US" sz="1400" b="0" dirty="0">
+                          <a:latin typeface="Consolas" panose="020B0609020204030204" pitchFamily="49" charset="0"/>
+                        </a:rPr>
+                        <a:t> </a:t>
+                      </a:r>
+                      <a:r>
+                        <a:rPr lang="en-US" altLang="ko-KR" sz="1400" b="0" dirty="0">
+                          <a:latin typeface="Consolas" panose="020B0609020204030204" pitchFamily="49" charset="0"/>
+                        </a:rPr>
+                        <a:t>mode</a:t>
+                      </a:r>
+                      <a:endParaRPr lang="ko-KR" altLang="en-US" sz="1400" b="0" dirty="0">
+                        <a:latin typeface="Consolas" panose="020B0609020204030204" pitchFamily="49" charset="0"/>
+                      </a:endParaRPr>
+                    </a:p>
+                  </a:txBody>
+                  <a:tcPr>
+                    <a:lnL w="12700" cap="flat" cmpd="sng" algn="ctr">
+                      <a:solidFill>
+                        <a:schemeClr val="accent2"/>
+                      </a:solidFill>
+                      <a:prstDash val="solid"/>
+                      <a:round/>
+                      <a:headEnd type="none" w="med" len="med"/>
+                      <a:tailEnd type="none" w="med" len="med"/>
+                    </a:lnL>
+                    <a:lnR w="12700" cap="flat" cmpd="sng" algn="ctr">
+                      <a:solidFill>
+                        <a:schemeClr val="accent2"/>
+                      </a:solidFill>
+                      <a:prstDash val="solid"/>
+                      <a:round/>
+                      <a:headEnd type="none" w="med" len="med"/>
+                      <a:tailEnd type="none" w="med" len="med"/>
+                    </a:lnR>
+                    <a:lnT w="12700" cap="flat" cmpd="sng" algn="ctr">
+                      <a:solidFill>
+                        <a:schemeClr val="accent2"/>
+                      </a:solidFill>
+                      <a:prstDash val="solid"/>
+                      <a:round/>
+                      <a:headEnd type="none" w="med" len="med"/>
+                      <a:tailEnd type="none" w="med" len="med"/>
+                    </a:lnT>
+                    <a:lnB w="12700" cap="flat" cmpd="sng" algn="ctr">
+                      <a:solidFill>
+                        <a:schemeClr val="accent2"/>
+                      </a:solidFill>
+                      <a:prstDash val="solid"/>
+                      <a:round/>
+                      <a:headEnd type="none" w="med" len="med"/>
+                      <a:tailEnd type="none" w="med" len="med"/>
+                    </a:lnB>
+                    <a:lnTlToBr w="12700" cmpd="sng">
+                      <a:noFill/>
+                      <a:prstDash val="solid"/>
+                    </a:lnTlToBr>
+                    <a:lnBlToTr w="12700" cmpd="sng">
+                      <a:noFill/>
+                      <a:prstDash val="solid"/>
+                    </a:lnBlToTr>
+                  </a:tcPr>
+                </a:tc>
+                <a:extLst>
+                  <a:ext uri="{0D108BD9-81ED-4DB2-BD59-A6C34878D82A}">
+                    <a16:rowId xmlns:a16="http://schemas.microsoft.com/office/drawing/2014/main" val="266702974"/>
+                  </a:ext>
+                </a:extLst>
+              </a:tr>
+              <a:tr h="288147">
+                <a:tc>
+                  <a:txBody>
+                    <a:bodyPr/>
+                    <a:lstStyle/>
+                    <a:p>
+                      <a:pPr algn="l" latinLnBrk="1"/>
+                      <a:r>
+                        <a:rPr lang="en-US" altLang="ko-KR" sz="1000" b="0" dirty="0">
+                          <a:solidFill>
+                            <a:schemeClr val="tx1"/>
+                          </a:solidFill>
+                          <a:latin typeface="Consolas" panose="020B0609020204030204" pitchFamily="49" charset="0"/>
+                        </a:rPr>
+                        <a:t>First : 2Player Game</a:t>
+                      </a:r>
+                    </a:p>
+                    <a:p>
+                      <a:pPr algn="l" latinLnBrk="1"/>
+                      <a:r>
+                        <a:rPr lang="en-US" altLang="ko-KR" sz="1000" b="0" dirty="0">
+                          <a:solidFill>
+                            <a:schemeClr val="tx1"/>
+                          </a:solidFill>
+                          <a:latin typeface="Consolas" panose="020B0609020204030204" pitchFamily="49" charset="0"/>
+                        </a:rPr>
+                        <a:t>Second: AI Play Game</a:t>
+                      </a:r>
+                    </a:p>
+                    <a:p>
+                      <a:pPr algn="l" latinLnBrk="1"/>
+                      <a:r>
+                        <a:rPr lang="en-US" altLang="ko-KR" sz="1000" b="0" dirty="0">
+                          <a:solidFill>
+                            <a:schemeClr val="tx1"/>
+                          </a:solidFill>
+                          <a:latin typeface="Consolas" panose="020B0609020204030204" pitchFamily="49" charset="0"/>
+                        </a:rPr>
+                        <a:t>Third : Multiplayer Game</a:t>
+                      </a:r>
+                    </a:p>
+                  </a:txBody>
+                  <a:tcPr anchor="ctr">
+                    <a:lnL w="12700" cap="flat" cmpd="sng" algn="ctr">
+                      <a:solidFill>
+                        <a:schemeClr val="accent2"/>
+                      </a:solidFill>
+                      <a:prstDash val="solid"/>
+                      <a:round/>
+                      <a:headEnd type="none" w="med" len="med"/>
+                      <a:tailEnd type="none" w="med" len="med"/>
+                    </a:lnL>
+                    <a:lnR w="12700" cap="flat" cmpd="sng" algn="ctr">
+                      <a:solidFill>
+                        <a:schemeClr val="accent2"/>
+                      </a:solidFill>
+                      <a:prstDash val="solid"/>
+                      <a:round/>
+                      <a:headEnd type="none" w="med" len="med"/>
+                      <a:tailEnd type="none" w="med" len="med"/>
+                    </a:lnR>
+                    <a:lnT w="12700" cap="flat" cmpd="sng" algn="ctr">
+                      <a:solidFill>
+                        <a:schemeClr val="accent2"/>
+                      </a:solidFill>
+                      <a:prstDash val="solid"/>
+                      <a:round/>
+                      <a:headEnd type="none" w="med" len="med"/>
+                      <a:tailEnd type="none" w="med" len="med"/>
+                    </a:lnT>
+                    <a:lnB w="12700" cap="flat" cmpd="sng" algn="ctr">
+                      <a:solidFill>
+                        <a:schemeClr val="accent2"/>
+                      </a:solidFill>
+                      <a:prstDash val="solid"/>
+                      <a:round/>
+                      <a:headEnd type="none" w="med" len="med"/>
+                      <a:tailEnd type="none" w="med" len="med"/>
+                    </a:lnB>
+                    <a:lnTlToBr w="12700" cmpd="sng">
+                      <a:noFill/>
+                      <a:prstDash val="solid"/>
+                    </a:lnTlToBr>
+                    <a:lnBlToTr w="12700" cmpd="sng">
+                      <a:noFill/>
+                      <a:prstDash val="solid"/>
+                    </a:lnBlToTr>
+                    <a:noFill/>
+                  </a:tcPr>
+                </a:tc>
+                <a:extLst>
+                  <a:ext uri="{0D108BD9-81ED-4DB2-BD59-A6C34878D82A}">
+                    <a16:rowId xmlns:a16="http://schemas.microsoft.com/office/drawing/2014/main" val="2940528510"/>
+                  </a:ext>
+                </a:extLst>
+              </a:tr>
+            </a:tbl>
+          </a:graphicData>
+        </a:graphic>
+      </p:graphicFrame>
+      <p:graphicFrame>
+        <p:nvGraphicFramePr>
+          <p:cNvPr id="3" name="표 2">
+            <a:extLst>
+              <a:ext uri="{FF2B5EF4-FFF2-40B4-BE49-F238E27FC236}">
+                <a16:creationId xmlns:a16="http://schemas.microsoft.com/office/drawing/2014/main" id="{4C7020E3-BA78-4274-940D-9E816B3959BB}"/>
+              </a:ext>
+            </a:extLst>
+          </p:cNvPr>
+          <p:cNvGraphicFramePr>
+            <a:graphicFrameLocks noGrp="1"/>
+          </p:cNvGraphicFramePr>
+          <p:nvPr>
+            <p:extLst>
+              <p:ext uri="{D42A27DB-BD31-4B8C-83A1-F6EECF244321}">
+                <p14:modId xmlns:p14="http://schemas.microsoft.com/office/powerpoint/2010/main" val="1331290525"/>
+              </p:ext>
+            </p:extLst>
+          </p:nvPr>
+        </p:nvGraphicFramePr>
+        <p:xfrm>
+          <a:off x="3200401" y="328071"/>
+          <a:ext cx="2895599" cy="592947"/>
+        </p:xfrm>
+        <a:graphic>
+          <a:graphicData uri="http://schemas.openxmlformats.org/drawingml/2006/table">
+            <a:tbl>
+              <a:tblPr firstRow="1" bandRow="1">
+                <a:tableStyleId>{D27102A9-8310-4765-A935-A1911B00CA55}</a:tableStyleId>
+              </a:tblPr>
+              <a:tblGrid>
+                <a:gridCol w="2895599">
+                  <a:extLst>
+                    <a:ext uri="{9D8B030D-6E8A-4147-A177-3AD203B41FA5}">
+                      <a16:colId xmlns:a16="http://schemas.microsoft.com/office/drawing/2014/main" val="3221496983"/>
+                    </a:ext>
+                  </a:extLst>
+                </a:gridCol>
+              </a:tblGrid>
+              <a:tr h="0">
+                <a:tc>
+                  <a:txBody>
+                    <a:bodyPr/>
+                    <a:lstStyle/>
+                    <a:p>
+                      <a:pPr algn="ctr" latinLnBrk="1"/>
+                      <a:r>
+                        <a:rPr lang="en-US" altLang="ko-KR" sz="1400" b="0" dirty="0">
+                          <a:latin typeface="Consolas" panose="020B0609020204030204" pitchFamily="49" charset="0"/>
+                        </a:rPr>
+                        <a:t>Chess Player 1</a:t>
+                      </a:r>
+                      <a:endParaRPr lang="ko-KR" altLang="en-US" sz="1400" b="0" dirty="0">
+                        <a:latin typeface="Consolas" panose="020B0609020204030204" pitchFamily="49" charset="0"/>
+                      </a:endParaRPr>
+                    </a:p>
+                  </a:txBody>
+                  <a:tcPr>
+                    <a:lnL w="12700" cap="flat" cmpd="sng" algn="ctr">
+                      <a:solidFill>
+                        <a:schemeClr val="accent2"/>
+                      </a:solidFill>
+                      <a:prstDash val="solid"/>
+                      <a:round/>
+                      <a:headEnd type="none" w="med" len="med"/>
+                      <a:tailEnd type="none" w="med" len="med"/>
+                    </a:lnL>
+                    <a:lnR w="12700" cap="flat" cmpd="sng" algn="ctr">
+                      <a:solidFill>
+                        <a:schemeClr val="accent2"/>
+                      </a:solidFill>
+                      <a:prstDash val="solid"/>
+                      <a:round/>
+                      <a:headEnd type="none" w="med" len="med"/>
+                      <a:tailEnd type="none" w="med" len="med"/>
+                    </a:lnR>
+                    <a:lnT w="12700" cap="flat" cmpd="sng" algn="ctr">
+                      <a:solidFill>
+                        <a:schemeClr val="accent2"/>
+                      </a:solidFill>
+                      <a:prstDash val="solid"/>
+                      <a:round/>
+                      <a:headEnd type="none" w="med" len="med"/>
+                      <a:tailEnd type="none" w="med" len="med"/>
+                    </a:lnT>
+                    <a:lnB w="12700" cap="flat" cmpd="sng" algn="ctr">
+                      <a:solidFill>
+                        <a:schemeClr val="accent2"/>
+                      </a:solidFill>
+                      <a:prstDash val="solid"/>
+                      <a:round/>
+                      <a:headEnd type="none" w="med" len="med"/>
+                      <a:tailEnd type="none" w="med" len="med"/>
+                    </a:lnB>
+                    <a:lnTlToBr w="12700" cmpd="sng">
+                      <a:noFill/>
+                      <a:prstDash val="solid"/>
+                    </a:lnTlToBr>
+                    <a:lnBlToTr w="12700" cmpd="sng">
+                      <a:noFill/>
+                      <a:prstDash val="solid"/>
+                    </a:lnBlToTr>
+                  </a:tcPr>
+                </a:tc>
+                <a:extLst>
+                  <a:ext uri="{0D108BD9-81ED-4DB2-BD59-A6C34878D82A}">
+                    <a16:rowId xmlns:a16="http://schemas.microsoft.com/office/drawing/2014/main" val="266702974"/>
+                  </a:ext>
+                </a:extLst>
+              </a:tr>
+              <a:tr h="288147">
+                <a:tc>
+                  <a:txBody>
+                    <a:bodyPr/>
+                    <a:lstStyle/>
+                    <a:p>
+                      <a:pPr algn="l" latinLnBrk="1"/>
+                      <a:endParaRPr lang="en-US" altLang="ko-KR" sz="1000" b="0" dirty="0">
+                        <a:solidFill>
+                          <a:schemeClr val="tx1"/>
+                        </a:solidFill>
+                        <a:latin typeface="Consolas" panose="020B0609020204030204" pitchFamily="49" charset="0"/>
+                      </a:endParaRPr>
+                    </a:p>
+                  </a:txBody>
+                  <a:tcPr anchor="ctr">
+                    <a:lnL w="12700" cap="flat" cmpd="sng" algn="ctr">
+                      <a:solidFill>
+                        <a:schemeClr val="accent2"/>
+                      </a:solidFill>
+                      <a:prstDash val="solid"/>
+                      <a:round/>
+                      <a:headEnd type="none" w="med" len="med"/>
+                      <a:tailEnd type="none" w="med" len="med"/>
+                    </a:lnL>
+                    <a:lnR w="12700" cap="flat" cmpd="sng" algn="ctr">
+                      <a:solidFill>
+                        <a:schemeClr val="accent2"/>
+                      </a:solidFill>
+                      <a:prstDash val="solid"/>
+                      <a:round/>
+                      <a:headEnd type="none" w="med" len="med"/>
+                      <a:tailEnd type="none" w="med" len="med"/>
+                    </a:lnR>
+                    <a:lnT w="12700" cap="flat" cmpd="sng" algn="ctr">
+                      <a:solidFill>
+                        <a:schemeClr val="accent2"/>
+                      </a:solidFill>
+                      <a:prstDash val="solid"/>
+                      <a:round/>
+                      <a:headEnd type="none" w="med" len="med"/>
+                      <a:tailEnd type="none" w="med" len="med"/>
+                    </a:lnT>
+                    <a:lnB w="12700" cap="flat" cmpd="sng" algn="ctr">
+                      <a:solidFill>
+                        <a:schemeClr val="accent2"/>
+                      </a:solidFill>
+                      <a:prstDash val="solid"/>
+                      <a:round/>
+                      <a:headEnd type="none" w="med" len="med"/>
+                      <a:tailEnd type="none" w="med" len="med"/>
+                    </a:lnB>
+                    <a:lnTlToBr w="12700" cmpd="sng">
+                      <a:noFill/>
+                      <a:prstDash val="solid"/>
+                    </a:lnTlToBr>
+                    <a:lnBlToTr w="12700" cmpd="sng">
+                      <a:noFill/>
+                      <a:prstDash val="solid"/>
+                    </a:lnBlToTr>
+                    <a:noFill/>
+                  </a:tcPr>
+                </a:tc>
+                <a:extLst>
+                  <a:ext uri="{0D108BD9-81ED-4DB2-BD59-A6C34878D82A}">
+                    <a16:rowId xmlns:a16="http://schemas.microsoft.com/office/drawing/2014/main" val="2940528510"/>
+                  </a:ext>
+                </a:extLst>
+              </a:tr>
+            </a:tbl>
+          </a:graphicData>
+        </a:graphic>
+      </p:graphicFrame>
+      <p:graphicFrame>
+        <p:nvGraphicFramePr>
+          <p:cNvPr id="6" name="표 5">
+            <a:extLst>
+              <a:ext uri="{FF2B5EF4-FFF2-40B4-BE49-F238E27FC236}">
+                <a16:creationId xmlns:a16="http://schemas.microsoft.com/office/drawing/2014/main" id="{3E21887E-6A55-49D3-B695-5F00BFB6622A}"/>
+              </a:ext>
+            </a:extLst>
+          </p:cNvPr>
+          <p:cNvGraphicFramePr>
+            <a:graphicFrameLocks noGrp="1"/>
+          </p:cNvGraphicFramePr>
+          <p:nvPr>
+            <p:extLst>
+              <p:ext uri="{D42A27DB-BD31-4B8C-83A1-F6EECF244321}">
+                <p14:modId xmlns:p14="http://schemas.microsoft.com/office/powerpoint/2010/main" val="520362295"/>
+              </p:ext>
+            </p:extLst>
+          </p:nvPr>
+        </p:nvGraphicFramePr>
+        <p:xfrm>
+          <a:off x="3200400" y="1051265"/>
+          <a:ext cx="2895599" cy="592947"/>
+        </p:xfrm>
+        <a:graphic>
+          <a:graphicData uri="http://schemas.openxmlformats.org/drawingml/2006/table">
+            <a:tbl>
+              <a:tblPr firstRow="1" bandRow="1">
+                <a:tableStyleId>{D27102A9-8310-4765-A935-A1911B00CA55}</a:tableStyleId>
+              </a:tblPr>
+              <a:tblGrid>
+                <a:gridCol w="2895599">
+                  <a:extLst>
+                    <a:ext uri="{9D8B030D-6E8A-4147-A177-3AD203B41FA5}">
+                      <a16:colId xmlns:a16="http://schemas.microsoft.com/office/drawing/2014/main" val="3221496983"/>
+                    </a:ext>
+                  </a:extLst>
+                </a:gridCol>
+              </a:tblGrid>
+              <a:tr h="0">
+                <a:tc>
+                  <a:txBody>
+                    <a:bodyPr/>
+                    <a:lstStyle/>
+                    <a:p>
+                      <a:pPr algn="ctr" latinLnBrk="1"/>
+                      <a:r>
+                        <a:rPr lang="en-US" altLang="ko-KR" sz="1400" b="0" dirty="0">
+                          <a:latin typeface="Consolas" panose="020B0609020204030204" pitchFamily="49" charset="0"/>
+                        </a:rPr>
+                        <a:t>Chess Player 2</a:t>
+                      </a:r>
+                      <a:endParaRPr lang="ko-KR" altLang="en-US" sz="1400" b="0" dirty="0">
+                        <a:latin typeface="Consolas" panose="020B0609020204030204" pitchFamily="49" charset="0"/>
+                      </a:endParaRPr>
+                    </a:p>
+                  </a:txBody>
+                  <a:tcPr>
+                    <a:lnL w="12700" cap="flat" cmpd="sng" algn="ctr">
+                      <a:solidFill>
+                        <a:schemeClr val="accent2"/>
+                      </a:solidFill>
+                      <a:prstDash val="solid"/>
+                      <a:round/>
+                      <a:headEnd type="none" w="med" len="med"/>
+                      <a:tailEnd type="none" w="med" len="med"/>
+                    </a:lnL>
+                    <a:lnR w="12700" cap="flat" cmpd="sng" algn="ctr">
+                      <a:solidFill>
+                        <a:schemeClr val="accent2"/>
+                      </a:solidFill>
+                      <a:prstDash val="solid"/>
+                      <a:round/>
+                      <a:headEnd type="none" w="med" len="med"/>
+                      <a:tailEnd type="none" w="med" len="med"/>
+                    </a:lnR>
+                    <a:lnT w="12700" cap="flat" cmpd="sng" algn="ctr">
+                      <a:solidFill>
+                        <a:schemeClr val="accent2"/>
+                      </a:solidFill>
+                      <a:prstDash val="solid"/>
+                      <a:round/>
+                      <a:headEnd type="none" w="med" len="med"/>
+                      <a:tailEnd type="none" w="med" len="med"/>
+                    </a:lnT>
+                    <a:lnB w="12700" cap="flat" cmpd="sng" algn="ctr">
+                      <a:solidFill>
+                        <a:schemeClr val="accent2"/>
+                      </a:solidFill>
+                      <a:prstDash val="solid"/>
+                      <a:round/>
+                      <a:headEnd type="none" w="med" len="med"/>
+                      <a:tailEnd type="none" w="med" len="med"/>
+                    </a:lnB>
+                    <a:lnTlToBr w="12700" cmpd="sng">
+                      <a:noFill/>
+                      <a:prstDash val="solid"/>
+                    </a:lnTlToBr>
+                    <a:lnBlToTr w="12700" cmpd="sng">
+                      <a:noFill/>
+                      <a:prstDash val="solid"/>
+                    </a:lnBlToTr>
+                  </a:tcPr>
+                </a:tc>
+                <a:extLst>
+                  <a:ext uri="{0D108BD9-81ED-4DB2-BD59-A6C34878D82A}">
+                    <a16:rowId xmlns:a16="http://schemas.microsoft.com/office/drawing/2014/main" val="266702974"/>
+                  </a:ext>
+                </a:extLst>
+              </a:tr>
+              <a:tr h="288147">
+                <a:tc>
+                  <a:txBody>
+                    <a:bodyPr/>
+                    <a:lstStyle/>
+                    <a:p>
+                      <a:pPr algn="l" latinLnBrk="1"/>
+                      <a:endParaRPr lang="en-US" altLang="ko-KR" sz="1000" b="0" dirty="0">
+                        <a:solidFill>
+                          <a:schemeClr val="tx1"/>
+                        </a:solidFill>
+                        <a:latin typeface="Consolas" panose="020B0609020204030204" pitchFamily="49" charset="0"/>
+                      </a:endParaRPr>
+                    </a:p>
+                  </a:txBody>
+                  <a:tcPr anchor="ctr">
+                    <a:lnL w="12700" cap="flat" cmpd="sng" algn="ctr">
+                      <a:solidFill>
+                        <a:schemeClr val="accent2"/>
+                      </a:solidFill>
+                      <a:prstDash val="solid"/>
+                      <a:round/>
+                      <a:headEnd type="none" w="med" len="med"/>
+                      <a:tailEnd type="none" w="med" len="med"/>
+                    </a:lnL>
+                    <a:lnR w="12700" cap="flat" cmpd="sng" algn="ctr">
+                      <a:solidFill>
+                        <a:schemeClr val="accent2"/>
+                      </a:solidFill>
+                      <a:prstDash val="solid"/>
+                      <a:round/>
+                      <a:headEnd type="none" w="med" len="med"/>
+                      <a:tailEnd type="none" w="med" len="med"/>
+                    </a:lnR>
+                    <a:lnT w="12700" cap="flat" cmpd="sng" algn="ctr">
+                      <a:solidFill>
+                        <a:schemeClr val="accent2"/>
+                      </a:solidFill>
+                      <a:prstDash val="solid"/>
+                      <a:round/>
+                      <a:headEnd type="none" w="med" len="med"/>
+                      <a:tailEnd type="none" w="med" len="med"/>
+                    </a:lnT>
+                    <a:lnB w="12700" cap="flat" cmpd="sng" algn="ctr">
+                      <a:solidFill>
+                        <a:schemeClr val="accent2"/>
+                      </a:solidFill>
+                      <a:prstDash val="solid"/>
+                      <a:round/>
+                      <a:headEnd type="none" w="med" len="med"/>
+                      <a:tailEnd type="none" w="med" len="med"/>
+                    </a:lnB>
+                    <a:lnTlToBr w="12700" cmpd="sng">
+                      <a:noFill/>
+                      <a:prstDash val="solid"/>
+                    </a:lnTlToBr>
+                    <a:lnBlToTr w="12700" cmpd="sng">
+                      <a:noFill/>
+                      <a:prstDash val="solid"/>
+                    </a:lnBlToTr>
+                    <a:noFill/>
+                  </a:tcPr>
+                </a:tc>
+                <a:extLst>
+                  <a:ext uri="{0D108BD9-81ED-4DB2-BD59-A6C34878D82A}">
+                    <a16:rowId xmlns:a16="http://schemas.microsoft.com/office/drawing/2014/main" val="2940528510"/>
+                  </a:ext>
+                </a:extLst>
+              </a:tr>
+            </a:tbl>
+          </a:graphicData>
+        </a:graphic>
+      </p:graphicFrame>
+      <p:graphicFrame>
+        <p:nvGraphicFramePr>
+          <p:cNvPr id="7" name="표 6">
+            <a:extLst>
+              <a:ext uri="{FF2B5EF4-FFF2-40B4-BE49-F238E27FC236}">
+                <a16:creationId xmlns:a16="http://schemas.microsoft.com/office/drawing/2014/main" id="{7FE24775-F4E9-4B67-B368-877C67900BF6}"/>
+              </a:ext>
+            </a:extLst>
+          </p:cNvPr>
+          <p:cNvGraphicFramePr>
+            <a:graphicFrameLocks noGrp="1"/>
+          </p:cNvGraphicFramePr>
+          <p:nvPr>
+            <p:extLst>
+              <p:ext uri="{D42A27DB-BD31-4B8C-83A1-F6EECF244321}">
+                <p14:modId xmlns:p14="http://schemas.microsoft.com/office/powerpoint/2010/main" val="1250907664"/>
+              </p:ext>
+            </p:extLst>
+          </p:nvPr>
+        </p:nvGraphicFramePr>
+        <p:xfrm>
+          <a:off x="179382" y="1774459"/>
+          <a:ext cx="2416029" cy="592947"/>
+        </p:xfrm>
+        <a:graphic>
+          <a:graphicData uri="http://schemas.openxmlformats.org/drawingml/2006/table">
+            <a:tbl>
+              <a:tblPr firstRow="1" bandRow="1">
+                <a:tableStyleId>{D27102A9-8310-4765-A935-A1911B00CA55}</a:tableStyleId>
+              </a:tblPr>
+              <a:tblGrid>
+                <a:gridCol w="2416029">
+                  <a:extLst>
+                    <a:ext uri="{9D8B030D-6E8A-4147-A177-3AD203B41FA5}">
+                      <a16:colId xmlns:a16="http://schemas.microsoft.com/office/drawing/2014/main" val="3221496983"/>
+                    </a:ext>
+                  </a:extLst>
+                </a:gridCol>
+              </a:tblGrid>
+              <a:tr h="0">
+                <a:tc>
+                  <a:txBody>
+                    <a:bodyPr/>
+                    <a:lstStyle/>
+                    <a:p>
+                      <a:pPr algn="ctr" latinLnBrk="1"/>
+                      <a:r>
+                        <a:rPr lang="en-US" altLang="ko-KR" sz="1400" b="0" dirty="0">
+                          <a:latin typeface="Consolas" panose="020B0609020204030204" pitchFamily="49" charset="0"/>
+                        </a:rPr>
+                        <a:t>Game Start</a:t>
+                      </a:r>
+                      <a:endParaRPr lang="ko-KR" altLang="en-US" sz="1400" b="0" dirty="0">
+                        <a:latin typeface="Consolas" panose="020B0609020204030204" pitchFamily="49" charset="0"/>
+                      </a:endParaRPr>
+                    </a:p>
+                  </a:txBody>
+                  <a:tcPr>
+                    <a:lnL w="12700" cap="flat" cmpd="sng" algn="ctr">
+                      <a:solidFill>
+                        <a:schemeClr val="accent2"/>
+                      </a:solidFill>
+                      <a:prstDash val="solid"/>
+                      <a:round/>
+                      <a:headEnd type="none" w="med" len="med"/>
+                      <a:tailEnd type="none" w="med" len="med"/>
+                    </a:lnL>
+                    <a:lnR w="12700" cap="flat" cmpd="sng" algn="ctr">
+                      <a:solidFill>
+                        <a:schemeClr val="accent2"/>
+                      </a:solidFill>
+                      <a:prstDash val="solid"/>
+                      <a:round/>
+                      <a:headEnd type="none" w="med" len="med"/>
+                      <a:tailEnd type="none" w="med" len="med"/>
+                    </a:lnR>
+                    <a:lnT w="12700" cap="flat" cmpd="sng" algn="ctr">
+                      <a:solidFill>
+                        <a:schemeClr val="accent2"/>
+                      </a:solidFill>
+                      <a:prstDash val="solid"/>
+                      <a:round/>
+                      <a:headEnd type="none" w="med" len="med"/>
+                      <a:tailEnd type="none" w="med" len="med"/>
+                    </a:lnT>
+                    <a:lnB w="12700" cap="flat" cmpd="sng" algn="ctr">
+                      <a:solidFill>
+                        <a:schemeClr val="accent2"/>
+                      </a:solidFill>
+                      <a:prstDash val="solid"/>
+                      <a:round/>
+                      <a:headEnd type="none" w="med" len="med"/>
+                      <a:tailEnd type="none" w="med" len="med"/>
+                    </a:lnB>
+                    <a:lnTlToBr w="12700" cmpd="sng">
+                      <a:noFill/>
+                      <a:prstDash val="solid"/>
+                    </a:lnTlToBr>
+                    <a:lnBlToTr w="12700" cmpd="sng">
+                      <a:noFill/>
+                      <a:prstDash val="solid"/>
+                    </a:lnBlToTr>
+                  </a:tcPr>
+                </a:tc>
+                <a:extLst>
+                  <a:ext uri="{0D108BD9-81ED-4DB2-BD59-A6C34878D82A}">
+                    <a16:rowId xmlns:a16="http://schemas.microsoft.com/office/drawing/2014/main" val="266702974"/>
+                  </a:ext>
+                </a:extLst>
+              </a:tr>
+              <a:tr h="288147">
+                <a:tc>
+                  <a:txBody>
+                    <a:bodyPr/>
+                    <a:lstStyle/>
+                    <a:p>
+                      <a:pPr algn="l" latinLnBrk="1"/>
+                      <a:r>
+                        <a:rPr lang="en-US" altLang="ko-KR" sz="1000" b="0" dirty="0">
+                          <a:solidFill>
+                            <a:schemeClr val="tx1"/>
+                          </a:solidFill>
+                          <a:latin typeface="Consolas" panose="020B0609020204030204" pitchFamily="49" charset="0"/>
+                        </a:rPr>
+                        <a:t>With Animation</a:t>
+                      </a:r>
+                    </a:p>
+                  </a:txBody>
+                  <a:tcPr anchor="ctr">
+                    <a:lnL w="12700" cap="flat" cmpd="sng" algn="ctr">
+                      <a:solidFill>
+                        <a:schemeClr val="accent2"/>
+                      </a:solidFill>
+                      <a:prstDash val="solid"/>
+                      <a:round/>
+                      <a:headEnd type="none" w="med" len="med"/>
+                      <a:tailEnd type="none" w="med" len="med"/>
+                    </a:lnL>
+                    <a:lnR w="12700" cap="flat" cmpd="sng" algn="ctr">
+                      <a:solidFill>
+                        <a:schemeClr val="accent2"/>
+                      </a:solidFill>
+                      <a:prstDash val="solid"/>
+                      <a:round/>
+                      <a:headEnd type="none" w="med" len="med"/>
+                      <a:tailEnd type="none" w="med" len="med"/>
+                    </a:lnR>
+                    <a:lnT w="12700" cap="flat" cmpd="sng" algn="ctr">
+                      <a:solidFill>
+                        <a:schemeClr val="accent2"/>
+                      </a:solidFill>
+                      <a:prstDash val="solid"/>
+                      <a:round/>
+                      <a:headEnd type="none" w="med" len="med"/>
+                      <a:tailEnd type="none" w="med" len="med"/>
+                    </a:lnT>
+                    <a:lnB w="12700" cap="flat" cmpd="sng" algn="ctr">
+                      <a:solidFill>
+                        <a:schemeClr val="accent2"/>
+                      </a:solidFill>
+                      <a:prstDash val="solid"/>
+                      <a:round/>
+                      <a:headEnd type="none" w="med" len="med"/>
+                      <a:tailEnd type="none" w="med" len="med"/>
+                    </a:lnB>
+                    <a:lnTlToBr w="12700" cmpd="sng">
+                      <a:noFill/>
+                      <a:prstDash val="solid"/>
+                    </a:lnTlToBr>
+                    <a:lnBlToTr w="12700" cmpd="sng">
+                      <a:noFill/>
+                      <a:prstDash val="solid"/>
+                    </a:lnBlToTr>
+                    <a:noFill/>
+                  </a:tcPr>
+                </a:tc>
+                <a:extLst>
+                  <a:ext uri="{0D108BD9-81ED-4DB2-BD59-A6C34878D82A}">
+                    <a16:rowId xmlns:a16="http://schemas.microsoft.com/office/drawing/2014/main" val="2940528510"/>
+                  </a:ext>
+                </a:extLst>
+              </a:tr>
+            </a:tbl>
+          </a:graphicData>
+        </a:graphic>
+      </p:graphicFrame>
+      <p:graphicFrame>
+        <p:nvGraphicFramePr>
+          <p:cNvPr id="8" name="표 7">
+            <a:extLst>
+              <a:ext uri="{FF2B5EF4-FFF2-40B4-BE49-F238E27FC236}">
+                <a16:creationId xmlns:a16="http://schemas.microsoft.com/office/drawing/2014/main" id="{F18DDF57-9F10-4A8F-B99E-832FBF3157EA}"/>
+              </a:ext>
+            </a:extLst>
+          </p:cNvPr>
+          <p:cNvGraphicFramePr>
+            <a:graphicFrameLocks noGrp="1"/>
+          </p:cNvGraphicFramePr>
+          <p:nvPr>
+            <p:extLst>
+              <p:ext uri="{D42A27DB-BD31-4B8C-83A1-F6EECF244321}">
+                <p14:modId xmlns:p14="http://schemas.microsoft.com/office/powerpoint/2010/main" val="3670305878"/>
+              </p:ext>
+            </p:extLst>
+          </p:nvPr>
+        </p:nvGraphicFramePr>
+        <p:xfrm>
+          <a:off x="3200400" y="1774458"/>
+          <a:ext cx="1946245" cy="592947"/>
+        </p:xfrm>
+        <a:graphic>
+          <a:graphicData uri="http://schemas.openxmlformats.org/drawingml/2006/table">
+            <a:tbl>
+              <a:tblPr firstRow="1" bandRow="1">
+                <a:tableStyleId>{D27102A9-8310-4765-A935-A1911B00CA55}</a:tableStyleId>
+              </a:tblPr>
+              <a:tblGrid>
+                <a:gridCol w="1946245">
+                  <a:extLst>
+                    <a:ext uri="{9D8B030D-6E8A-4147-A177-3AD203B41FA5}">
+                      <a16:colId xmlns:a16="http://schemas.microsoft.com/office/drawing/2014/main" val="3221496983"/>
+                    </a:ext>
+                  </a:extLst>
+                </a:gridCol>
+              </a:tblGrid>
+              <a:tr h="0">
+                <a:tc>
+                  <a:txBody>
+                    <a:bodyPr/>
+                    <a:lstStyle/>
+                    <a:p>
+                      <a:pPr algn="ctr" latinLnBrk="1"/>
+                      <a:r>
+                        <a:rPr lang="en-US" altLang="ko-KR" sz="1400" b="0" dirty="0">
+                          <a:latin typeface="Consolas" panose="020B0609020204030204" pitchFamily="49" charset="0"/>
+                        </a:rPr>
+                        <a:t>Game Setting</a:t>
+                      </a:r>
+                      <a:endParaRPr lang="ko-KR" altLang="en-US" sz="1400" b="0" dirty="0">
+                        <a:latin typeface="Consolas" panose="020B0609020204030204" pitchFamily="49" charset="0"/>
+                      </a:endParaRPr>
+                    </a:p>
+                  </a:txBody>
+                  <a:tcPr>
+                    <a:lnL w="12700" cap="flat" cmpd="sng" algn="ctr">
+                      <a:solidFill>
+                        <a:schemeClr val="accent2"/>
+                      </a:solidFill>
+                      <a:prstDash val="solid"/>
+                      <a:round/>
+                      <a:headEnd type="none" w="med" len="med"/>
+                      <a:tailEnd type="none" w="med" len="med"/>
+                    </a:lnL>
+                    <a:lnR w="12700" cap="flat" cmpd="sng" algn="ctr">
+                      <a:solidFill>
+                        <a:schemeClr val="accent2"/>
+                      </a:solidFill>
+                      <a:prstDash val="solid"/>
+                      <a:round/>
+                      <a:headEnd type="none" w="med" len="med"/>
+                      <a:tailEnd type="none" w="med" len="med"/>
+                    </a:lnR>
+                    <a:lnT w="12700" cap="flat" cmpd="sng" algn="ctr">
+                      <a:solidFill>
+                        <a:schemeClr val="accent2"/>
+                      </a:solidFill>
+                      <a:prstDash val="solid"/>
+                      <a:round/>
+                      <a:headEnd type="none" w="med" len="med"/>
+                      <a:tailEnd type="none" w="med" len="med"/>
+                    </a:lnT>
+                    <a:lnB w="12700" cap="flat" cmpd="sng" algn="ctr">
+                      <a:solidFill>
+                        <a:schemeClr val="accent2"/>
+                      </a:solidFill>
+                      <a:prstDash val="solid"/>
+                      <a:round/>
+                      <a:headEnd type="none" w="med" len="med"/>
+                      <a:tailEnd type="none" w="med" len="med"/>
+                    </a:lnB>
+                    <a:lnTlToBr w="12700" cmpd="sng">
+                      <a:noFill/>
+                      <a:prstDash val="solid"/>
+                    </a:lnTlToBr>
+                    <a:lnBlToTr w="12700" cmpd="sng">
+                      <a:noFill/>
+                      <a:prstDash val="solid"/>
+                    </a:lnBlToTr>
+                  </a:tcPr>
+                </a:tc>
+                <a:extLst>
+                  <a:ext uri="{0D108BD9-81ED-4DB2-BD59-A6C34878D82A}">
+                    <a16:rowId xmlns:a16="http://schemas.microsoft.com/office/drawing/2014/main" val="266702974"/>
+                  </a:ext>
+                </a:extLst>
+              </a:tr>
+              <a:tr h="288147">
+                <a:tc>
+                  <a:txBody>
+                    <a:bodyPr/>
+                    <a:lstStyle/>
+                    <a:p>
+                      <a:pPr algn="l" latinLnBrk="1"/>
+                      <a:r>
+                        <a:rPr lang="en-US" altLang="ko-KR" sz="1000" b="0" dirty="0">
+                          <a:solidFill>
+                            <a:schemeClr val="tx1"/>
+                          </a:solidFill>
+                          <a:latin typeface="Consolas" panose="020B0609020204030204" pitchFamily="49" charset="0"/>
+                        </a:rPr>
+                        <a:t>With Setting </a:t>
+                      </a:r>
+                      <a:r>
+                        <a:rPr lang="en-US" altLang="ko-KR" sz="1000" b="0" dirty="0" err="1">
+                          <a:solidFill>
+                            <a:schemeClr val="tx1"/>
+                          </a:solidFill>
+                          <a:latin typeface="Consolas" panose="020B0609020204030204" pitchFamily="49" charset="0"/>
+                        </a:rPr>
+                        <a:t>Animatnion</a:t>
+                      </a:r>
+                      <a:endParaRPr lang="en-US" altLang="ko-KR" sz="1000" b="0" dirty="0">
+                        <a:solidFill>
+                          <a:schemeClr val="tx1"/>
+                        </a:solidFill>
+                        <a:latin typeface="Consolas" panose="020B0609020204030204" pitchFamily="49" charset="0"/>
+                      </a:endParaRPr>
+                    </a:p>
+                  </a:txBody>
+                  <a:tcPr anchor="ctr">
+                    <a:lnL w="12700" cap="flat" cmpd="sng" algn="ctr">
+                      <a:solidFill>
+                        <a:schemeClr val="accent2"/>
+                      </a:solidFill>
+                      <a:prstDash val="solid"/>
+                      <a:round/>
+                      <a:headEnd type="none" w="med" len="med"/>
+                      <a:tailEnd type="none" w="med" len="med"/>
+                    </a:lnL>
+                    <a:lnR w="12700" cap="flat" cmpd="sng" algn="ctr">
+                      <a:solidFill>
+                        <a:schemeClr val="accent2"/>
+                      </a:solidFill>
+                      <a:prstDash val="solid"/>
+                      <a:round/>
+                      <a:headEnd type="none" w="med" len="med"/>
+                      <a:tailEnd type="none" w="med" len="med"/>
+                    </a:lnR>
+                    <a:lnT w="12700" cap="flat" cmpd="sng" algn="ctr">
+                      <a:solidFill>
+                        <a:schemeClr val="accent2"/>
+                      </a:solidFill>
+                      <a:prstDash val="solid"/>
+                      <a:round/>
+                      <a:headEnd type="none" w="med" len="med"/>
+                      <a:tailEnd type="none" w="med" len="med"/>
+                    </a:lnT>
+                    <a:lnB w="12700" cap="flat" cmpd="sng" algn="ctr">
+                      <a:solidFill>
+                        <a:schemeClr val="accent2"/>
+                      </a:solidFill>
+                      <a:prstDash val="solid"/>
+                      <a:round/>
+                      <a:headEnd type="none" w="med" len="med"/>
+                      <a:tailEnd type="none" w="med" len="med"/>
+                    </a:lnB>
+                    <a:lnTlToBr w="12700" cmpd="sng">
+                      <a:noFill/>
+                      <a:prstDash val="solid"/>
+                    </a:lnTlToBr>
+                    <a:lnBlToTr w="12700" cmpd="sng">
+                      <a:noFill/>
+                      <a:prstDash val="solid"/>
+                    </a:lnBlToTr>
+                    <a:noFill/>
+                  </a:tcPr>
+                </a:tc>
+                <a:extLst>
+                  <a:ext uri="{0D108BD9-81ED-4DB2-BD59-A6C34878D82A}">
+                    <a16:rowId xmlns:a16="http://schemas.microsoft.com/office/drawing/2014/main" val="2940528510"/>
+                  </a:ext>
+                </a:extLst>
+              </a:tr>
+            </a:tbl>
+          </a:graphicData>
+        </a:graphic>
+      </p:graphicFrame>
+      <p:cxnSp>
+        <p:nvCxnSpPr>
+          <p:cNvPr id="13" name="직선 화살표 연결선 12">
+            <a:extLst>
+              <a:ext uri="{FF2B5EF4-FFF2-40B4-BE49-F238E27FC236}">
+                <a16:creationId xmlns:a16="http://schemas.microsoft.com/office/drawing/2014/main" id="{15905452-5955-4968-A39F-06F82C4C6355}"/>
+              </a:ext>
+            </a:extLst>
+          </p:cNvPr>
+          <p:cNvCxnSpPr>
+            <a:cxnSpLocks/>
+            <a:stCxn id="7" idx="3"/>
+            <a:endCxn id="8" idx="1"/>
+          </p:cNvCxnSpPr>
+          <p:nvPr/>
+        </p:nvCxnSpPr>
+        <p:spPr>
+          <a:xfrm flipV="1">
+            <a:off x="2595411" y="2070931"/>
+            <a:ext cx="604989" cy="1"/>
+          </a:xfrm>
+          <a:prstGeom prst="straightConnector1">
+            <a:avLst/>
+          </a:prstGeom>
+          <a:ln>
+            <a:tailEnd type="triangle"/>
+          </a:ln>
+        </p:spPr>
+        <p:style>
+          <a:lnRef idx="3">
+            <a:schemeClr val="accent2"/>
+          </a:lnRef>
+          <a:fillRef idx="0">
+            <a:schemeClr val="accent2"/>
+          </a:fillRef>
+          <a:effectRef idx="2">
+            <a:schemeClr val="accent2"/>
+          </a:effectRef>
+          <a:fontRef idx="minor">
+            <a:schemeClr val="tx1"/>
+          </a:fontRef>
+        </p:style>
+      </p:cxnSp>
+    </p:spTree>
+    <p:extLst>
+      <p:ext uri="{BB962C8B-B14F-4D97-AF65-F5344CB8AC3E}">
+        <p14:creationId xmlns:p14="http://schemas.microsoft.com/office/powerpoint/2010/main" val="3484523798"/>
+      </p:ext>
+    </p:extLst>
+  </p:cSld>
+  <p:clrMapOvr>
+    <a:masterClrMapping/>
+  </p:clrMapOvr>
+</p:sld>
+</file>
+
 <file path=ppt/theme/theme1.xml><?xml version="1.0" encoding="utf-8"?>
-<a:theme xmlns:a="http://schemas.openxmlformats.org/drawingml/2006/main" name="Office 테마">
+<a:theme xmlns:a="http://schemas.openxmlformats.org/drawingml/2006/main" name="슬레이트">
   <a:themeElements>
-    <a:clrScheme name="Office">
+    <a:clrScheme name="슬레이트">
       <a:dk1>
         <a:sysClr val="windowText" lastClr="000000"/>
       </a:dk1>
@@ -6582,97 +10710,45 @@
         <a:sysClr val="window" lastClr="FFFFFF"/>
       </a:lt1>
       <a:dk2>
-        <a:srgbClr val="44546A"/>
+        <a:srgbClr val="212123"/>
       </a:dk2>
       <a:lt2>
-        <a:srgbClr val="E7E6E6"/>
+        <a:srgbClr val="DADADA"/>
       </a:lt2>
       <a:accent1>
-        <a:srgbClr val="4472C4"/>
+        <a:srgbClr val="BC451B"/>
       </a:accent1>
       <a:accent2>
-        <a:srgbClr val="ED7D31"/>
+        <a:srgbClr val="D3BA68"/>
       </a:accent2>
       <a:accent3>
-        <a:srgbClr val="A5A5A5"/>
+        <a:srgbClr val="BB8640"/>
       </a:accent3>
       <a:accent4>
-        <a:srgbClr val="FFC000"/>
+        <a:srgbClr val="AD9277"/>
       </a:accent4>
       <a:accent5>
-        <a:srgbClr val="5B9BD5"/>
+        <a:srgbClr val="A55A43"/>
       </a:accent5>
       <a:accent6>
-        <a:srgbClr val="70AD47"/>
+        <a:srgbClr val="AD9D7B"/>
       </a:accent6>
       <a:hlink>
-        <a:srgbClr val="0563C1"/>
+        <a:srgbClr val="E98052"/>
       </a:hlink>
       <a:folHlink>
-        <a:srgbClr val="954F72"/>
+        <a:srgbClr val="F4B69B"/>
       </a:folHlink>
     </a:clrScheme>
-    <a:fontScheme name="Office">
+    <a:fontScheme name="슬레이트">
       <a:majorFont>
-        <a:latin typeface="맑은 고딕" panose="020F0302020204030204"/>
+        <a:latin typeface="Calisto MT" panose="02040603050505030304"/>
         <a:ea typeface=""/>
         <a:cs typeface=""/>
-        <a:font script="Jpan" typeface="游ゴシック Light"/>
-        <a:font script="Hang" typeface="맑은 고딕"/>
-        <a:font script="Hans" typeface="等线 Light"/>
-        <a:font script="Hant" typeface="新細明體"/>
-        <a:font script="Arab" typeface="Times New Roman"/>
-        <a:font script="Hebr" typeface="Times New Roman"/>
-        <a:font script="Thai" typeface="Angsana New"/>
-        <a:font script="Ethi" typeface="Nyala"/>
-        <a:font script="Beng" typeface="Vrinda"/>
-        <a:font script="Gujr" typeface="Shruti"/>
-        <a:font script="Khmr" typeface="MoolBoran"/>
-        <a:font script="Knda" typeface="Tunga"/>
-        <a:font script="Guru" typeface="Raavi"/>
-        <a:font script="Cans" typeface="Euphemia"/>
-        <a:font script="Cher" typeface="Plantagenet Cherokee"/>
-        <a:font script="Yiii" typeface="Microsoft Yi Baiti"/>
-        <a:font script="Tibt" typeface="Microsoft Himalaya"/>
-        <a:font script="Thaa" typeface="MV Boli"/>
-        <a:font script="Deva" typeface="Mangal"/>
-        <a:font script="Telu" typeface="Gautami"/>
-        <a:font script="Taml" typeface="Latha"/>
-        <a:font script="Syrc" typeface="Estrangelo Edessa"/>
-        <a:font script="Orya" typeface="Kalinga"/>
-        <a:font script="Mlym" typeface="Kartika"/>
-        <a:font script="Laoo" typeface="DokChampa"/>
-        <a:font script="Sinh" typeface="Iskoola Pota"/>
-        <a:font script="Mong" typeface="Mongolian Baiti"/>
-        <a:font script="Viet" typeface="Times New Roman"/>
-        <a:font script="Uigh" typeface="Microsoft Uighur"/>
-        <a:font script="Geor" typeface="Sylfaen"/>
-        <a:font script="Armn" typeface="Arial"/>
-        <a:font script="Bugi" typeface="Leelawadee UI"/>
-        <a:font script="Bopo" typeface="Microsoft JhengHei"/>
-        <a:font script="Java" typeface="Javanese Text"/>
-        <a:font script="Lisu" typeface="Segoe UI"/>
-        <a:font script="Mymr" typeface="Myanmar Text"/>
-        <a:font script="Nkoo" typeface="Ebrima"/>
-        <a:font script="Olck" typeface="Nirmala UI"/>
-        <a:font script="Osma" typeface="Ebrima"/>
-        <a:font script="Phag" typeface="Phagspa"/>
-        <a:font script="Syrn" typeface="Estrangelo Edessa"/>
-        <a:font script="Syrj" typeface="Estrangelo Edessa"/>
-        <a:font script="Syre" typeface="Estrangelo Edessa"/>
-        <a:font script="Sora" typeface="Nirmala UI"/>
-        <a:font script="Tale" typeface="Microsoft Tai Le"/>
-        <a:font script="Talu" typeface="Microsoft New Tai Lue"/>
-        <a:font script="Tfng" typeface="Ebrima"/>
-      </a:majorFont>
-      <a:minorFont>
-        <a:latin typeface="맑은 고딕" panose="020F0502020204030204"/>
-        <a:ea typeface=""/>
-        <a:cs typeface=""/>
-        <a:font script="Jpan" typeface="游ゴシック"/>
-        <a:font script="Hang" typeface="맑은 고딕"/>
-        <a:font script="Hans" typeface="等线"/>
-        <a:font script="Hant" typeface="新細明體"/>
+        <a:font script="Jpan" typeface="ＭＳ Ｐゴシック"/>
+        <a:font script="Hang" typeface="돋움"/>
+        <a:font script="Hans" typeface="方正舒体"/>
+        <a:font script="Hant" typeface="微軟正黑體"/>
         <a:font script="Arab" typeface="Arial"/>
         <a:font script="Hebr" typeface="Arial"/>
         <a:font script="Thai" typeface="Cordia New"/>
@@ -6699,26 +10775,44 @@
         <a:font script="Viet" typeface="Arial"/>
         <a:font script="Uigh" typeface="Microsoft Uighur"/>
         <a:font script="Geor" typeface="Sylfaen"/>
-        <a:font script="Armn" typeface="Arial"/>
-        <a:font script="Bugi" typeface="Leelawadee UI"/>
-        <a:font script="Bopo" typeface="Microsoft JhengHei"/>
-        <a:font script="Java" typeface="Javanese Text"/>
-        <a:font script="Lisu" typeface="Segoe UI"/>
-        <a:font script="Mymr" typeface="Myanmar Text"/>
-        <a:font script="Nkoo" typeface="Ebrima"/>
-        <a:font script="Olck" typeface="Nirmala UI"/>
-        <a:font script="Osma" typeface="Ebrima"/>
-        <a:font script="Phag" typeface="Phagspa"/>
-        <a:font script="Syrn" typeface="Estrangelo Edessa"/>
-        <a:font script="Syrj" typeface="Estrangelo Edessa"/>
-        <a:font script="Syre" typeface="Estrangelo Edessa"/>
-        <a:font script="Sora" typeface="Nirmala UI"/>
-        <a:font script="Tale" typeface="Microsoft Tai Le"/>
-        <a:font script="Talu" typeface="Microsoft New Tai Lue"/>
-        <a:font script="Tfng" typeface="Ebrima"/>
+      </a:majorFont>
+      <a:minorFont>
+        <a:latin typeface="Calisto MT" panose="02040603050505030304"/>
+        <a:ea typeface=""/>
+        <a:cs typeface=""/>
+        <a:font script="Jpan" typeface="ＭＳ Ｐゴシック"/>
+        <a:font script="Hang" typeface="돋움"/>
+        <a:font script="Hans" typeface="方正舒体"/>
+        <a:font script="Hant" typeface="微軟正黑體"/>
+        <a:font script="Arab" typeface="Arial"/>
+        <a:font script="Hebr" typeface="Arial"/>
+        <a:font script="Thai" typeface="Cordia New"/>
+        <a:font script="Ethi" typeface="Nyala"/>
+        <a:font script="Beng" typeface="Vrinda"/>
+        <a:font script="Gujr" typeface="Shruti"/>
+        <a:font script="Khmr" typeface="DaunPenh"/>
+        <a:font script="Knda" typeface="Tunga"/>
+        <a:font script="Guru" typeface="Raavi"/>
+        <a:font script="Cans" typeface="Euphemia"/>
+        <a:font script="Cher" typeface="Plantagenet Cherokee"/>
+        <a:font script="Yiii" typeface="Microsoft Yi Baiti"/>
+        <a:font script="Tibt" typeface="Microsoft Himalaya"/>
+        <a:font script="Thaa" typeface="MV Boli"/>
+        <a:font script="Deva" typeface="Mangal"/>
+        <a:font script="Telu" typeface="Gautami"/>
+        <a:font script="Taml" typeface="Latha"/>
+        <a:font script="Syrc" typeface="Estrangelo Edessa"/>
+        <a:font script="Orya" typeface="Kalinga"/>
+        <a:font script="Mlym" typeface="Kartika"/>
+        <a:font script="Laoo" typeface="DokChampa"/>
+        <a:font script="Sinh" typeface="Iskoola Pota"/>
+        <a:font script="Mong" typeface="Mongolian Baiti"/>
+        <a:font script="Viet" typeface="Arial"/>
+        <a:font script="Uigh" typeface="Microsoft Uighur"/>
+        <a:font script="Geor" typeface="Sylfaen"/>
       </a:minorFont>
     </a:fontScheme>
-    <a:fmtScheme name="Office">
+    <a:fmtScheme name="슬레이트">
       <a:fillStyleLst>
         <a:solidFill>
           <a:schemeClr val="phClr"/>
@@ -6727,23 +10821,13 @@
           <a:gsLst>
             <a:gs pos="0">
               <a:schemeClr val="phClr">
+                <a:tint val="60000"/>
                 <a:lumMod val="110000"/>
-                <a:satMod val="105000"/>
-                <a:tint val="67000"/>
-              </a:schemeClr>
-            </a:gs>
-            <a:gs pos="50000">
-              <a:schemeClr val="phClr">
-                <a:lumMod val="105000"/>
-                <a:satMod val="103000"/>
-                <a:tint val="73000"/>
               </a:schemeClr>
             </a:gs>
             <a:gs pos="100000">
               <a:schemeClr val="phClr">
-                <a:lumMod val="105000"/>
-                <a:satMod val="109000"/>
-                <a:tint val="81000"/>
+                <a:tint val="88000"/>
               </a:schemeClr>
             </a:gs>
           </a:gsLst>
@@ -6753,23 +10837,14 @@
           <a:gsLst>
             <a:gs pos="0">
               <a:schemeClr val="phClr">
-                <a:satMod val="103000"/>
-                <a:lumMod val="102000"/>
-                <a:tint val="94000"/>
-              </a:schemeClr>
-            </a:gs>
-            <a:gs pos="50000">
-              <a:schemeClr val="phClr">
-                <a:satMod val="110000"/>
-                <a:lumMod val="100000"/>
-                <a:shade val="100000"/>
+                <a:tint val="96000"/>
+                <a:lumMod val="104000"/>
               </a:schemeClr>
             </a:gs>
             <a:gs pos="100000">
               <a:schemeClr val="phClr">
-                <a:lumMod val="99000"/>
-                <a:satMod val="120000"/>
-                <a:shade val="78000"/>
+                <a:shade val="90000"/>
+                <a:lumMod val="90000"/>
               </a:schemeClr>
             </a:gs>
           </a:gsLst>
@@ -6777,26 +10852,25 @@
         </a:gradFill>
       </a:fillStyleLst>
       <a:lnStyleLst>
-        <a:ln w="6350" cap="flat" cmpd="sng" algn="ctr">
+        <a:ln w="9525" cap="rnd" cmpd="sng" algn="ctr">
+          <a:solidFill>
+            <a:schemeClr val="phClr">
+              <a:shade val="90000"/>
+            </a:schemeClr>
+          </a:solidFill>
+          <a:prstDash val="solid"/>
+        </a:ln>
+        <a:ln w="15875" cap="rnd" cmpd="sng" algn="ctr">
           <a:solidFill>
             <a:schemeClr val="phClr"/>
           </a:solidFill>
           <a:prstDash val="solid"/>
-          <a:miter lim="800000"/>
         </a:ln>
-        <a:ln w="12700" cap="flat" cmpd="sng" algn="ctr">
+        <a:ln w="25400" cap="rnd" cmpd="sng" algn="ctr">
           <a:solidFill>
             <a:schemeClr val="phClr"/>
           </a:solidFill>
           <a:prstDash val="solid"/>
-          <a:miter lim="800000"/>
-        </a:ln>
-        <a:ln w="19050" cap="flat" cmpd="sng" algn="ctr">
-          <a:solidFill>
-            <a:schemeClr val="phClr"/>
-          </a:solidFill>
-          <a:prstDash val="solid"/>
-          <a:miter lim="800000"/>
         </a:ln>
       </a:lnStyleLst>
       <a:effectStyleLst>
@@ -6804,16 +10878,33 @@
           <a:effectLst/>
         </a:effectStyle>
         <a:effectStyle>
-          <a:effectLst/>
+          <a:effectLst>
+            <a:outerShdw blurRad="63500" dist="25400" dir="5400000" rotWithShape="0">
+              <a:srgbClr val="000000">
+                <a:alpha val="60000"/>
+              </a:srgbClr>
+            </a:outerShdw>
+          </a:effectLst>
         </a:effectStyle>
         <a:effectStyle>
           <a:effectLst>
-            <a:outerShdw blurRad="57150" dist="19050" dir="5400000" algn="ctr" rotWithShape="0">
+            <a:outerShdw blurRad="76200" dist="38100" dir="5400000" rotWithShape="0">
               <a:srgbClr val="000000">
-                <a:alpha val="63000"/>
+                <a:alpha val="75000"/>
               </a:srgbClr>
             </a:outerShdw>
           </a:effectLst>
+          <a:scene3d>
+            <a:camera prst="orthographicFront">
+              <a:rot lat="0" lon="0" rev="0"/>
+            </a:camera>
+            <a:lightRig rig="threePt" dir="t">
+              <a:rot lat="0" lon="0" rev="1200000"/>
+            </a:lightRig>
+          </a:scene3d>
+          <a:sp3d>
+            <a:bevelT w="63500" h="25400" prst="hardEdge"/>
+          </a:sp3d>
         </a:effectStyle>
       </a:effectStyleLst>
       <a:bgFillStyleLst>
@@ -6821,38 +10912,22 @@
           <a:schemeClr val="phClr"/>
         </a:solidFill>
         <a:solidFill>
-          <a:schemeClr val="phClr">
-            <a:tint val="95000"/>
-            <a:satMod val="170000"/>
-          </a:schemeClr>
+          <a:schemeClr val="phClr"/>
         </a:solidFill>
-        <a:gradFill rotWithShape="1">
-          <a:gsLst>
-            <a:gs pos="0">
+        <a:blipFill rotWithShape="1">
+          <a:blip xmlns:r="http://schemas.openxmlformats.org/officeDocument/2006/relationships" r:embed="rId1">
+            <a:duotone>
               <a:schemeClr val="phClr">
-                <a:tint val="93000"/>
-                <a:satMod val="150000"/>
-                <a:shade val="98000"/>
-                <a:lumMod val="102000"/>
+                <a:shade val="80000"/>
+                <a:lumMod val="80000"/>
               </a:schemeClr>
-            </a:gs>
-            <a:gs pos="50000">
               <a:schemeClr val="phClr">
                 <a:tint val="98000"/>
-                <a:satMod val="130000"/>
-                <a:shade val="90000"/>
-                <a:lumMod val="103000"/>
               </a:schemeClr>
-            </a:gs>
-            <a:gs pos="100000">
-              <a:schemeClr val="phClr">
-                <a:shade val="63000"/>
-                <a:satMod val="120000"/>
-              </a:schemeClr>
-            </a:gs>
-          </a:gsLst>
-          <a:lin ang="5400000" scaled="0"/>
-        </a:gradFill>
+            </a:duotone>
+          </a:blip>
+          <a:stretch/>
+        </a:blipFill>
       </a:bgFillStyleLst>
     </a:fmtScheme>
   </a:themeElements>
@@ -6860,7 +10935,7 @@
   <a:extraClrSchemeLst/>
   <a:extLst>
     <a:ext uri="{05A4C25C-085E-4340-85A3-A5531E510DB2}">
-      <thm15:themeFamily xmlns:thm15="http://schemas.microsoft.com/office/thememl/2012/main" name="Office Theme" id="{62F939B6-93AF-4DB8-9C6B-D6C7DFDC589F}" vid="{4A3C46E8-61CC-4603-A589-7422A47A8E4A}"/>
+      <thm15:themeFamily xmlns:thm15="http://schemas.microsoft.com/office/thememl/2012/main" name="Slate" id="{C3F70B94-7CE9-428E-ADC1-3269CC2C3385}" vid="{3F2DE9A5-64E6-437C-A389-CC4477E817E8}"/>
     </a:ext>
   </a:extLst>
 </a:theme>
